--- a/presentation_powerpoint.pptx
+++ b/presentation_powerpoint.pptx
@@ -9,6 +9,8 @@
     <p:sldId id="257" r:id="rId3"/>
     <p:sldId id="258" r:id="rId4"/>
     <p:sldId id="259" r:id="rId5"/>
+    <p:sldId id="260" r:id="rId6"/>
+    <p:sldId id="261" r:id="rId7"/>
   </p:sldIdLst>
   <p:sldSz cx="12192000" cy="6858000"/>
   <p:notesSz cx="6858000" cy="9144000"/>
@@ -107,6 +109,11 @@
       </a:defRPr>
     </a:lvl9pPr>
   </p:defaultTextStyle>
+  <p:extLst>
+    <p:ext uri="{EFAFB233-063F-42B5-8137-9DF3F51BA10A}">
+      <p15:sldGuideLst xmlns:p15="http://schemas.microsoft.com/office/powerpoint/2012/main"/>
+    </p:ext>
+  </p:extLst>
 </p:presentation>
 </file>
 
@@ -3628,7 +3635,7 @@
           <p:cNvPr id="2" name="Title 1">
             <a:extLst>
               <a:ext uri="{FF2B5EF4-FFF2-40B4-BE49-F238E27FC236}">
-                <a16:creationId xmlns:a16="http://schemas.microsoft.com/office/drawing/2014/main" id="{EA90D29C-2294-C785-A687-654439DC5B8A}"/>
+                <a16:creationId xmlns:a16="http://schemas.microsoft.com/office/drawing/2014/main" id="{286E8117-91A1-2515-E806-6341253F0CF9}"/>
               </a:ext>
             </a:extLst>
           </p:cNvPr>
@@ -3644,39 +3651,236 @@
           <a:bodyPr/>
           <a:lstStyle/>
           <a:p>
-            <a:endParaRPr lang="en-AU" dirty="0"/>
-          </a:p>
-        </p:txBody>
-      </p:sp>
-      <p:sp>
-        <p:nvSpPr>
-          <p:cNvPr id="3" name="Content Placeholder 2">
-            <a:extLst>
-              <a:ext uri="{FF2B5EF4-FFF2-40B4-BE49-F238E27FC236}">
-                <a16:creationId xmlns:a16="http://schemas.microsoft.com/office/drawing/2014/main" id="{1F747D2E-5667-628C-D6DB-124E69325AD6}"/>
-              </a:ext>
-            </a:extLst>
-          </p:cNvPr>
-          <p:cNvSpPr>
-            <a:spLocks noGrp="1"/>
-          </p:cNvSpPr>
-          <p:nvPr>
-            <p:ph idx="1"/>
-          </p:nvPr>
-        </p:nvSpPr>
-        <p:spPr/>
-        <p:txBody>
-          <a:bodyPr/>
-          <a:lstStyle/>
-          <a:p>
-            <a:endParaRPr lang="en-AU"/>
+            <a:r>
+              <a:rPr lang="en-AU" dirty="0"/>
+              <a:t>Method/Function Explanation</a:t>
+            </a:r>
+          </a:p>
+        </p:txBody>
+      </p:sp>
+      <p:sp>
+        <p:nvSpPr>
+          <p:cNvPr id="4" name="Picture Placeholder 3">
+            <a:extLst>
+              <a:ext uri="{FF2B5EF4-FFF2-40B4-BE49-F238E27FC236}">
+                <a16:creationId xmlns:a16="http://schemas.microsoft.com/office/drawing/2014/main" id="{AB617102-E7AE-F67C-BBC4-CF5E0C0BB5AA}"/>
+              </a:ext>
+            </a:extLst>
+          </p:cNvPr>
+          <p:cNvSpPr>
+            <a:spLocks noGrp="1"/>
+          </p:cNvSpPr>
+          <p:nvPr>
+            <p:ph type="pic" idx="1"/>
+          </p:nvPr>
+        </p:nvSpPr>
+        <p:spPr/>
+        <p:txBody>
+          <a:bodyPr/>
+          <a:lstStyle/>
+          <a:p>
+            <a:endParaRPr lang="en-AU"/>
+          </a:p>
+        </p:txBody>
+      </p:sp>
+      <p:sp>
+        <p:nvSpPr>
+          <p:cNvPr id="5" name="Text Placeholder 4">
+            <a:extLst>
+              <a:ext uri="{FF2B5EF4-FFF2-40B4-BE49-F238E27FC236}">
+                <a16:creationId xmlns:a16="http://schemas.microsoft.com/office/drawing/2014/main" id="{D81B748B-E320-2C71-7C50-F86C65D8028D}"/>
+              </a:ext>
+            </a:extLst>
+          </p:cNvPr>
+          <p:cNvSpPr>
+            <a:spLocks noGrp="1"/>
+          </p:cNvSpPr>
+          <p:nvPr>
+            <p:ph type="body" sz="half" idx="2"/>
+          </p:nvPr>
+        </p:nvSpPr>
+        <p:spPr/>
+        <p:txBody>
+          <a:bodyPr/>
+          <a:lstStyle/>
+          <a:p>
+            <a:r>
+              <a:rPr lang="en-AU" dirty="0"/>
+              <a:t>Picking function that has imported code in it</a:t>
+            </a:r>
           </a:p>
         </p:txBody>
       </p:sp>
     </p:spTree>
     <p:extLst>
       <p:ext uri="{BB962C8B-B14F-4D97-AF65-F5344CB8AC3E}">
-        <p14:creationId xmlns:p14="http://schemas.microsoft.com/office/powerpoint/2010/main" val="2860141451"/>
+        <p14:creationId xmlns:p14="http://schemas.microsoft.com/office/powerpoint/2010/main" val="4247718619"/>
+      </p:ext>
+    </p:extLst>
+  </p:cSld>
+  <p:clrMapOvr>
+    <a:masterClrMapping/>
+  </p:clrMapOvr>
+</p:sld>
+</file>
+
+<file path=ppt/slides/slide5.xml><?xml version="1.0" encoding="utf-8"?>
+<p:sld xmlns:a="http://schemas.openxmlformats.org/drawingml/2006/main" xmlns:r="http://schemas.openxmlformats.org/officeDocument/2006/relationships" xmlns:p="http://schemas.openxmlformats.org/presentationml/2006/main">
+  <p:cSld>
+    <p:spTree>
+      <p:nvGrpSpPr>
+        <p:cNvPr id="1" name=""/>
+        <p:cNvGrpSpPr/>
+        <p:nvPr/>
+      </p:nvGrpSpPr>
+      <p:grpSpPr>
+        <a:xfrm>
+          <a:off x="0" y="0"/>
+          <a:ext cx="0" cy="0"/>
+          <a:chOff x="0" y="0"/>
+          <a:chExt cx="0" cy="0"/>
+        </a:xfrm>
+      </p:grpSpPr>
+      <p:sp>
+        <p:nvSpPr>
+          <p:cNvPr id="2" name="Title 1">
+            <a:extLst>
+              <a:ext uri="{FF2B5EF4-FFF2-40B4-BE49-F238E27FC236}">
+                <a16:creationId xmlns:a16="http://schemas.microsoft.com/office/drawing/2014/main" id="{3864C65D-109A-F754-1941-FFA725539137}"/>
+              </a:ext>
+            </a:extLst>
+          </p:cNvPr>
+          <p:cNvSpPr>
+            <a:spLocks noGrp="1"/>
+          </p:cNvSpPr>
+          <p:nvPr>
+            <p:ph type="title"/>
+          </p:nvPr>
+        </p:nvSpPr>
+        <p:spPr/>
+        <p:txBody>
+          <a:bodyPr/>
+          <a:lstStyle/>
+          <a:p>
+            <a:r>
+              <a:rPr lang="en-AU" dirty="0"/>
+              <a:t>Class Explanation</a:t>
+            </a:r>
+          </a:p>
+        </p:txBody>
+      </p:sp>
+      <p:sp>
+        <p:nvSpPr>
+          <p:cNvPr id="3" name="Content Placeholder 2">
+            <a:extLst>
+              <a:ext uri="{FF2B5EF4-FFF2-40B4-BE49-F238E27FC236}">
+                <a16:creationId xmlns:a16="http://schemas.microsoft.com/office/drawing/2014/main" id="{D58C9DF8-BB96-925C-8299-553505739B52}"/>
+              </a:ext>
+            </a:extLst>
+          </p:cNvPr>
+          <p:cNvSpPr>
+            <a:spLocks noGrp="1"/>
+          </p:cNvSpPr>
+          <p:nvPr>
+            <p:ph idx="1"/>
+          </p:nvPr>
+        </p:nvSpPr>
+        <p:spPr/>
+        <p:txBody>
+          <a:bodyPr/>
+          <a:lstStyle/>
+          <a:p>
+            <a:endParaRPr lang="en-AU"/>
+          </a:p>
+        </p:txBody>
+      </p:sp>
+    </p:spTree>
+    <p:extLst>
+      <p:ext uri="{BB962C8B-B14F-4D97-AF65-F5344CB8AC3E}">
+        <p14:creationId xmlns:p14="http://schemas.microsoft.com/office/powerpoint/2010/main" val="258299022"/>
+      </p:ext>
+    </p:extLst>
+  </p:cSld>
+  <p:clrMapOvr>
+    <a:masterClrMapping/>
+  </p:clrMapOvr>
+</p:sld>
+</file>
+
+<file path=ppt/slides/slide6.xml><?xml version="1.0" encoding="utf-8"?>
+<p:sld xmlns:a="http://schemas.openxmlformats.org/drawingml/2006/main" xmlns:r="http://schemas.openxmlformats.org/officeDocument/2006/relationships" xmlns:p="http://schemas.openxmlformats.org/presentationml/2006/main">
+  <p:cSld>
+    <p:spTree>
+      <p:nvGrpSpPr>
+        <p:cNvPr id="1" name=""/>
+        <p:cNvGrpSpPr/>
+        <p:nvPr/>
+      </p:nvGrpSpPr>
+      <p:grpSpPr>
+        <a:xfrm>
+          <a:off x="0" y="0"/>
+          <a:ext cx="0" cy="0"/>
+          <a:chOff x="0" y="0"/>
+          <a:chExt cx="0" cy="0"/>
+        </a:xfrm>
+      </p:grpSpPr>
+      <p:sp>
+        <p:nvSpPr>
+          <p:cNvPr id="2" name="Title 1">
+            <a:extLst>
+              <a:ext uri="{FF2B5EF4-FFF2-40B4-BE49-F238E27FC236}">
+                <a16:creationId xmlns:a16="http://schemas.microsoft.com/office/drawing/2014/main" id="{E6D69275-0613-FC30-BAC8-93A7F1E6E358}"/>
+              </a:ext>
+            </a:extLst>
+          </p:cNvPr>
+          <p:cNvSpPr>
+            <a:spLocks noGrp="1"/>
+          </p:cNvSpPr>
+          <p:nvPr>
+            <p:ph type="title"/>
+          </p:nvPr>
+        </p:nvSpPr>
+        <p:spPr/>
+        <p:txBody>
+          <a:bodyPr/>
+          <a:lstStyle/>
+          <a:p>
+            <a:r>
+              <a:rPr lang="en-AU" dirty="0"/>
+              <a:t>Feedback Review</a:t>
+            </a:r>
+          </a:p>
+        </p:txBody>
+      </p:sp>
+      <p:sp>
+        <p:nvSpPr>
+          <p:cNvPr id="3" name="Content Placeholder 2">
+            <a:extLst>
+              <a:ext uri="{FF2B5EF4-FFF2-40B4-BE49-F238E27FC236}">
+                <a16:creationId xmlns:a16="http://schemas.microsoft.com/office/drawing/2014/main" id="{B05432EA-A4DD-3A95-8230-120F5BDCA39C}"/>
+              </a:ext>
+            </a:extLst>
+          </p:cNvPr>
+          <p:cNvSpPr>
+            <a:spLocks noGrp="1"/>
+          </p:cNvSpPr>
+          <p:nvPr>
+            <p:ph idx="1"/>
+          </p:nvPr>
+        </p:nvSpPr>
+        <p:spPr/>
+        <p:txBody>
+          <a:bodyPr/>
+          <a:lstStyle/>
+          <a:p>
+            <a:endParaRPr lang="en-AU"/>
+          </a:p>
+        </p:txBody>
+      </p:sp>
+    </p:spTree>
+    <p:extLst>
+      <p:ext uri="{BB962C8B-B14F-4D97-AF65-F5344CB8AC3E}">
+        <p14:creationId xmlns:p14="http://schemas.microsoft.com/office/powerpoint/2010/main" val="2670311819"/>
       </p:ext>
     </p:extLst>
   </p:cSld>

--- a/presentation_powerpoint.pptx
+++ b/presentation_powerpoint.pptx
@@ -2,7 +2,7 @@
 <file path=ppt/presentation.xml><?xml version="1.0" encoding="utf-8"?>
 <p:presentation xmlns:a="http://schemas.openxmlformats.org/drawingml/2006/main" xmlns:r="http://schemas.openxmlformats.org/officeDocument/2006/relationships" xmlns:p="http://schemas.openxmlformats.org/presentationml/2006/main" saveSubsetFonts="1">
   <p:sldMasterIdLst>
-    <p:sldMasterId id="2147483648" r:id="rId1"/>
+    <p:sldMasterId id="2147483858" r:id="rId1"/>
   </p:sldMasterIdLst>
   <p:sldIdLst>
     <p:sldId id="256" r:id="rId2"/>
@@ -18,7 +18,7 @@
     <a:defPPr>
       <a:defRPr lang="en-US"/>
     </a:defPPr>
-    <a:lvl1pPr marL="0" algn="l" defTabSz="914400" rtl="0" eaLnBrk="1" latinLnBrk="0" hangingPunct="1">
+    <a:lvl1pPr marL="0" algn="l" defTabSz="457200" rtl="0" eaLnBrk="1" latinLnBrk="0" hangingPunct="1">
       <a:defRPr sz="1800" kern="1200">
         <a:solidFill>
           <a:schemeClr val="tx1"/>
@@ -28,7 +28,7 @@
         <a:cs typeface="+mn-cs"/>
       </a:defRPr>
     </a:lvl1pPr>
-    <a:lvl2pPr marL="457200" algn="l" defTabSz="914400" rtl="0" eaLnBrk="1" latinLnBrk="0" hangingPunct="1">
+    <a:lvl2pPr marL="457200" algn="l" defTabSz="457200" rtl="0" eaLnBrk="1" latinLnBrk="0" hangingPunct="1">
       <a:defRPr sz="1800" kern="1200">
         <a:solidFill>
           <a:schemeClr val="tx1"/>
@@ -38,7 +38,7 @@
         <a:cs typeface="+mn-cs"/>
       </a:defRPr>
     </a:lvl2pPr>
-    <a:lvl3pPr marL="914400" algn="l" defTabSz="914400" rtl="0" eaLnBrk="1" latinLnBrk="0" hangingPunct="1">
+    <a:lvl3pPr marL="914400" algn="l" defTabSz="457200" rtl="0" eaLnBrk="1" latinLnBrk="0" hangingPunct="1">
       <a:defRPr sz="1800" kern="1200">
         <a:solidFill>
           <a:schemeClr val="tx1"/>
@@ -48,7 +48,7 @@
         <a:cs typeface="+mn-cs"/>
       </a:defRPr>
     </a:lvl3pPr>
-    <a:lvl4pPr marL="1371600" algn="l" defTabSz="914400" rtl="0" eaLnBrk="1" latinLnBrk="0" hangingPunct="1">
+    <a:lvl4pPr marL="1371600" algn="l" defTabSz="457200" rtl="0" eaLnBrk="1" latinLnBrk="0" hangingPunct="1">
       <a:defRPr sz="1800" kern="1200">
         <a:solidFill>
           <a:schemeClr val="tx1"/>
@@ -58,7 +58,7 @@
         <a:cs typeface="+mn-cs"/>
       </a:defRPr>
     </a:lvl4pPr>
-    <a:lvl5pPr marL="1828800" algn="l" defTabSz="914400" rtl="0" eaLnBrk="1" latinLnBrk="0" hangingPunct="1">
+    <a:lvl5pPr marL="1828800" algn="l" defTabSz="457200" rtl="0" eaLnBrk="1" latinLnBrk="0" hangingPunct="1">
       <a:defRPr sz="1800" kern="1200">
         <a:solidFill>
           <a:schemeClr val="tx1"/>
@@ -68,7 +68,7 @@
         <a:cs typeface="+mn-cs"/>
       </a:defRPr>
     </a:lvl5pPr>
-    <a:lvl6pPr marL="2286000" algn="l" defTabSz="914400" rtl="0" eaLnBrk="1" latinLnBrk="0" hangingPunct="1">
+    <a:lvl6pPr marL="2286000" algn="l" defTabSz="457200" rtl="0" eaLnBrk="1" latinLnBrk="0" hangingPunct="1">
       <a:defRPr sz="1800" kern="1200">
         <a:solidFill>
           <a:schemeClr val="tx1"/>
@@ -78,7 +78,7 @@
         <a:cs typeface="+mn-cs"/>
       </a:defRPr>
     </a:lvl6pPr>
-    <a:lvl7pPr marL="2743200" algn="l" defTabSz="914400" rtl="0" eaLnBrk="1" latinLnBrk="0" hangingPunct="1">
+    <a:lvl7pPr marL="2743200" algn="l" defTabSz="457200" rtl="0" eaLnBrk="1" latinLnBrk="0" hangingPunct="1">
       <a:defRPr sz="1800" kern="1200">
         <a:solidFill>
           <a:schemeClr val="tx1"/>
@@ -88,7 +88,7 @@
         <a:cs typeface="+mn-cs"/>
       </a:defRPr>
     </a:lvl7pPr>
-    <a:lvl8pPr marL="3200400" algn="l" defTabSz="914400" rtl="0" eaLnBrk="1" latinLnBrk="0" hangingPunct="1">
+    <a:lvl8pPr marL="3200400" algn="l" defTabSz="457200" rtl="0" eaLnBrk="1" latinLnBrk="0" hangingPunct="1">
       <a:defRPr sz="1800" kern="1200">
         <a:solidFill>
           <a:schemeClr val="tx1"/>
@@ -98,7 +98,7 @@
         <a:cs typeface="+mn-cs"/>
       </a:defRPr>
     </a:lvl8pPr>
-    <a:lvl9pPr marL="3657600" algn="l" defTabSz="914400" rtl="0" eaLnBrk="1" latinLnBrk="0" hangingPunct="1">
+    <a:lvl9pPr marL="3657600" algn="l" defTabSz="457200" rtl="0" eaLnBrk="1" latinLnBrk="0" hangingPunct="1">
       <a:defRPr sz="1800" kern="1200">
         <a:solidFill>
           <a:schemeClr val="tx1"/>
@@ -136,13 +136,7 @@
       </p:grpSpPr>
       <p:sp>
         <p:nvSpPr>
-          <p:cNvPr id="2" name="Title 1">
-            <a:extLst>
-              <a:ext uri="{FF2B5EF4-FFF2-40B4-BE49-F238E27FC236}">
-                <a16:creationId xmlns:a16="http://schemas.microsoft.com/office/drawing/2014/main" id="{B232ADA6-9308-D02E-52FA-1D2E45C85944}"/>
-              </a:ext>
-            </a:extLst>
-          </p:cNvPr>
+          <p:cNvPr id="2" name="Title 1"/>
           <p:cNvSpPr>
             <a:spLocks noGrp="1"/>
           </p:cNvSpPr>
@@ -152,15 +146,17 @@
         </p:nvSpPr>
         <p:spPr>
           <a:xfrm>
-            <a:off x="1524000" y="1122363"/>
-            <a:ext cx="9144000" cy="2387600"/>
+            <a:off x="1370693" y="1769540"/>
+            <a:ext cx="9440034" cy="1828801"/>
           </a:xfrm>
         </p:spPr>
         <p:txBody>
-          <a:bodyPr anchor="b"/>
+          <a:bodyPr anchor="b">
+            <a:normAutofit/>
+          </a:bodyPr>
           <a:lstStyle>
             <a:lvl1pPr algn="ctr">
-              <a:defRPr sz="6000"/>
+              <a:defRPr sz="5400"/>
             </a:lvl1pPr>
           </a:lstStyle>
           <a:p>
@@ -168,19 +164,13 @@
               <a:rPr lang="en-US"/>
               <a:t>Click to edit Master title style</a:t>
             </a:r>
-            <a:endParaRPr lang="en-AU"/>
-          </a:p>
-        </p:txBody>
-      </p:sp>
-      <p:sp>
-        <p:nvSpPr>
-          <p:cNvPr id="3" name="Subtitle 2">
-            <a:extLst>
-              <a:ext uri="{FF2B5EF4-FFF2-40B4-BE49-F238E27FC236}">
-                <a16:creationId xmlns:a16="http://schemas.microsoft.com/office/drawing/2014/main" id="{AB0F1C1B-4ECA-7587-0E5B-F2A4AACC8130}"/>
-              </a:ext>
-            </a:extLst>
-          </p:cNvPr>
+            <a:endParaRPr lang="en-US" dirty="0"/>
+          </a:p>
+        </p:txBody>
+      </p:sp>
+      <p:sp>
+        <p:nvSpPr>
+          <p:cNvPr id="3" name="Subtitle 2"/>
           <p:cNvSpPr>
             <a:spLocks noGrp="1"/>
           </p:cNvSpPr>
@@ -190,48 +180,100 @@
         </p:nvSpPr>
         <p:spPr>
           <a:xfrm>
-            <a:off x="1524000" y="3602038"/>
-            <a:ext cx="9144000" cy="1655762"/>
+            <a:off x="1370693" y="3598339"/>
+            <a:ext cx="9440034" cy="1049867"/>
           </a:xfrm>
         </p:spPr>
         <p:txBody>
-          <a:bodyPr/>
+          <a:bodyPr anchor="t"/>
           <a:lstStyle>
             <a:lvl1pPr marL="0" indent="0" algn="ctr">
               <a:buNone/>
-              <a:defRPr sz="2400"/>
+              <a:defRPr>
+                <a:solidFill>
+                  <a:schemeClr val="tx1"/>
+                </a:solidFill>
+              </a:defRPr>
             </a:lvl1pPr>
             <a:lvl2pPr marL="457200" indent="0" algn="ctr">
               <a:buNone/>
-              <a:defRPr sz="2000"/>
+              <a:defRPr>
+                <a:solidFill>
+                  <a:schemeClr val="tx1">
+                    <a:tint val="75000"/>
+                  </a:schemeClr>
+                </a:solidFill>
+              </a:defRPr>
             </a:lvl2pPr>
             <a:lvl3pPr marL="914400" indent="0" algn="ctr">
               <a:buNone/>
-              <a:defRPr sz="1800"/>
+              <a:defRPr>
+                <a:solidFill>
+                  <a:schemeClr val="tx1">
+                    <a:tint val="75000"/>
+                  </a:schemeClr>
+                </a:solidFill>
+              </a:defRPr>
             </a:lvl3pPr>
             <a:lvl4pPr marL="1371600" indent="0" algn="ctr">
               <a:buNone/>
-              <a:defRPr sz="1600"/>
+              <a:defRPr>
+                <a:solidFill>
+                  <a:schemeClr val="tx1">
+                    <a:tint val="75000"/>
+                  </a:schemeClr>
+                </a:solidFill>
+              </a:defRPr>
             </a:lvl4pPr>
             <a:lvl5pPr marL="1828800" indent="0" algn="ctr">
               <a:buNone/>
-              <a:defRPr sz="1600"/>
+              <a:defRPr>
+                <a:solidFill>
+                  <a:schemeClr val="tx1">
+                    <a:tint val="75000"/>
+                  </a:schemeClr>
+                </a:solidFill>
+              </a:defRPr>
             </a:lvl5pPr>
             <a:lvl6pPr marL="2286000" indent="0" algn="ctr">
               <a:buNone/>
-              <a:defRPr sz="1600"/>
+              <a:defRPr>
+                <a:solidFill>
+                  <a:schemeClr val="tx1">
+                    <a:tint val="75000"/>
+                  </a:schemeClr>
+                </a:solidFill>
+              </a:defRPr>
             </a:lvl6pPr>
             <a:lvl7pPr marL="2743200" indent="0" algn="ctr">
               <a:buNone/>
-              <a:defRPr sz="1600"/>
+              <a:defRPr>
+                <a:solidFill>
+                  <a:schemeClr val="tx1">
+                    <a:tint val="75000"/>
+                  </a:schemeClr>
+                </a:solidFill>
+              </a:defRPr>
             </a:lvl7pPr>
             <a:lvl8pPr marL="3200400" indent="0" algn="ctr">
               <a:buNone/>
-              <a:defRPr sz="1600"/>
+              <a:defRPr>
+                <a:solidFill>
+                  <a:schemeClr val="tx1">
+                    <a:tint val="75000"/>
+                  </a:schemeClr>
+                </a:solidFill>
+              </a:defRPr>
             </a:lvl8pPr>
             <a:lvl9pPr marL="3657600" indent="0" algn="ctr">
               <a:buNone/>
-              <a:defRPr sz="1600"/>
+              <a:defRPr>
+                <a:solidFill>
+                  <a:schemeClr val="tx1">
+                    <a:tint val="75000"/>
+                  </a:schemeClr>
+                </a:solidFill>
+              </a:defRPr>
             </a:lvl9pPr>
           </a:lstStyle>
           <a:p>
@@ -239,19 +281,13 @@
               <a:rPr lang="en-US"/>
               <a:t>Click to edit Master subtitle style</a:t>
             </a:r>
-            <a:endParaRPr lang="en-AU"/>
-          </a:p>
-        </p:txBody>
-      </p:sp>
-      <p:sp>
-        <p:nvSpPr>
-          <p:cNvPr id="4" name="Date Placeholder 3">
-            <a:extLst>
-              <a:ext uri="{FF2B5EF4-FFF2-40B4-BE49-F238E27FC236}">
-                <a16:creationId xmlns:a16="http://schemas.microsoft.com/office/drawing/2014/main" id="{79EC537D-EB52-7FC2-61CF-5500136233FA}"/>
-              </a:ext>
-            </a:extLst>
-          </p:cNvPr>
+            <a:endParaRPr lang="en-US" dirty="0"/>
+          </a:p>
+        </p:txBody>
+      </p:sp>
+      <p:sp>
+        <p:nvSpPr>
+          <p:cNvPr id="4" name="Date Placeholder 3"/>
           <p:cNvSpPr>
             <a:spLocks noGrp="1"/>
           </p:cNvSpPr>
@@ -266,7 +302,7 @@
           <a:p>
             <a:fld id="{D90120EC-953E-48DF-8E2D-0C8283984789}" type="datetimeFigureOut">
               <a:rPr lang="en-AU" smtClean="0"/>
-              <a:t>5/12/2024</a:t>
+              <a:t>6/12/2024</a:t>
             </a:fld>
             <a:endParaRPr lang="en-AU"/>
           </a:p>
@@ -274,13 +310,7 @@
       </p:sp>
       <p:sp>
         <p:nvSpPr>
-          <p:cNvPr id="5" name="Footer Placeholder 4">
-            <a:extLst>
-              <a:ext uri="{FF2B5EF4-FFF2-40B4-BE49-F238E27FC236}">
-                <a16:creationId xmlns:a16="http://schemas.microsoft.com/office/drawing/2014/main" id="{9859682A-67BA-FC43-D91A-41BEDF4EF57C}"/>
-              </a:ext>
-            </a:extLst>
-          </p:cNvPr>
+          <p:cNvPr id="5" name="Footer Placeholder 4"/>
           <p:cNvSpPr>
             <a:spLocks noGrp="1"/>
           </p:cNvSpPr>
@@ -299,13 +329,7 @@
       </p:sp>
       <p:sp>
         <p:nvSpPr>
-          <p:cNvPr id="6" name="Slide Number Placeholder 5">
-            <a:extLst>
-              <a:ext uri="{FF2B5EF4-FFF2-40B4-BE49-F238E27FC236}">
-                <a16:creationId xmlns:a16="http://schemas.microsoft.com/office/drawing/2014/main" id="{32301F6A-1FFD-F7BF-A257-9349C027BAB7}"/>
-              </a:ext>
-            </a:extLst>
-          </p:cNvPr>
+          <p:cNvPr id="6" name="Slide Number Placeholder 5"/>
           <p:cNvSpPr>
             <a:spLocks noGrp="1"/>
           </p:cNvSpPr>
@@ -329,7 +353,7 @@
     </p:spTree>
     <p:extLst>
       <p:ext uri="{BB962C8B-B14F-4D97-AF65-F5344CB8AC3E}">
-        <p14:creationId xmlns:p14="http://schemas.microsoft.com/office/powerpoint/2010/main" val="3985683025"/>
+        <p14:creationId xmlns:p14="http://schemas.microsoft.com/office/powerpoint/2010/main" val="634516132"/>
       </p:ext>
     </p:extLst>
   </p:cSld>
@@ -340,6 +364,2582 @@
 </file>
 
 <file path=ppt/slideLayouts/slideLayout10.xml><?xml version="1.0" encoding="utf-8"?>
+<p:sldLayout xmlns:a="http://schemas.openxmlformats.org/drawingml/2006/main" xmlns:r="http://schemas.openxmlformats.org/officeDocument/2006/relationships" xmlns:p="http://schemas.openxmlformats.org/presentationml/2006/main" preserve="1">
+  <p:cSld name="Panoramic Picture with Caption">
+    <p:spTree>
+      <p:nvGrpSpPr>
+        <p:cNvPr id="1" name=""/>
+        <p:cNvGrpSpPr/>
+        <p:nvPr/>
+      </p:nvGrpSpPr>
+      <p:grpSpPr>
+        <a:xfrm>
+          <a:off x="0" y="0"/>
+          <a:ext cx="0" cy="0"/>
+          <a:chOff x="0" y="0"/>
+          <a:chExt cx="0" cy="0"/>
+        </a:xfrm>
+      </p:grpSpPr>
+      <p:pic>
+        <p:nvPicPr>
+          <p:cNvPr id="16" name="Picture 15" descr="Slate-V2-HD-panoPhotoInset.png"/>
+          <p:cNvPicPr>
+            <a:picLocks noChangeAspect="1"/>
+          </p:cNvPicPr>
+          <p:nvPr/>
+        </p:nvPicPr>
+        <p:blipFill>
+          <a:blip r:embed="rId2">
+            <a:extLst>
+              <a:ext uri="{28A0092B-C50C-407E-A947-70E740481C1C}">
+                <a14:useLocalDpi xmlns:a14="http://schemas.microsoft.com/office/drawing/2010/main" val="0"/>
+              </a:ext>
+            </a:extLst>
+          </a:blip>
+          <a:stretch>
+            <a:fillRect/>
+          </a:stretch>
+        </p:blipFill>
+        <p:spPr>
+          <a:xfrm>
+            <a:off x="1013883" y="547807"/>
+            <a:ext cx="10141799" cy="3816806"/>
+          </a:xfrm>
+          <a:prstGeom prst="rect">
+            <a:avLst/>
+          </a:prstGeom>
+        </p:spPr>
+      </p:pic>
+      <p:sp>
+        <p:nvSpPr>
+          <p:cNvPr id="2" name="Title 1"/>
+          <p:cNvSpPr>
+            <a:spLocks noGrp="1"/>
+          </p:cNvSpPr>
+          <p:nvPr>
+            <p:ph type="title"/>
+          </p:nvPr>
+        </p:nvSpPr>
+        <p:spPr>
+          <a:xfrm>
+            <a:off x="913806" y="4565255"/>
+            <a:ext cx="10355326" cy="543472"/>
+          </a:xfrm>
+        </p:spPr>
+        <p:txBody>
+          <a:bodyPr anchor="b">
+            <a:normAutofit/>
+          </a:bodyPr>
+          <a:lstStyle>
+            <a:lvl1pPr algn="ctr">
+              <a:defRPr sz="2800"/>
+            </a:lvl1pPr>
+          </a:lstStyle>
+          <a:p>
+            <a:r>
+              <a:rPr lang="en-US"/>
+              <a:t>Click to edit Master title style</a:t>
+            </a:r>
+            <a:endParaRPr lang="en-US" dirty="0"/>
+          </a:p>
+        </p:txBody>
+      </p:sp>
+      <p:sp>
+        <p:nvSpPr>
+          <p:cNvPr id="3" name="Picture Placeholder 2"/>
+          <p:cNvSpPr>
+            <a:spLocks noGrp="1" noChangeAspect="1"/>
+          </p:cNvSpPr>
+          <p:nvPr>
+            <p:ph type="pic" idx="1"/>
+          </p:nvPr>
+        </p:nvSpPr>
+        <p:spPr>
+          <a:xfrm>
+            <a:off x="1169349" y="695009"/>
+            <a:ext cx="9845346" cy="3525671"/>
+          </a:xfrm>
+          <a:effectLst>
+            <a:outerShdw blurRad="38100" dist="25400" dir="4440000">
+              <a:srgbClr val="000000">
+                <a:alpha val="36000"/>
+              </a:srgbClr>
+            </a:outerShdw>
+          </a:effectLst>
+        </p:spPr>
+        <p:txBody>
+          <a:bodyPr anchor="t">
+            <a:normAutofit/>
+          </a:bodyPr>
+          <a:lstStyle>
+            <a:lvl1pPr marL="0" indent="0" algn="ctr">
+              <a:buNone/>
+              <a:defRPr sz="2000"/>
+            </a:lvl1pPr>
+            <a:lvl2pPr marL="457200" indent="0">
+              <a:buNone/>
+              <a:defRPr sz="2000"/>
+            </a:lvl2pPr>
+            <a:lvl3pPr marL="914400" indent="0">
+              <a:buNone/>
+              <a:defRPr sz="2000"/>
+            </a:lvl3pPr>
+            <a:lvl4pPr marL="1371600" indent="0">
+              <a:buNone/>
+              <a:defRPr sz="2000"/>
+            </a:lvl4pPr>
+            <a:lvl5pPr marL="1828800" indent="0">
+              <a:buNone/>
+              <a:defRPr sz="2000"/>
+            </a:lvl5pPr>
+            <a:lvl6pPr marL="2286000" indent="0">
+              <a:buNone/>
+              <a:defRPr sz="2000"/>
+            </a:lvl6pPr>
+            <a:lvl7pPr marL="2743200" indent="0">
+              <a:buNone/>
+              <a:defRPr sz="2000"/>
+            </a:lvl7pPr>
+            <a:lvl8pPr marL="3200400" indent="0">
+              <a:buNone/>
+              <a:defRPr sz="2000"/>
+            </a:lvl8pPr>
+            <a:lvl9pPr marL="3657600" indent="0">
+              <a:buNone/>
+              <a:defRPr sz="2000"/>
+            </a:lvl9pPr>
+          </a:lstStyle>
+          <a:p>
+            <a:r>
+              <a:rPr lang="en-US"/>
+              <a:t>Click icon to add picture</a:t>
+            </a:r>
+            <a:endParaRPr lang="en-US" dirty="0"/>
+          </a:p>
+        </p:txBody>
+      </p:sp>
+      <p:sp>
+        <p:nvSpPr>
+          <p:cNvPr id="4" name="Text Placeholder 3"/>
+          <p:cNvSpPr>
+            <a:spLocks noGrp="1"/>
+          </p:cNvSpPr>
+          <p:nvPr>
+            <p:ph type="body" sz="half" idx="2"/>
+          </p:nvPr>
+        </p:nvSpPr>
+        <p:spPr>
+          <a:xfrm>
+            <a:off x="913795" y="5108728"/>
+            <a:ext cx="10353762" cy="682472"/>
+          </a:xfrm>
+        </p:spPr>
+        <p:txBody>
+          <a:bodyPr anchor="t"/>
+          <a:lstStyle>
+            <a:lvl1pPr marL="0" indent="0" algn="ctr">
+              <a:buNone/>
+              <a:defRPr sz="1600"/>
+            </a:lvl1pPr>
+            <a:lvl2pPr marL="457200" indent="0">
+              <a:buNone/>
+              <a:defRPr sz="1400"/>
+            </a:lvl2pPr>
+            <a:lvl3pPr marL="914400" indent="0">
+              <a:buNone/>
+              <a:defRPr sz="1200"/>
+            </a:lvl3pPr>
+            <a:lvl4pPr marL="1371600" indent="0">
+              <a:buNone/>
+              <a:defRPr sz="1000"/>
+            </a:lvl4pPr>
+            <a:lvl5pPr marL="1828800" indent="0">
+              <a:buNone/>
+              <a:defRPr sz="1000"/>
+            </a:lvl5pPr>
+            <a:lvl6pPr marL="2286000" indent="0">
+              <a:buNone/>
+              <a:defRPr sz="1000"/>
+            </a:lvl6pPr>
+            <a:lvl7pPr marL="2743200" indent="0">
+              <a:buNone/>
+              <a:defRPr sz="1000"/>
+            </a:lvl7pPr>
+            <a:lvl8pPr marL="3200400" indent="0">
+              <a:buNone/>
+              <a:defRPr sz="1000"/>
+            </a:lvl8pPr>
+            <a:lvl9pPr marL="3657600" indent="0">
+              <a:buNone/>
+              <a:defRPr sz="1000"/>
+            </a:lvl9pPr>
+          </a:lstStyle>
+          <a:p>
+            <a:pPr lvl="0"/>
+            <a:r>
+              <a:rPr lang="en-US"/>
+              <a:t>Click to edit Master text styles</a:t>
+            </a:r>
+          </a:p>
+        </p:txBody>
+      </p:sp>
+      <p:sp>
+        <p:nvSpPr>
+          <p:cNvPr id="5" name="Date Placeholder 4"/>
+          <p:cNvSpPr>
+            <a:spLocks noGrp="1"/>
+          </p:cNvSpPr>
+          <p:nvPr>
+            <p:ph type="dt" sz="half" idx="10"/>
+          </p:nvPr>
+        </p:nvSpPr>
+        <p:spPr/>
+        <p:txBody>
+          <a:bodyPr/>
+          <a:lstStyle/>
+          <a:p>
+            <a:fld id="{D90120EC-953E-48DF-8E2D-0C8283984789}" type="datetimeFigureOut">
+              <a:rPr lang="en-AU" smtClean="0"/>
+              <a:t>6/12/2024</a:t>
+            </a:fld>
+            <a:endParaRPr lang="en-AU"/>
+          </a:p>
+        </p:txBody>
+      </p:sp>
+      <p:sp>
+        <p:nvSpPr>
+          <p:cNvPr id="6" name="Footer Placeholder 5"/>
+          <p:cNvSpPr>
+            <a:spLocks noGrp="1"/>
+          </p:cNvSpPr>
+          <p:nvPr>
+            <p:ph type="ftr" sz="quarter" idx="11"/>
+          </p:nvPr>
+        </p:nvSpPr>
+        <p:spPr/>
+        <p:txBody>
+          <a:bodyPr/>
+          <a:lstStyle/>
+          <a:p>
+            <a:endParaRPr lang="en-AU"/>
+          </a:p>
+        </p:txBody>
+      </p:sp>
+      <p:sp>
+        <p:nvSpPr>
+          <p:cNvPr id="7" name="Slide Number Placeholder 6"/>
+          <p:cNvSpPr>
+            <a:spLocks noGrp="1"/>
+          </p:cNvSpPr>
+          <p:nvPr>
+            <p:ph type="sldNum" sz="quarter" idx="12"/>
+          </p:nvPr>
+        </p:nvSpPr>
+        <p:spPr/>
+        <p:txBody>
+          <a:bodyPr/>
+          <a:lstStyle/>
+          <a:p>
+            <a:fld id="{79F5145F-C4C5-4EC4-896F-6258E2D6B5DA}" type="slidenum">
+              <a:rPr lang="en-AU" smtClean="0"/>
+              <a:t>‹#›</a:t>
+            </a:fld>
+            <a:endParaRPr lang="en-AU"/>
+          </a:p>
+        </p:txBody>
+      </p:sp>
+    </p:spTree>
+    <p:extLst>
+      <p:ext uri="{BB962C8B-B14F-4D97-AF65-F5344CB8AC3E}">
+        <p14:creationId xmlns:p14="http://schemas.microsoft.com/office/powerpoint/2010/main" val="409541490"/>
+      </p:ext>
+    </p:extLst>
+  </p:cSld>
+  <p:clrMapOvr>
+    <a:masterClrMapping/>
+  </p:clrMapOvr>
+</p:sldLayout>
+</file>
+
+<file path=ppt/slideLayouts/slideLayout11.xml><?xml version="1.0" encoding="utf-8"?>
+<p:sldLayout xmlns:a="http://schemas.openxmlformats.org/drawingml/2006/main" xmlns:r="http://schemas.openxmlformats.org/officeDocument/2006/relationships" xmlns:p="http://schemas.openxmlformats.org/presentationml/2006/main" preserve="1">
+  <p:cSld name="Title and Caption">
+    <p:spTree>
+      <p:nvGrpSpPr>
+        <p:cNvPr id="1" name=""/>
+        <p:cNvGrpSpPr/>
+        <p:nvPr/>
+      </p:nvGrpSpPr>
+      <p:grpSpPr>
+        <a:xfrm>
+          <a:off x="0" y="0"/>
+          <a:ext cx="0" cy="0"/>
+          <a:chOff x="0" y="0"/>
+          <a:chExt cx="0" cy="0"/>
+        </a:xfrm>
+      </p:grpSpPr>
+      <p:sp>
+        <p:nvSpPr>
+          <p:cNvPr id="2" name="Title 1"/>
+          <p:cNvSpPr>
+            <a:spLocks noGrp="1"/>
+          </p:cNvSpPr>
+          <p:nvPr>
+            <p:ph type="title"/>
+          </p:nvPr>
+        </p:nvSpPr>
+        <p:spPr>
+          <a:xfrm>
+            <a:off x="913795" y="608437"/>
+            <a:ext cx="10353762" cy="3534344"/>
+          </a:xfrm>
+        </p:spPr>
+        <p:txBody>
+          <a:bodyPr anchor="ctr"/>
+          <a:lstStyle>
+            <a:lvl1pPr>
+              <a:defRPr sz="3200"/>
+            </a:lvl1pPr>
+          </a:lstStyle>
+          <a:p>
+            <a:r>
+              <a:rPr lang="en-US"/>
+              <a:t>Click to edit Master title style</a:t>
+            </a:r>
+            <a:endParaRPr lang="en-US" dirty="0"/>
+          </a:p>
+        </p:txBody>
+      </p:sp>
+      <p:sp>
+        <p:nvSpPr>
+          <p:cNvPr id="4" name="Text Placeholder 3"/>
+          <p:cNvSpPr>
+            <a:spLocks noGrp="1"/>
+          </p:cNvSpPr>
+          <p:nvPr>
+            <p:ph type="body" sz="half" idx="2"/>
+          </p:nvPr>
+        </p:nvSpPr>
+        <p:spPr>
+          <a:xfrm>
+            <a:off x="913794" y="4295180"/>
+            <a:ext cx="10353763" cy="1501826"/>
+          </a:xfrm>
+        </p:spPr>
+        <p:txBody>
+          <a:bodyPr anchor="ctr"/>
+          <a:lstStyle>
+            <a:lvl1pPr marL="0" indent="0" algn="ctr">
+              <a:buNone/>
+              <a:defRPr sz="1600"/>
+            </a:lvl1pPr>
+            <a:lvl2pPr marL="457200" indent="0">
+              <a:buNone/>
+              <a:defRPr sz="1400"/>
+            </a:lvl2pPr>
+            <a:lvl3pPr marL="914400" indent="0">
+              <a:buNone/>
+              <a:defRPr sz="1200"/>
+            </a:lvl3pPr>
+            <a:lvl4pPr marL="1371600" indent="0">
+              <a:buNone/>
+              <a:defRPr sz="1000"/>
+            </a:lvl4pPr>
+            <a:lvl5pPr marL="1828800" indent="0">
+              <a:buNone/>
+              <a:defRPr sz="1000"/>
+            </a:lvl5pPr>
+            <a:lvl6pPr marL="2286000" indent="0">
+              <a:buNone/>
+              <a:defRPr sz="1000"/>
+            </a:lvl6pPr>
+            <a:lvl7pPr marL="2743200" indent="0">
+              <a:buNone/>
+              <a:defRPr sz="1000"/>
+            </a:lvl7pPr>
+            <a:lvl8pPr marL="3200400" indent="0">
+              <a:buNone/>
+              <a:defRPr sz="1000"/>
+            </a:lvl8pPr>
+            <a:lvl9pPr marL="3657600" indent="0">
+              <a:buNone/>
+              <a:defRPr sz="1000"/>
+            </a:lvl9pPr>
+          </a:lstStyle>
+          <a:p>
+            <a:pPr lvl="0"/>
+            <a:r>
+              <a:rPr lang="en-US"/>
+              <a:t>Click to edit Master text styles</a:t>
+            </a:r>
+          </a:p>
+        </p:txBody>
+      </p:sp>
+      <p:sp>
+        <p:nvSpPr>
+          <p:cNvPr id="5" name="Date Placeholder 4"/>
+          <p:cNvSpPr>
+            <a:spLocks noGrp="1"/>
+          </p:cNvSpPr>
+          <p:nvPr>
+            <p:ph type="dt" sz="half" idx="10"/>
+          </p:nvPr>
+        </p:nvSpPr>
+        <p:spPr/>
+        <p:txBody>
+          <a:bodyPr/>
+          <a:lstStyle/>
+          <a:p>
+            <a:fld id="{D90120EC-953E-48DF-8E2D-0C8283984789}" type="datetimeFigureOut">
+              <a:rPr lang="en-AU" smtClean="0"/>
+              <a:t>6/12/2024</a:t>
+            </a:fld>
+            <a:endParaRPr lang="en-AU"/>
+          </a:p>
+        </p:txBody>
+      </p:sp>
+      <p:sp>
+        <p:nvSpPr>
+          <p:cNvPr id="6" name="Footer Placeholder 5"/>
+          <p:cNvSpPr>
+            <a:spLocks noGrp="1"/>
+          </p:cNvSpPr>
+          <p:nvPr>
+            <p:ph type="ftr" sz="quarter" idx="11"/>
+          </p:nvPr>
+        </p:nvSpPr>
+        <p:spPr/>
+        <p:txBody>
+          <a:bodyPr/>
+          <a:lstStyle/>
+          <a:p>
+            <a:endParaRPr lang="en-AU"/>
+          </a:p>
+        </p:txBody>
+      </p:sp>
+      <p:sp>
+        <p:nvSpPr>
+          <p:cNvPr id="7" name="Slide Number Placeholder 6"/>
+          <p:cNvSpPr>
+            <a:spLocks noGrp="1"/>
+          </p:cNvSpPr>
+          <p:nvPr>
+            <p:ph type="sldNum" sz="quarter" idx="12"/>
+          </p:nvPr>
+        </p:nvSpPr>
+        <p:spPr/>
+        <p:txBody>
+          <a:bodyPr/>
+          <a:lstStyle/>
+          <a:p>
+            <a:fld id="{79F5145F-C4C5-4EC4-896F-6258E2D6B5DA}" type="slidenum">
+              <a:rPr lang="en-AU" smtClean="0"/>
+              <a:t>‹#›</a:t>
+            </a:fld>
+            <a:endParaRPr lang="en-AU"/>
+          </a:p>
+        </p:txBody>
+      </p:sp>
+    </p:spTree>
+    <p:extLst>
+      <p:ext uri="{BB962C8B-B14F-4D97-AF65-F5344CB8AC3E}">
+        <p14:creationId xmlns:p14="http://schemas.microsoft.com/office/powerpoint/2010/main" val="3994675984"/>
+      </p:ext>
+    </p:extLst>
+  </p:cSld>
+  <p:clrMapOvr>
+    <a:masterClrMapping/>
+  </p:clrMapOvr>
+</p:sldLayout>
+</file>
+
+<file path=ppt/slideLayouts/slideLayout12.xml><?xml version="1.0" encoding="utf-8"?>
+<p:sldLayout xmlns:a="http://schemas.openxmlformats.org/drawingml/2006/main" xmlns:r="http://schemas.openxmlformats.org/officeDocument/2006/relationships" xmlns:p="http://schemas.openxmlformats.org/presentationml/2006/main" preserve="1">
+  <p:cSld name="Quote with Caption">
+    <p:spTree>
+      <p:nvGrpSpPr>
+        <p:cNvPr id="1" name=""/>
+        <p:cNvGrpSpPr/>
+        <p:nvPr/>
+      </p:nvGrpSpPr>
+      <p:grpSpPr>
+        <a:xfrm>
+          <a:off x="0" y="0"/>
+          <a:ext cx="0" cy="0"/>
+          <a:chOff x="0" y="0"/>
+          <a:chExt cx="0" cy="0"/>
+        </a:xfrm>
+      </p:grpSpPr>
+      <p:sp>
+        <p:nvSpPr>
+          <p:cNvPr id="2" name="Title 1"/>
+          <p:cNvSpPr>
+            <a:spLocks noGrp="1"/>
+          </p:cNvSpPr>
+          <p:nvPr>
+            <p:ph type="title"/>
+          </p:nvPr>
+        </p:nvSpPr>
+        <p:spPr>
+          <a:xfrm>
+            <a:off x="1446212" y="609600"/>
+            <a:ext cx="9302752" cy="2992904"/>
+          </a:xfrm>
+        </p:spPr>
+        <p:txBody>
+          <a:bodyPr anchor="ctr"/>
+          <a:lstStyle>
+            <a:lvl1pPr>
+              <a:defRPr sz="3200"/>
+            </a:lvl1pPr>
+          </a:lstStyle>
+          <a:p>
+            <a:r>
+              <a:rPr lang="en-US"/>
+              <a:t>Click to edit Master title style</a:t>
+            </a:r>
+            <a:endParaRPr lang="en-US" dirty="0"/>
+          </a:p>
+        </p:txBody>
+      </p:sp>
+      <p:sp>
+        <p:nvSpPr>
+          <p:cNvPr id="12" name="Text Placeholder 3"/>
+          <p:cNvSpPr>
+            <a:spLocks noGrp="1"/>
+          </p:cNvSpPr>
+          <p:nvPr>
+            <p:ph type="body" sz="half" idx="13"/>
+          </p:nvPr>
+        </p:nvSpPr>
+        <p:spPr>
+          <a:xfrm>
+            <a:off x="1720644" y="3610032"/>
+            <a:ext cx="8752299" cy="532749"/>
+          </a:xfrm>
+        </p:spPr>
+        <p:txBody>
+          <a:bodyPr anchor="t">
+            <a:normAutofit/>
+          </a:bodyPr>
+          <a:lstStyle>
+            <a:lvl1pPr marL="0" indent="0" algn="r">
+              <a:buNone/>
+              <a:defRPr sz="1400"/>
+            </a:lvl1pPr>
+            <a:lvl2pPr marL="457200" indent="0">
+              <a:buNone/>
+              <a:defRPr sz="1400"/>
+            </a:lvl2pPr>
+            <a:lvl3pPr marL="914400" indent="0">
+              <a:buNone/>
+              <a:defRPr sz="1200"/>
+            </a:lvl3pPr>
+            <a:lvl4pPr marL="1371600" indent="0">
+              <a:buNone/>
+              <a:defRPr sz="1000"/>
+            </a:lvl4pPr>
+            <a:lvl5pPr marL="1828800" indent="0">
+              <a:buNone/>
+              <a:defRPr sz="1000"/>
+            </a:lvl5pPr>
+            <a:lvl6pPr marL="2286000" indent="0">
+              <a:buNone/>
+              <a:defRPr sz="1000"/>
+            </a:lvl6pPr>
+            <a:lvl7pPr marL="2743200" indent="0">
+              <a:buNone/>
+              <a:defRPr sz="1000"/>
+            </a:lvl7pPr>
+            <a:lvl8pPr marL="3200400" indent="0">
+              <a:buNone/>
+              <a:defRPr sz="1000"/>
+            </a:lvl8pPr>
+            <a:lvl9pPr marL="3657600" indent="0">
+              <a:buNone/>
+              <a:defRPr sz="1000"/>
+            </a:lvl9pPr>
+          </a:lstStyle>
+          <a:p>
+            <a:pPr lvl="0"/>
+            <a:r>
+              <a:rPr lang="en-US"/>
+              <a:t>Click to edit Master text styles</a:t>
+            </a:r>
+          </a:p>
+        </p:txBody>
+      </p:sp>
+      <p:sp>
+        <p:nvSpPr>
+          <p:cNvPr id="4" name="Text Placeholder 3"/>
+          <p:cNvSpPr>
+            <a:spLocks noGrp="1"/>
+          </p:cNvSpPr>
+          <p:nvPr>
+            <p:ph type="body" sz="half" idx="2"/>
+          </p:nvPr>
+        </p:nvSpPr>
+        <p:spPr>
+          <a:xfrm>
+            <a:off x="913794" y="4304353"/>
+            <a:ext cx="10353763" cy="1489496"/>
+          </a:xfrm>
+        </p:spPr>
+        <p:txBody>
+          <a:bodyPr anchor="ctr">
+            <a:normAutofit/>
+          </a:bodyPr>
+          <a:lstStyle>
+            <a:lvl1pPr marL="0" indent="0" algn="ctr">
+              <a:buNone/>
+              <a:defRPr sz="1600"/>
+            </a:lvl1pPr>
+            <a:lvl2pPr marL="457200" indent="0">
+              <a:buNone/>
+              <a:defRPr sz="1400"/>
+            </a:lvl2pPr>
+            <a:lvl3pPr marL="914400" indent="0">
+              <a:buNone/>
+              <a:defRPr sz="1200"/>
+            </a:lvl3pPr>
+            <a:lvl4pPr marL="1371600" indent="0">
+              <a:buNone/>
+              <a:defRPr sz="1000"/>
+            </a:lvl4pPr>
+            <a:lvl5pPr marL="1828800" indent="0">
+              <a:buNone/>
+              <a:defRPr sz="1000"/>
+            </a:lvl5pPr>
+            <a:lvl6pPr marL="2286000" indent="0">
+              <a:buNone/>
+              <a:defRPr sz="1000"/>
+            </a:lvl6pPr>
+            <a:lvl7pPr marL="2743200" indent="0">
+              <a:buNone/>
+              <a:defRPr sz="1000"/>
+            </a:lvl7pPr>
+            <a:lvl8pPr marL="3200400" indent="0">
+              <a:buNone/>
+              <a:defRPr sz="1000"/>
+            </a:lvl8pPr>
+            <a:lvl9pPr marL="3657600" indent="0">
+              <a:buNone/>
+              <a:defRPr sz="1000"/>
+            </a:lvl9pPr>
+          </a:lstStyle>
+          <a:p>
+            <a:pPr lvl="0"/>
+            <a:r>
+              <a:rPr lang="en-US"/>
+              <a:t>Click to edit Master text styles</a:t>
+            </a:r>
+          </a:p>
+        </p:txBody>
+      </p:sp>
+      <p:sp>
+        <p:nvSpPr>
+          <p:cNvPr id="5" name="Date Placeholder 4"/>
+          <p:cNvSpPr>
+            <a:spLocks noGrp="1"/>
+          </p:cNvSpPr>
+          <p:nvPr>
+            <p:ph type="dt" sz="half" idx="10"/>
+          </p:nvPr>
+        </p:nvSpPr>
+        <p:spPr/>
+        <p:txBody>
+          <a:bodyPr/>
+          <a:lstStyle/>
+          <a:p>
+            <a:fld id="{D90120EC-953E-48DF-8E2D-0C8283984789}" type="datetimeFigureOut">
+              <a:rPr lang="en-AU" smtClean="0"/>
+              <a:t>6/12/2024</a:t>
+            </a:fld>
+            <a:endParaRPr lang="en-AU"/>
+          </a:p>
+        </p:txBody>
+      </p:sp>
+      <p:sp>
+        <p:nvSpPr>
+          <p:cNvPr id="6" name="Footer Placeholder 5"/>
+          <p:cNvSpPr>
+            <a:spLocks noGrp="1"/>
+          </p:cNvSpPr>
+          <p:nvPr>
+            <p:ph type="ftr" sz="quarter" idx="11"/>
+          </p:nvPr>
+        </p:nvSpPr>
+        <p:spPr/>
+        <p:txBody>
+          <a:bodyPr/>
+          <a:lstStyle/>
+          <a:p>
+            <a:endParaRPr lang="en-AU"/>
+          </a:p>
+        </p:txBody>
+      </p:sp>
+      <p:sp>
+        <p:nvSpPr>
+          <p:cNvPr id="7" name="Slide Number Placeholder 6"/>
+          <p:cNvSpPr>
+            <a:spLocks noGrp="1"/>
+          </p:cNvSpPr>
+          <p:nvPr>
+            <p:ph type="sldNum" sz="quarter" idx="12"/>
+          </p:nvPr>
+        </p:nvSpPr>
+        <p:spPr/>
+        <p:txBody>
+          <a:bodyPr/>
+          <a:lstStyle/>
+          <a:p>
+            <a:fld id="{79F5145F-C4C5-4EC4-896F-6258E2D6B5DA}" type="slidenum">
+              <a:rPr lang="en-AU" smtClean="0"/>
+              <a:t>‹#›</a:t>
+            </a:fld>
+            <a:endParaRPr lang="en-AU"/>
+          </a:p>
+        </p:txBody>
+      </p:sp>
+      <p:sp>
+        <p:nvSpPr>
+          <p:cNvPr id="11" name="TextBox 10"/>
+          <p:cNvSpPr txBox="1"/>
+          <p:nvPr/>
+        </p:nvSpPr>
+        <p:spPr>
+          <a:xfrm>
+            <a:off x="990600" y="884796"/>
+            <a:ext cx="609600" cy="584776"/>
+          </a:xfrm>
+          <a:prstGeom prst="rect">
+            <a:avLst/>
+          </a:prstGeom>
+        </p:spPr>
+        <p:txBody>
+          <a:bodyPr vert="horz" lIns="91440" tIns="45720" rIns="91440" bIns="45720" rtlCol="0" anchor="ctr">
+            <a:noAutofit/>
+          </a:bodyPr>
+          <a:lstStyle>
+            <a:lvl1pPr>
+              <a:spcBef>
+                <a:spcPct val="0"/>
+              </a:spcBef>
+              <a:buNone/>
+              <a:defRPr sz="3200" b="0" cap="all">
+                <a:ln w="3175" cmpd="sng">
+                  <a:noFill/>
+                </a:ln>
+                <a:effectLst>
+                  <a:glow rad="38100">
+                    <a:schemeClr val="bg1">
+                      <a:lumMod val="65000"/>
+                      <a:lumOff val="35000"/>
+                      <a:alpha val="40000"/>
+                    </a:schemeClr>
+                  </a:glow>
+                  <a:outerShdw blurRad="28575" dist="38100" dir="14040000" algn="tl" rotWithShape="0">
+                    <a:srgbClr val="000000">
+                      <a:alpha val="25000"/>
+                    </a:srgbClr>
+                  </a:outerShdw>
+                </a:effectLst>
+              </a:defRPr>
+            </a:lvl1pPr>
+            <a:lvl2pPr>
+              <a:defRPr>
+                <a:solidFill>
+                  <a:schemeClr val="tx2"/>
+                </a:solidFill>
+              </a:defRPr>
+            </a:lvl2pPr>
+            <a:lvl3pPr>
+              <a:defRPr>
+                <a:solidFill>
+                  <a:schemeClr val="tx2"/>
+                </a:solidFill>
+              </a:defRPr>
+            </a:lvl3pPr>
+            <a:lvl4pPr>
+              <a:defRPr>
+                <a:solidFill>
+                  <a:schemeClr val="tx2"/>
+                </a:solidFill>
+              </a:defRPr>
+            </a:lvl4pPr>
+            <a:lvl5pPr>
+              <a:defRPr>
+                <a:solidFill>
+                  <a:schemeClr val="tx2"/>
+                </a:solidFill>
+              </a:defRPr>
+            </a:lvl5pPr>
+            <a:lvl6pPr>
+              <a:defRPr>
+                <a:solidFill>
+                  <a:schemeClr val="tx2"/>
+                </a:solidFill>
+              </a:defRPr>
+            </a:lvl6pPr>
+            <a:lvl7pPr>
+              <a:defRPr>
+                <a:solidFill>
+                  <a:schemeClr val="tx2"/>
+                </a:solidFill>
+              </a:defRPr>
+            </a:lvl7pPr>
+            <a:lvl8pPr>
+              <a:defRPr>
+                <a:solidFill>
+                  <a:schemeClr val="tx2"/>
+                </a:solidFill>
+              </a:defRPr>
+            </a:lvl8pPr>
+            <a:lvl9pPr>
+              <a:defRPr>
+                <a:solidFill>
+                  <a:schemeClr val="tx2"/>
+                </a:solidFill>
+              </a:defRPr>
+            </a:lvl9pPr>
+          </a:lstStyle>
+          <a:p>
+            <a:pPr lvl="0"/>
+            <a:r>
+              <a:rPr lang="en-US" sz="8000" dirty="0">
+                <a:solidFill>
+                  <a:schemeClr val="tx1"/>
+                </a:solidFill>
+                <a:effectLst/>
+              </a:rPr>
+              <a:t>“</a:t>
+            </a:r>
+          </a:p>
+        </p:txBody>
+      </p:sp>
+      <p:sp>
+        <p:nvSpPr>
+          <p:cNvPr id="13" name="TextBox 12"/>
+          <p:cNvSpPr txBox="1"/>
+          <p:nvPr/>
+        </p:nvSpPr>
+        <p:spPr>
+          <a:xfrm>
+            <a:off x="10504716" y="2928258"/>
+            <a:ext cx="609600" cy="584776"/>
+          </a:xfrm>
+          <a:prstGeom prst="rect">
+            <a:avLst/>
+          </a:prstGeom>
+        </p:spPr>
+        <p:txBody>
+          <a:bodyPr vert="horz" lIns="91440" tIns="45720" rIns="91440" bIns="45720" rtlCol="0" anchor="ctr">
+            <a:noAutofit/>
+          </a:bodyPr>
+          <a:lstStyle>
+            <a:lvl1pPr>
+              <a:spcBef>
+                <a:spcPct val="0"/>
+              </a:spcBef>
+              <a:buNone/>
+              <a:defRPr sz="3200" b="0" cap="all">
+                <a:ln w="3175" cmpd="sng">
+                  <a:noFill/>
+                </a:ln>
+                <a:effectLst>
+                  <a:glow rad="38100">
+                    <a:schemeClr val="bg1">
+                      <a:lumMod val="65000"/>
+                      <a:lumOff val="35000"/>
+                      <a:alpha val="40000"/>
+                    </a:schemeClr>
+                  </a:glow>
+                  <a:outerShdw blurRad="28575" dist="38100" dir="14040000" algn="tl" rotWithShape="0">
+                    <a:srgbClr val="000000">
+                      <a:alpha val="25000"/>
+                    </a:srgbClr>
+                  </a:outerShdw>
+                </a:effectLst>
+              </a:defRPr>
+            </a:lvl1pPr>
+            <a:lvl2pPr>
+              <a:defRPr>
+                <a:solidFill>
+                  <a:schemeClr val="tx2"/>
+                </a:solidFill>
+              </a:defRPr>
+            </a:lvl2pPr>
+            <a:lvl3pPr>
+              <a:defRPr>
+                <a:solidFill>
+                  <a:schemeClr val="tx2"/>
+                </a:solidFill>
+              </a:defRPr>
+            </a:lvl3pPr>
+            <a:lvl4pPr>
+              <a:defRPr>
+                <a:solidFill>
+                  <a:schemeClr val="tx2"/>
+                </a:solidFill>
+              </a:defRPr>
+            </a:lvl4pPr>
+            <a:lvl5pPr>
+              <a:defRPr>
+                <a:solidFill>
+                  <a:schemeClr val="tx2"/>
+                </a:solidFill>
+              </a:defRPr>
+            </a:lvl5pPr>
+            <a:lvl6pPr>
+              <a:defRPr>
+                <a:solidFill>
+                  <a:schemeClr val="tx2"/>
+                </a:solidFill>
+              </a:defRPr>
+            </a:lvl6pPr>
+            <a:lvl7pPr>
+              <a:defRPr>
+                <a:solidFill>
+                  <a:schemeClr val="tx2"/>
+                </a:solidFill>
+              </a:defRPr>
+            </a:lvl7pPr>
+            <a:lvl8pPr>
+              <a:defRPr>
+                <a:solidFill>
+                  <a:schemeClr val="tx2"/>
+                </a:solidFill>
+              </a:defRPr>
+            </a:lvl8pPr>
+            <a:lvl9pPr>
+              <a:defRPr>
+                <a:solidFill>
+                  <a:schemeClr val="tx2"/>
+                </a:solidFill>
+              </a:defRPr>
+            </a:lvl9pPr>
+          </a:lstStyle>
+          <a:p>
+            <a:pPr lvl="0" algn="r"/>
+            <a:r>
+              <a:rPr lang="en-US" sz="8000" dirty="0">
+                <a:solidFill>
+                  <a:schemeClr val="tx1"/>
+                </a:solidFill>
+                <a:effectLst/>
+              </a:rPr>
+              <a:t>”</a:t>
+            </a:r>
+          </a:p>
+        </p:txBody>
+      </p:sp>
+    </p:spTree>
+    <p:extLst>
+      <p:ext uri="{BB962C8B-B14F-4D97-AF65-F5344CB8AC3E}">
+        <p14:creationId xmlns:p14="http://schemas.microsoft.com/office/powerpoint/2010/main" val="700812124"/>
+      </p:ext>
+    </p:extLst>
+  </p:cSld>
+  <p:clrMapOvr>
+    <a:masterClrMapping/>
+  </p:clrMapOvr>
+</p:sldLayout>
+</file>
+
+<file path=ppt/slideLayouts/slideLayout13.xml><?xml version="1.0" encoding="utf-8"?>
+<p:sldLayout xmlns:a="http://schemas.openxmlformats.org/drawingml/2006/main" xmlns:r="http://schemas.openxmlformats.org/officeDocument/2006/relationships" xmlns:p="http://schemas.openxmlformats.org/presentationml/2006/main" preserve="1">
+  <p:cSld name="Name Card">
+    <p:spTree>
+      <p:nvGrpSpPr>
+        <p:cNvPr id="1" name=""/>
+        <p:cNvGrpSpPr/>
+        <p:nvPr/>
+      </p:nvGrpSpPr>
+      <p:grpSpPr>
+        <a:xfrm>
+          <a:off x="0" y="0"/>
+          <a:ext cx="0" cy="0"/>
+          <a:chOff x="0" y="0"/>
+          <a:chExt cx="0" cy="0"/>
+        </a:xfrm>
+      </p:grpSpPr>
+      <p:sp>
+        <p:nvSpPr>
+          <p:cNvPr id="2" name="Title 1"/>
+          <p:cNvSpPr>
+            <a:spLocks noGrp="1"/>
+          </p:cNvSpPr>
+          <p:nvPr>
+            <p:ph type="title"/>
+          </p:nvPr>
+        </p:nvSpPr>
+        <p:spPr>
+          <a:xfrm>
+            <a:off x="913794" y="2126942"/>
+            <a:ext cx="10353763" cy="2511835"/>
+          </a:xfrm>
+        </p:spPr>
+        <p:txBody>
+          <a:bodyPr anchor="b"/>
+          <a:lstStyle>
+            <a:lvl1pPr>
+              <a:defRPr sz="3200"/>
+            </a:lvl1pPr>
+          </a:lstStyle>
+          <a:p>
+            <a:r>
+              <a:rPr lang="en-US"/>
+              <a:t>Click to edit Master title style</a:t>
+            </a:r>
+            <a:endParaRPr lang="en-US" dirty="0"/>
+          </a:p>
+        </p:txBody>
+      </p:sp>
+      <p:sp>
+        <p:nvSpPr>
+          <p:cNvPr id="4" name="Text Placeholder 3"/>
+          <p:cNvSpPr>
+            <a:spLocks noGrp="1"/>
+          </p:cNvSpPr>
+          <p:nvPr>
+            <p:ph type="body" sz="half" idx="2"/>
+          </p:nvPr>
+        </p:nvSpPr>
+        <p:spPr>
+          <a:xfrm>
+            <a:off x="913784" y="4650556"/>
+            <a:ext cx="10352199" cy="1140644"/>
+          </a:xfrm>
+        </p:spPr>
+        <p:txBody>
+          <a:bodyPr anchor="t"/>
+          <a:lstStyle>
+            <a:lvl1pPr marL="0" indent="0" algn="ctr">
+              <a:buNone/>
+              <a:defRPr sz="1600"/>
+            </a:lvl1pPr>
+            <a:lvl2pPr marL="457200" indent="0">
+              <a:buNone/>
+              <a:defRPr sz="1400"/>
+            </a:lvl2pPr>
+            <a:lvl3pPr marL="914400" indent="0">
+              <a:buNone/>
+              <a:defRPr sz="1200"/>
+            </a:lvl3pPr>
+            <a:lvl4pPr marL="1371600" indent="0">
+              <a:buNone/>
+              <a:defRPr sz="1000"/>
+            </a:lvl4pPr>
+            <a:lvl5pPr marL="1828800" indent="0">
+              <a:buNone/>
+              <a:defRPr sz="1000"/>
+            </a:lvl5pPr>
+            <a:lvl6pPr marL="2286000" indent="0">
+              <a:buNone/>
+              <a:defRPr sz="1000"/>
+            </a:lvl6pPr>
+            <a:lvl7pPr marL="2743200" indent="0">
+              <a:buNone/>
+              <a:defRPr sz="1000"/>
+            </a:lvl7pPr>
+            <a:lvl8pPr marL="3200400" indent="0">
+              <a:buNone/>
+              <a:defRPr sz="1000"/>
+            </a:lvl8pPr>
+            <a:lvl9pPr marL="3657600" indent="0">
+              <a:buNone/>
+              <a:defRPr sz="1000"/>
+            </a:lvl9pPr>
+          </a:lstStyle>
+          <a:p>
+            <a:pPr lvl="0"/>
+            <a:r>
+              <a:rPr lang="en-US"/>
+              <a:t>Click to edit Master text styles</a:t>
+            </a:r>
+          </a:p>
+        </p:txBody>
+      </p:sp>
+      <p:sp>
+        <p:nvSpPr>
+          <p:cNvPr id="5" name="Date Placeholder 4"/>
+          <p:cNvSpPr>
+            <a:spLocks noGrp="1"/>
+          </p:cNvSpPr>
+          <p:nvPr>
+            <p:ph type="dt" sz="half" idx="10"/>
+          </p:nvPr>
+        </p:nvSpPr>
+        <p:spPr/>
+        <p:txBody>
+          <a:bodyPr/>
+          <a:lstStyle/>
+          <a:p>
+            <a:fld id="{D90120EC-953E-48DF-8E2D-0C8283984789}" type="datetimeFigureOut">
+              <a:rPr lang="en-AU" smtClean="0"/>
+              <a:t>6/12/2024</a:t>
+            </a:fld>
+            <a:endParaRPr lang="en-AU"/>
+          </a:p>
+        </p:txBody>
+      </p:sp>
+      <p:sp>
+        <p:nvSpPr>
+          <p:cNvPr id="6" name="Footer Placeholder 5"/>
+          <p:cNvSpPr>
+            <a:spLocks noGrp="1"/>
+          </p:cNvSpPr>
+          <p:nvPr>
+            <p:ph type="ftr" sz="quarter" idx="11"/>
+          </p:nvPr>
+        </p:nvSpPr>
+        <p:spPr/>
+        <p:txBody>
+          <a:bodyPr/>
+          <a:lstStyle/>
+          <a:p>
+            <a:endParaRPr lang="en-AU"/>
+          </a:p>
+        </p:txBody>
+      </p:sp>
+      <p:sp>
+        <p:nvSpPr>
+          <p:cNvPr id="7" name="Slide Number Placeholder 6"/>
+          <p:cNvSpPr>
+            <a:spLocks noGrp="1"/>
+          </p:cNvSpPr>
+          <p:nvPr>
+            <p:ph type="sldNum" sz="quarter" idx="12"/>
+          </p:nvPr>
+        </p:nvSpPr>
+        <p:spPr/>
+        <p:txBody>
+          <a:bodyPr/>
+          <a:lstStyle/>
+          <a:p>
+            <a:fld id="{79F5145F-C4C5-4EC4-896F-6258E2D6B5DA}" type="slidenum">
+              <a:rPr lang="en-AU" smtClean="0"/>
+              <a:t>‹#›</a:t>
+            </a:fld>
+            <a:endParaRPr lang="en-AU"/>
+          </a:p>
+        </p:txBody>
+      </p:sp>
+    </p:spTree>
+    <p:extLst>
+      <p:ext uri="{BB962C8B-B14F-4D97-AF65-F5344CB8AC3E}">
+        <p14:creationId xmlns:p14="http://schemas.microsoft.com/office/powerpoint/2010/main" val="1497357387"/>
+      </p:ext>
+    </p:extLst>
+  </p:cSld>
+  <p:clrMapOvr>
+    <a:masterClrMapping/>
+  </p:clrMapOvr>
+</p:sldLayout>
+</file>
+
+<file path=ppt/slideLayouts/slideLayout14.xml><?xml version="1.0" encoding="utf-8"?>
+<p:sldLayout xmlns:a="http://schemas.openxmlformats.org/drawingml/2006/main" xmlns:r="http://schemas.openxmlformats.org/officeDocument/2006/relationships" xmlns:p="http://schemas.openxmlformats.org/presentationml/2006/main" preserve="1">
+  <p:cSld name="3 Column">
+    <p:spTree>
+      <p:nvGrpSpPr>
+        <p:cNvPr id="1" name=""/>
+        <p:cNvGrpSpPr/>
+        <p:nvPr/>
+      </p:nvGrpSpPr>
+      <p:grpSpPr>
+        <a:xfrm>
+          <a:off x="0" y="0"/>
+          <a:ext cx="0" cy="0"/>
+          <a:chOff x="0" y="0"/>
+          <a:chExt cx="0" cy="0"/>
+        </a:xfrm>
+      </p:grpSpPr>
+      <p:sp>
+        <p:nvSpPr>
+          <p:cNvPr id="15" name="Title 1"/>
+          <p:cNvSpPr>
+            <a:spLocks noGrp="1"/>
+          </p:cNvSpPr>
+          <p:nvPr>
+            <p:ph type="title"/>
+          </p:nvPr>
+        </p:nvSpPr>
+        <p:spPr>
+          <a:xfrm>
+            <a:off x="913795" y="609600"/>
+            <a:ext cx="10353762" cy="970450"/>
+          </a:xfrm>
+        </p:spPr>
+        <p:txBody>
+          <a:bodyPr/>
+          <a:lstStyle/>
+          <a:p>
+            <a:r>
+              <a:rPr lang="en-US"/>
+              <a:t>Click to edit Master title style</a:t>
+            </a:r>
+            <a:endParaRPr lang="en-US" dirty="0"/>
+          </a:p>
+        </p:txBody>
+      </p:sp>
+      <p:sp>
+        <p:nvSpPr>
+          <p:cNvPr id="7" name="Text Placeholder 2"/>
+          <p:cNvSpPr>
+            <a:spLocks noGrp="1"/>
+          </p:cNvSpPr>
+          <p:nvPr>
+            <p:ph type="body" idx="1"/>
+          </p:nvPr>
+        </p:nvSpPr>
+        <p:spPr>
+          <a:xfrm>
+            <a:off x="913795" y="1885950"/>
+            <a:ext cx="3300984" cy="576262"/>
+          </a:xfrm>
+        </p:spPr>
+        <p:txBody>
+          <a:bodyPr anchor="b">
+            <a:noAutofit/>
+          </a:bodyPr>
+          <a:lstStyle>
+            <a:lvl1pPr marL="0" indent="0" algn="ctr">
+              <a:buNone/>
+              <a:defRPr sz="2400" b="0">
+                <a:solidFill>
+                  <a:schemeClr val="tx1"/>
+                </a:solidFill>
+              </a:defRPr>
+            </a:lvl1pPr>
+            <a:lvl2pPr marL="457200" indent="0">
+              <a:buNone/>
+              <a:defRPr sz="2000" b="1"/>
+            </a:lvl2pPr>
+            <a:lvl3pPr marL="914400" indent="0">
+              <a:buNone/>
+              <a:defRPr sz="1800" b="1"/>
+            </a:lvl3pPr>
+            <a:lvl4pPr marL="1371600" indent="0">
+              <a:buNone/>
+              <a:defRPr sz="1600" b="1"/>
+            </a:lvl4pPr>
+            <a:lvl5pPr marL="1828800" indent="0">
+              <a:buNone/>
+              <a:defRPr sz="1600" b="1"/>
+            </a:lvl5pPr>
+            <a:lvl6pPr marL="2286000" indent="0">
+              <a:buNone/>
+              <a:defRPr sz="1600" b="1"/>
+            </a:lvl6pPr>
+            <a:lvl7pPr marL="2743200" indent="0">
+              <a:buNone/>
+              <a:defRPr sz="1600" b="1"/>
+            </a:lvl7pPr>
+            <a:lvl8pPr marL="3200400" indent="0">
+              <a:buNone/>
+              <a:defRPr sz="1600" b="1"/>
+            </a:lvl8pPr>
+            <a:lvl9pPr marL="3657600" indent="0">
+              <a:buNone/>
+              <a:defRPr sz="1600" b="1"/>
+            </a:lvl9pPr>
+          </a:lstStyle>
+          <a:p>
+            <a:pPr lvl="0"/>
+            <a:r>
+              <a:rPr lang="en-US"/>
+              <a:t>Click to edit Master text styles</a:t>
+            </a:r>
+          </a:p>
+        </p:txBody>
+      </p:sp>
+      <p:sp>
+        <p:nvSpPr>
+          <p:cNvPr id="8" name="Text Placeholder 3"/>
+          <p:cNvSpPr>
+            <a:spLocks noGrp="1"/>
+          </p:cNvSpPr>
+          <p:nvPr>
+            <p:ph type="body" sz="half" idx="15"/>
+          </p:nvPr>
+        </p:nvSpPr>
+        <p:spPr>
+          <a:xfrm>
+            <a:off x="913795" y="2571750"/>
+            <a:ext cx="3300984" cy="3219450"/>
+          </a:xfrm>
+        </p:spPr>
+        <p:txBody>
+          <a:bodyPr anchor="t">
+            <a:normAutofit/>
+          </a:bodyPr>
+          <a:lstStyle>
+            <a:lvl1pPr marL="0" indent="0" algn="ctr">
+              <a:buNone/>
+              <a:defRPr sz="1400"/>
+            </a:lvl1pPr>
+            <a:lvl2pPr marL="457200" indent="0">
+              <a:buNone/>
+              <a:defRPr sz="1200"/>
+            </a:lvl2pPr>
+            <a:lvl3pPr marL="914400" indent="0">
+              <a:buNone/>
+              <a:defRPr sz="1000"/>
+            </a:lvl3pPr>
+            <a:lvl4pPr marL="1371600" indent="0">
+              <a:buNone/>
+              <a:defRPr sz="900"/>
+            </a:lvl4pPr>
+            <a:lvl5pPr marL="1828800" indent="0">
+              <a:buNone/>
+              <a:defRPr sz="900"/>
+            </a:lvl5pPr>
+            <a:lvl6pPr marL="2286000" indent="0">
+              <a:buNone/>
+              <a:defRPr sz="900"/>
+            </a:lvl6pPr>
+            <a:lvl7pPr marL="2743200" indent="0">
+              <a:buNone/>
+              <a:defRPr sz="900"/>
+            </a:lvl7pPr>
+            <a:lvl8pPr marL="3200400" indent="0">
+              <a:buNone/>
+              <a:defRPr sz="900"/>
+            </a:lvl8pPr>
+            <a:lvl9pPr marL="3657600" indent="0">
+              <a:buNone/>
+              <a:defRPr sz="900"/>
+            </a:lvl9pPr>
+          </a:lstStyle>
+          <a:p>
+            <a:pPr lvl="0"/>
+            <a:r>
+              <a:rPr lang="en-US"/>
+              <a:t>Click to edit Master text styles</a:t>
+            </a:r>
+          </a:p>
+        </p:txBody>
+      </p:sp>
+      <p:sp>
+        <p:nvSpPr>
+          <p:cNvPr id="9" name="Text Placeholder 4"/>
+          <p:cNvSpPr>
+            <a:spLocks noGrp="1"/>
+          </p:cNvSpPr>
+          <p:nvPr>
+            <p:ph type="body" sz="quarter" idx="3"/>
+          </p:nvPr>
+        </p:nvSpPr>
+        <p:spPr>
+          <a:xfrm>
+            <a:off x="4446711" y="1885950"/>
+            <a:ext cx="3300984" cy="576262"/>
+          </a:xfrm>
+        </p:spPr>
+        <p:txBody>
+          <a:bodyPr anchor="b">
+            <a:noAutofit/>
+          </a:bodyPr>
+          <a:lstStyle>
+            <a:lvl1pPr marL="0" indent="0" algn="ctr">
+              <a:buNone/>
+              <a:defRPr sz="2400" b="0">
+                <a:solidFill>
+                  <a:schemeClr val="tx1"/>
+                </a:solidFill>
+              </a:defRPr>
+            </a:lvl1pPr>
+            <a:lvl2pPr marL="457200" indent="0">
+              <a:buNone/>
+              <a:defRPr sz="2000" b="1"/>
+            </a:lvl2pPr>
+            <a:lvl3pPr marL="914400" indent="0">
+              <a:buNone/>
+              <a:defRPr sz="1800" b="1"/>
+            </a:lvl3pPr>
+            <a:lvl4pPr marL="1371600" indent="0">
+              <a:buNone/>
+              <a:defRPr sz="1600" b="1"/>
+            </a:lvl4pPr>
+            <a:lvl5pPr marL="1828800" indent="0">
+              <a:buNone/>
+              <a:defRPr sz="1600" b="1"/>
+            </a:lvl5pPr>
+            <a:lvl6pPr marL="2286000" indent="0">
+              <a:buNone/>
+              <a:defRPr sz="1600" b="1"/>
+            </a:lvl6pPr>
+            <a:lvl7pPr marL="2743200" indent="0">
+              <a:buNone/>
+              <a:defRPr sz="1600" b="1"/>
+            </a:lvl7pPr>
+            <a:lvl8pPr marL="3200400" indent="0">
+              <a:buNone/>
+              <a:defRPr sz="1600" b="1"/>
+            </a:lvl8pPr>
+            <a:lvl9pPr marL="3657600" indent="0">
+              <a:buNone/>
+              <a:defRPr sz="1600" b="1"/>
+            </a:lvl9pPr>
+          </a:lstStyle>
+          <a:p>
+            <a:pPr lvl="0"/>
+            <a:r>
+              <a:rPr lang="en-US"/>
+              <a:t>Click to edit Master text styles</a:t>
+            </a:r>
+          </a:p>
+        </p:txBody>
+      </p:sp>
+      <p:sp>
+        <p:nvSpPr>
+          <p:cNvPr id="10" name="Text Placeholder 3"/>
+          <p:cNvSpPr>
+            <a:spLocks noGrp="1"/>
+          </p:cNvSpPr>
+          <p:nvPr>
+            <p:ph type="body" sz="half" idx="16"/>
+          </p:nvPr>
+        </p:nvSpPr>
+        <p:spPr>
+          <a:xfrm>
+            <a:off x="4441435" y="2571750"/>
+            <a:ext cx="3300984" cy="3219450"/>
+          </a:xfrm>
+        </p:spPr>
+        <p:txBody>
+          <a:bodyPr anchor="t">
+            <a:normAutofit/>
+          </a:bodyPr>
+          <a:lstStyle>
+            <a:lvl1pPr marL="0" indent="0" algn="ctr">
+              <a:buNone/>
+              <a:defRPr sz="1400"/>
+            </a:lvl1pPr>
+            <a:lvl2pPr marL="457200" indent="0">
+              <a:buNone/>
+              <a:defRPr sz="1200"/>
+            </a:lvl2pPr>
+            <a:lvl3pPr marL="914400" indent="0">
+              <a:buNone/>
+              <a:defRPr sz="1000"/>
+            </a:lvl3pPr>
+            <a:lvl4pPr marL="1371600" indent="0">
+              <a:buNone/>
+              <a:defRPr sz="900"/>
+            </a:lvl4pPr>
+            <a:lvl5pPr marL="1828800" indent="0">
+              <a:buNone/>
+              <a:defRPr sz="900"/>
+            </a:lvl5pPr>
+            <a:lvl6pPr marL="2286000" indent="0">
+              <a:buNone/>
+              <a:defRPr sz="900"/>
+            </a:lvl6pPr>
+            <a:lvl7pPr marL="2743200" indent="0">
+              <a:buNone/>
+              <a:defRPr sz="900"/>
+            </a:lvl7pPr>
+            <a:lvl8pPr marL="3200400" indent="0">
+              <a:buNone/>
+              <a:defRPr sz="900"/>
+            </a:lvl8pPr>
+            <a:lvl9pPr marL="3657600" indent="0">
+              <a:buNone/>
+              <a:defRPr sz="900"/>
+            </a:lvl9pPr>
+          </a:lstStyle>
+          <a:p>
+            <a:pPr lvl="0"/>
+            <a:r>
+              <a:rPr lang="en-US"/>
+              <a:t>Click to edit Master text styles</a:t>
+            </a:r>
+          </a:p>
+        </p:txBody>
+      </p:sp>
+      <p:sp>
+        <p:nvSpPr>
+          <p:cNvPr id="11" name="Text Placeholder 4"/>
+          <p:cNvSpPr>
+            <a:spLocks noGrp="1"/>
+          </p:cNvSpPr>
+          <p:nvPr>
+            <p:ph type="body" sz="quarter" idx="13"/>
+          </p:nvPr>
+        </p:nvSpPr>
+        <p:spPr>
+          <a:xfrm>
+            <a:off x="7966572" y="1885950"/>
+            <a:ext cx="3300984" cy="576262"/>
+          </a:xfrm>
+        </p:spPr>
+        <p:txBody>
+          <a:bodyPr anchor="b">
+            <a:noAutofit/>
+          </a:bodyPr>
+          <a:lstStyle>
+            <a:lvl1pPr marL="0" indent="0" algn="ctr">
+              <a:buNone/>
+              <a:defRPr sz="2400" b="0">
+                <a:solidFill>
+                  <a:schemeClr val="tx1"/>
+                </a:solidFill>
+              </a:defRPr>
+            </a:lvl1pPr>
+            <a:lvl2pPr marL="457200" indent="0">
+              <a:buNone/>
+              <a:defRPr sz="2000" b="1"/>
+            </a:lvl2pPr>
+            <a:lvl3pPr marL="914400" indent="0">
+              <a:buNone/>
+              <a:defRPr sz="1800" b="1"/>
+            </a:lvl3pPr>
+            <a:lvl4pPr marL="1371600" indent="0">
+              <a:buNone/>
+              <a:defRPr sz="1600" b="1"/>
+            </a:lvl4pPr>
+            <a:lvl5pPr marL="1828800" indent="0">
+              <a:buNone/>
+              <a:defRPr sz="1600" b="1"/>
+            </a:lvl5pPr>
+            <a:lvl6pPr marL="2286000" indent="0">
+              <a:buNone/>
+              <a:defRPr sz="1600" b="1"/>
+            </a:lvl6pPr>
+            <a:lvl7pPr marL="2743200" indent="0">
+              <a:buNone/>
+              <a:defRPr sz="1600" b="1"/>
+            </a:lvl7pPr>
+            <a:lvl8pPr marL="3200400" indent="0">
+              <a:buNone/>
+              <a:defRPr sz="1600" b="1"/>
+            </a:lvl8pPr>
+            <a:lvl9pPr marL="3657600" indent="0">
+              <a:buNone/>
+              <a:defRPr sz="1600" b="1"/>
+            </a:lvl9pPr>
+          </a:lstStyle>
+          <a:p>
+            <a:pPr lvl="0"/>
+            <a:r>
+              <a:rPr lang="en-US"/>
+              <a:t>Click to edit Master text styles</a:t>
+            </a:r>
+          </a:p>
+        </p:txBody>
+      </p:sp>
+      <p:sp>
+        <p:nvSpPr>
+          <p:cNvPr id="12" name="Text Placeholder 3"/>
+          <p:cNvSpPr>
+            <a:spLocks noGrp="1"/>
+          </p:cNvSpPr>
+          <p:nvPr>
+            <p:ph type="body" sz="half" idx="17"/>
+          </p:nvPr>
+        </p:nvSpPr>
+        <p:spPr>
+          <a:xfrm>
+            <a:off x="7966572" y="2571750"/>
+            <a:ext cx="3300984" cy="3219450"/>
+          </a:xfrm>
+        </p:spPr>
+        <p:txBody>
+          <a:bodyPr anchor="t">
+            <a:normAutofit/>
+          </a:bodyPr>
+          <a:lstStyle>
+            <a:lvl1pPr marL="0" indent="0" algn="ctr">
+              <a:buNone/>
+              <a:defRPr sz="1400"/>
+            </a:lvl1pPr>
+            <a:lvl2pPr marL="457200" indent="0">
+              <a:buNone/>
+              <a:defRPr sz="1200"/>
+            </a:lvl2pPr>
+            <a:lvl3pPr marL="914400" indent="0">
+              <a:buNone/>
+              <a:defRPr sz="1000"/>
+            </a:lvl3pPr>
+            <a:lvl4pPr marL="1371600" indent="0">
+              <a:buNone/>
+              <a:defRPr sz="900"/>
+            </a:lvl4pPr>
+            <a:lvl5pPr marL="1828800" indent="0">
+              <a:buNone/>
+              <a:defRPr sz="900"/>
+            </a:lvl5pPr>
+            <a:lvl6pPr marL="2286000" indent="0">
+              <a:buNone/>
+              <a:defRPr sz="900"/>
+            </a:lvl6pPr>
+            <a:lvl7pPr marL="2743200" indent="0">
+              <a:buNone/>
+              <a:defRPr sz="900"/>
+            </a:lvl7pPr>
+            <a:lvl8pPr marL="3200400" indent="0">
+              <a:buNone/>
+              <a:defRPr sz="900"/>
+            </a:lvl8pPr>
+            <a:lvl9pPr marL="3657600" indent="0">
+              <a:buNone/>
+              <a:defRPr sz="900"/>
+            </a:lvl9pPr>
+          </a:lstStyle>
+          <a:p>
+            <a:pPr lvl="0"/>
+            <a:r>
+              <a:rPr lang="en-US"/>
+              <a:t>Click to edit Master text styles</a:t>
+            </a:r>
+          </a:p>
+        </p:txBody>
+      </p:sp>
+      <p:sp>
+        <p:nvSpPr>
+          <p:cNvPr id="3" name="Date Placeholder 2"/>
+          <p:cNvSpPr>
+            <a:spLocks noGrp="1"/>
+          </p:cNvSpPr>
+          <p:nvPr>
+            <p:ph type="dt" sz="half" idx="10"/>
+          </p:nvPr>
+        </p:nvSpPr>
+        <p:spPr/>
+        <p:txBody>
+          <a:bodyPr/>
+          <a:lstStyle/>
+          <a:p>
+            <a:fld id="{D90120EC-953E-48DF-8E2D-0C8283984789}" type="datetimeFigureOut">
+              <a:rPr lang="en-AU" smtClean="0"/>
+              <a:t>6/12/2024</a:t>
+            </a:fld>
+            <a:endParaRPr lang="en-AU"/>
+          </a:p>
+        </p:txBody>
+      </p:sp>
+      <p:sp>
+        <p:nvSpPr>
+          <p:cNvPr id="4" name="Footer Placeholder 3"/>
+          <p:cNvSpPr>
+            <a:spLocks noGrp="1"/>
+          </p:cNvSpPr>
+          <p:nvPr>
+            <p:ph type="ftr" sz="quarter" idx="11"/>
+          </p:nvPr>
+        </p:nvSpPr>
+        <p:spPr/>
+        <p:txBody>
+          <a:bodyPr/>
+          <a:lstStyle/>
+          <a:p>
+            <a:endParaRPr lang="en-AU"/>
+          </a:p>
+        </p:txBody>
+      </p:sp>
+      <p:sp>
+        <p:nvSpPr>
+          <p:cNvPr id="5" name="Slide Number Placeholder 4"/>
+          <p:cNvSpPr>
+            <a:spLocks noGrp="1"/>
+          </p:cNvSpPr>
+          <p:nvPr>
+            <p:ph type="sldNum" sz="quarter" idx="12"/>
+          </p:nvPr>
+        </p:nvSpPr>
+        <p:spPr/>
+        <p:txBody>
+          <a:bodyPr/>
+          <a:lstStyle/>
+          <a:p>
+            <a:fld id="{79F5145F-C4C5-4EC4-896F-6258E2D6B5DA}" type="slidenum">
+              <a:rPr lang="en-AU" smtClean="0"/>
+              <a:t>‹#›</a:t>
+            </a:fld>
+            <a:endParaRPr lang="en-AU"/>
+          </a:p>
+        </p:txBody>
+      </p:sp>
+    </p:spTree>
+    <p:extLst>
+      <p:ext uri="{BB962C8B-B14F-4D97-AF65-F5344CB8AC3E}">
+        <p14:creationId xmlns:p14="http://schemas.microsoft.com/office/powerpoint/2010/main" val="1431596062"/>
+      </p:ext>
+    </p:extLst>
+  </p:cSld>
+  <p:clrMapOvr>
+    <a:masterClrMapping/>
+  </p:clrMapOvr>
+</p:sldLayout>
+</file>
+
+<file path=ppt/slideLayouts/slideLayout15.xml><?xml version="1.0" encoding="utf-8"?>
+<p:sldLayout xmlns:a="http://schemas.openxmlformats.org/drawingml/2006/main" xmlns:r="http://schemas.openxmlformats.org/officeDocument/2006/relationships" xmlns:p="http://schemas.openxmlformats.org/presentationml/2006/main" preserve="1">
+  <p:cSld name="3 Picture Column">
+    <p:spTree>
+      <p:nvGrpSpPr>
+        <p:cNvPr id="1" name=""/>
+        <p:cNvGrpSpPr/>
+        <p:nvPr/>
+      </p:nvGrpSpPr>
+      <p:grpSpPr>
+        <a:xfrm>
+          <a:off x="0" y="0"/>
+          <a:ext cx="0" cy="0"/>
+          <a:chOff x="0" y="0"/>
+          <a:chExt cx="0" cy="0"/>
+        </a:xfrm>
+      </p:grpSpPr>
+      <p:pic>
+        <p:nvPicPr>
+          <p:cNvPr id="2" name="Picture 1" descr="Slate-V2-HD-3colPhotoInset.png"/>
+          <p:cNvPicPr>
+            <a:picLocks noChangeAspect="1"/>
+          </p:cNvPicPr>
+          <p:nvPr/>
+        </p:nvPicPr>
+        <p:blipFill>
+          <a:blip r:embed="rId2">
+            <a:extLst>
+              <a:ext uri="{28A0092B-C50C-407E-A947-70E740481C1C}">
+                <a14:useLocalDpi xmlns:a14="http://schemas.microsoft.com/office/drawing/2010/main" val="0"/>
+              </a:ext>
+            </a:extLst>
+          </a:blip>
+          <a:stretch>
+            <a:fillRect/>
+          </a:stretch>
+        </p:blipFill>
+        <p:spPr>
+          <a:xfrm>
+            <a:off x="897962" y="1818214"/>
+            <a:ext cx="3339972" cy="1847851"/>
+          </a:xfrm>
+          <a:prstGeom prst="rect">
+            <a:avLst/>
+          </a:prstGeom>
+        </p:spPr>
+      </p:pic>
+      <p:pic>
+        <p:nvPicPr>
+          <p:cNvPr id="36" name="Picture 35" descr="Slate-V2-HD-3colPhotoInset.png"/>
+          <p:cNvPicPr>
+            <a:picLocks noChangeAspect="1"/>
+          </p:cNvPicPr>
+          <p:nvPr/>
+        </p:nvPicPr>
+        <p:blipFill>
+          <a:blip r:embed="rId2">
+            <a:extLst>
+              <a:ext uri="{28A0092B-C50C-407E-A947-70E740481C1C}">
+                <a14:useLocalDpi xmlns:a14="http://schemas.microsoft.com/office/drawing/2010/main" val="0"/>
+              </a:ext>
+            </a:extLst>
+          </a:blip>
+          <a:stretch>
+            <a:fillRect/>
+          </a:stretch>
+        </p:blipFill>
+        <p:spPr>
+          <a:xfrm>
+            <a:off x="4403800" y="1818214"/>
+            <a:ext cx="3339972" cy="1847851"/>
+          </a:xfrm>
+          <a:prstGeom prst="rect">
+            <a:avLst/>
+          </a:prstGeom>
+        </p:spPr>
+      </p:pic>
+      <p:pic>
+        <p:nvPicPr>
+          <p:cNvPr id="37" name="Picture 36" descr="Slate-V2-HD-3colPhotoInset.png"/>
+          <p:cNvPicPr>
+            <a:picLocks noChangeAspect="1"/>
+          </p:cNvPicPr>
+          <p:nvPr/>
+        </p:nvPicPr>
+        <p:blipFill>
+          <a:blip r:embed="rId2">
+            <a:extLst>
+              <a:ext uri="{28A0092B-C50C-407E-A947-70E740481C1C}">
+                <a14:useLocalDpi xmlns:a14="http://schemas.microsoft.com/office/drawing/2010/main" val="0"/>
+              </a:ext>
+            </a:extLst>
+          </a:blip>
+          <a:stretch>
+            <a:fillRect/>
+          </a:stretch>
+        </p:blipFill>
+        <p:spPr>
+          <a:xfrm>
+            <a:off x="7936051" y="1818214"/>
+            <a:ext cx="3339972" cy="1847851"/>
+          </a:xfrm>
+          <a:prstGeom prst="rect">
+            <a:avLst/>
+          </a:prstGeom>
+        </p:spPr>
+      </p:pic>
+      <p:sp>
+        <p:nvSpPr>
+          <p:cNvPr id="30" name="Title 1"/>
+          <p:cNvSpPr>
+            <a:spLocks noGrp="1"/>
+          </p:cNvSpPr>
+          <p:nvPr>
+            <p:ph type="title"/>
+          </p:nvPr>
+        </p:nvSpPr>
+        <p:spPr>
+          <a:xfrm>
+            <a:off x="913794" y="609600"/>
+            <a:ext cx="10353763" cy="970450"/>
+          </a:xfrm>
+        </p:spPr>
+        <p:txBody>
+          <a:bodyPr/>
+          <a:lstStyle/>
+          <a:p>
+            <a:r>
+              <a:rPr lang="en-US"/>
+              <a:t>Click to edit Master title style</a:t>
+            </a:r>
+            <a:endParaRPr lang="en-US" dirty="0"/>
+          </a:p>
+        </p:txBody>
+      </p:sp>
+      <p:sp>
+        <p:nvSpPr>
+          <p:cNvPr id="19" name="Text Placeholder 2"/>
+          <p:cNvSpPr>
+            <a:spLocks noGrp="1"/>
+          </p:cNvSpPr>
+          <p:nvPr>
+            <p:ph type="body" idx="1"/>
+          </p:nvPr>
+        </p:nvSpPr>
+        <p:spPr>
+          <a:xfrm>
+            <a:off x="913795" y="3904106"/>
+            <a:ext cx="3300984" cy="576262"/>
+          </a:xfrm>
+        </p:spPr>
+        <p:txBody>
+          <a:bodyPr anchor="b">
+            <a:noAutofit/>
+          </a:bodyPr>
+          <a:lstStyle>
+            <a:lvl1pPr marL="0" indent="0" algn="ctr">
+              <a:buNone/>
+              <a:defRPr sz="2000" b="0">
+                <a:solidFill>
+                  <a:schemeClr val="tx1"/>
+                </a:solidFill>
+              </a:defRPr>
+            </a:lvl1pPr>
+            <a:lvl2pPr marL="457200" indent="0">
+              <a:buNone/>
+              <a:defRPr sz="2000" b="1"/>
+            </a:lvl2pPr>
+            <a:lvl3pPr marL="914400" indent="0">
+              <a:buNone/>
+              <a:defRPr sz="1800" b="1"/>
+            </a:lvl3pPr>
+            <a:lvl4pPr marL="1371600" indent="0">
+              <a:buNone/>
+              <a:defRPr sz="1600" b="1"/>
+            </a:lvl4pPr>
+            <a:lvl5pPr marL="1828800" indent="0">
+              <a:buNone/>
+              <a:defRPr sz="1600" b="1"/>
+            </a:lvl5pPr>
+            <a:lvl6pPr marL="2286000" indent="0">
+              <a:buNone/>
+              <a:defRPr sz="1600" b="1"/>
+            </a:lvl6pPr>
+            <a:lvl7pPr marL="2743200" indent="0">
+              <a:buNone/>
+              <a:defRPr sz="1600" b="1"/>
+            </a:lvl7pPr>
+            <a:lvl8pPr marL="3200400" indent="0">
+              <a:buNone/>
+              <a:defRPr sz="1600" b="1"/>
+            </a:lvl8pPr>
+            <a:lvl9pPr marL="3657600" indent="0">
+              <a:buNone/>
+              <a:defRPr sz="1600" b="1"/>
+            </a:lvl9pPr>
+          </a:lstStyle>
+          <a:p>
+            <a:pPr lvl="0"/>
+            <a:r>
+              <a:rPr lang="en-US"/>
+              <a:t>Click to edit Master text styles</a:t>
+            </a:r>
+          </a:p>
+        </p:txBody>
+      </p:sp>
+      <p:sp>
+        <p:nvSpPr>
+          <p:cNvPr id="20" name="Picture Placeholder 2"/>
+          <p:cNvSpPr>
+            <a:spLocks noGrp="1" noChangeAspect="1"/>
+          </p:cNvSpPr>
+          <p:nvPr>
+            <p:ph type="pic" idx="15"/>
+          </p:nvPr>
+        </p:nvSpPr>
+        <p:spPr>
+          <a:xfrm>
+            <a:off x="1018102" y="1938918"/>
+            <a:ext cx="3092368" cy="1602954"/>
+          </a:xfrm>
+          <a:prstGeom prst="roundRect">
+            <a:avLst>
+              <a:gd name="adj" fmla="val 1858"/>
+            </a:avLst>
+          </a:prstGeom>
+          <a:effectLst>
+            <a:outerShdw blurRad="38100" dist="25400" dir="4440000">
+              <a:srgbClr val="000000">
+                <a:alpha val="36000"/>
+              </a:srgbClr>
+            </a:outerShdw>
+          </a:effectLst>
+        </p:spPr>
+        <p:txBody>
+          <a:bodyPr anchor="t">
+            <a:normAutofit/>
+          </a:bodyPr>
+          <a:lstStyle>
+            <a:lvl1pPr marL="0" indent="0" algn="ctr">
+              <a:buNone/>
+              <a:defRPr sz="1600"/>
+            </a:lvl1pPr>
+            <a:lvl2pPr marL="457200" indent="0">
+              <a:buNone/>
+              <a:defRPr sz="1600"/>
+            </a:lvl2pPr>
+            <a:lvl3pPr marL="914400" indent="0">
+              <a:buNone/>
+              <a:defRPr sz="1600"/>
+            </a:lvl3pPr>
+            <a:lvl4pPr marL="1371600" indent="0">
+              <a:buNone/>
+              <a:defRPr sz="1600"/>
+            </a:lvl4pPr>
+            <a:lvl5pPr marL="1828800" indent="0">
+              <a:buNone/>
+              <a:defRPr sz="1600"/>
+            </a:lvl5pPr>
+            <a:lvl6pPr marL="2286000" indent="0">
+              <a:buNone/>
+              <a:defRPr sz="1600"/>
+            </a:lvl6pPr>
+            <a:lvl7pPr marL="2743200" indent="0">
+              <a:buNone/>
+              <a:defRPr sz="1600"/>
+            </a:lvl7pPr>
+            <a:lvl8pPr marL="3200400" indent="0">
+              <a:buNone/>
+              <a:defRPr sz="1600"/>
+            </a:lvl8pPr>
+            <a:lvl9pPr marL="3657600" indent="0">
+              <a:buNone/>
+              <a:defRPr sz="1600"/>
+            </a:lvl9pPr>
+          </a:lstStyle>
+          <a:p>
+            <a:r>
+              <a:rPr lang="en-US"/>
+              <a:t>Click icon to add picture</a:t>
+            </a:r>
+            <a:endParaRPr lang="en-US" dirty="0"/>
+          </a:p>
+        </p:txBody>
+      </p:sp>
+      <p:sp>
+        <p:nvSpPr>
+          <p:cNvPr id="21" name="Text Placeholder 3"/>
+          <p:cNvSpPr>
+            <a:spLocks noGrp="1"/>
+          </p:cNvSpPr>
+          <p:nvPr>
+            <p:ph type="body" sz="half" idx="18"/>
+          </p:nvPr>
+        </p:nvSpPr>
+        <p:spPr>
+          <a:xfrm>
+            <a:off x="913795" y="4480368"/>
+            <a:ext cx="3300984" cy="1310833"/>
+          </a:xfrm>
+        </p:spPr>
+        <p:txBody>
+          <a:bodyPr anchor="t">
+            <a:normAutofit/>
+          </a:bodyPr>
+          <a:lstStyle>
+            <a:lvl1pPr marL="0" indent="0" algn="ctr">
+              <a:buNone/>
+              <a:defRPr sz="1400"/>
+            </a:lvl1pPr>
+            <a:lvl2pPr marL="457200" indent="0">
+              <a:buNone/>
+              <a:defRPr sz="1200"/>
+            </a:lvl2pPr>
+            <a:lvl3pPr marL="914400" indent="0">
+              <a:buNone/>
+              <a:defRPr sz="1000"/>
+            </a:lvl3pPr>
+            <a:lvl4pPr marL="1371600" indent="0">
+              <a:buNone/>
+              <a:defRPr sz="900"/>
+            </a:lvl4pPr>
+            <a:lvl5pPr marL="1828800" indent="0">
+              <a:buNone/>
+              <a:defRPr sz="900"/>
+            </a:lvl5pPr>
+            <a:lvl6pPr marL="2286000" indent="0">
+              <a:buNone/>
+              <a:defRPr sz="900"/>
+            </a:lvl6pPr>
+            <a:lvl7pPr marL="2743200" indent="0">
+              <a:buNone/>
+              <a:defRPr sz="900"/>
+            </a:lvl7pPr>
+            <a:lvl8pPr marL="3200400" indent="0">
+              <a:buNone/>
+              <a:defRPr sz="900"/>
+            </a:lvl8pPr>
+            <a:lvl9pPr marL="3657600" indent="0">
+              <a:buNone/>
+              <a:defRPr sz="900"/>
+            </a:lvl9pPr>
+          </a:lstStyle>
+          <a:p>
+            <a:pPr lvl="0"/>
+            <a:r>
+              <a:rPr lang="en-US"/>
+              <a:t>Click to edit Master text styles</a:t>
+            </a:r>
+          </a:p>
+        </p:txBody>
+      </p:sp>
+      <p:sp>
+        <p:nvSpPr>
+          <p:cNvPr id="22" name="Text Placeholder 4"/>
+          <p:cNvSpPr>
+            <a:spLocks noGrp="1"/>
+          </p:cNvSpPr>
+          <p:nvPr>
+            <p:ph type="body" sz="quarter" idx="3"/>
+          </p:nvPr>
+        </p:nvSpPr>
+        <p:spPr>
+          <a:xfrm>
+            <a:off x="4442788" y="3904106"/>
+            <a:ext cx="3300984" cy="576262"/>
+          </a:xfrm>
+        </p:spPr>
+        <p:txBody>
+          <a:bodyPr anchor="b">
+            <a:noAutofit/>
+          </a:bodyPr>
+          <a:lstStyle>
+            <a:lvl1pPr marL="0" indent="0" algn="ctr">
+              <a:buNone/>
+              <a:defRPr sz="2000" b="0">
+                <a:solidFill>
+                  <a:schemeClr val="tx1"/>
+                </a:solidFill>
+              </a:defRPr>
+            </a:lvl1pPr>
+            <a:lvl2pPr marL="457200" indent="0">
+              <a:buNone/>
+              <a:defRPr sz="2000" b="1"/>
+            </a:lvl2pPr>
+            <a:lvl3pPr marL="914400" indent="0">
+              <a:buNone/>
+              <a:defRPr sz="1800" b="1"/>
+            </a:lvl3pPr>
+            <a:lvl4pPr marL="1371600" indent="0">
+              <a:buNone/>
+              <a:defRPr sz="1600" b="1"/>
+            </a:lvl4pPr>
+            <a:lvl5pPr marL="1828800" indent="0">
+              <a:buNone/>
+              <a:defRPr sz="1600" b="1"/>
+            </a:lvl5pPr>
+            <a:lvl6pPr marL="2286000" indent="0">
+              <a:buNone/>
+              <a:defRPr sz="1600" b="1"/>
+            </a:lvl6pPr>
+            <a:lvl7pPr marL="2743200" indent="0">
+              <a:buNone/>
+              <a:defRPr sz="1600" b="1"/>
+            </a:lvl7pPr>
+            <a:lvl8pPr marL="3200400" indent="0">
+              <a:buNone/>
+              <a:defRPr sz="1600" b="1"/>
+            </a:lvl8pPr>
+            <a:lvl9pPr marL="3657600" indent="0">
+              <a:buNone/>
+              <a:defRPr sz="1600" b="1"/>
+            </a:lvl9pPr>
+          </a:lstStyle>
+          <a:p>
+            <a:pPr lvl="0"/>
+            <a:r>
+              <a:rPr lang="en-US"/>
+              <a:t>Click to edit Master text styles</a:t>
+            </a:r>
+          </a:p>
+        </p:txBody>
+      </p:sp>
+      <p:sp>
+        <p:nvSpPr>
+          <p:cNvPr id="23" name="Picture Placeholder 2"/>
+          <p:cNvSpPr>
+            <a:spLocks noGrp="1" noChangeAspect="1"/>
+          </p:cNvSpPr>
+          <p:nvPr>
+            <p:ph type="pic" idx="21"/>
+          </p:nvPr>
+        </p:nvSpPr>
+        <p:spPr>
+          <a:xfrm>
+            <a:off x="4545743" y="1939094"/>
+            <a:ext cx="3092368" cy="1608164"/>
+          </a:xfrm>
+          <a:prstGeom prst="roundRect">
+            <a:avLst>
+              <a:gd name="adj" fmla="val 1858"/>
+            </a:avLst>
+          </a:prstGeom>
+          <a:effectLst>
+            <a:outerShdw blurRad="38100" dist="25400" dir="4440000">
+              <a:srgbClr val="000000">
+                <a:alpha val="36000"/>
+              </a:srgbClr>
+            </a:outerShdw>
+          </a:effectLst>
+        </p:spPr>
+        <p:txBody>
+          <a:bodyPr anchor="t">
+            <a:normAutofit/>
+          </a:bodyPr>
+          <a:lstStyle>
+            <a:lvl1pPr marL="0" indent="0" algn="ctr">
+              <a:buNone/>
+              <a:defRPr sz="1600"/>
+            </a:lvl1pPr>
+            <a:lvl2pPr marL="457200" indent="0">
+              <a:buNone/>
+              <a:defRPr sz="1600"/>
+            </a:lvl2pPr>
+            <a:lvl3pPr marL="914400" indent="0">
+              <a:buNone/>
+              <a:defRPr sz="1600"/>
+            </a:lvl3pPr>
+            <a:lvl4pPr marL="1371600" indent="0">
+              <a:buNone/>
+              <a:defRPr sz="1600"/>
+            </a:lvl4pPr>
+            <a:lvl5pPr marL="1828800" indent="0">
+              <a:buNone/>
+              <a:defRPr sz="1600"/>
+            </a:lvl5pPr>
+            <a:lvl6pPr marL="2286000" indent="0">
+              <a:buNone/>
+              <a:defRPr sz="1600"/>
+            </a:lvl6pPr>
+            <a:lvl7pPr marL="2743200" indent="0">
+              <a:buNone/>
+              <a:defRPr sz="1600"/>
+            </a:lvl7pPr>
+            <a:lvl8pPr marL="3200400" indent="0">
+              <a:buNone/>
+              <a:defRPr sz="1600"/>
+            </a:lvl8pPr>
+            <a:lvl9pPr marL="3657600" indent="0">
+              <a:buNone/>
+              <a:defRPr sz="1600"/>
+            </a:lvl9pPr>
+          </a:lstStyle>
+          <a:p>
+            <a:r>
+              <a:rPr lang="en-US"/>
+              <a:t>Click icon to add picture</a:t>
+            </a:r>
+            <a:endParaRPr lang="en-US" dirty="0"/>
+          </a:p>
+        </p:txBody>
+      </p:sp>
+      <p:sp>
+        <p:nvSpPr>
+          <p:cNvPr id="24" name="Text Placeholder 3"/>
+          <p:cNvSpPr>
+            <a:spLocks noGrp="1"/>
+          </p:cNvSpPr>
+          <p:nvPr>
+            <p:ph type="body" sz="half" idx="19"/>
+          </p:nvPr>
+        </p:nvSpPr>
+        <p:spPr>
+          <a:xfrm>
+            <a:off x="4441435" y="4480367"/>
+            <a:ext cx="3300984" cy="1310833"/>
+          </a:xfrm>
+        </p:spPr>
+        <p:txBody>
+          <a:bodyPr anchor="t">
+            <a:normAutofit/>
+          </a:bodyPr>
+          <a:lstStyle>
+            <a:lvl1pPr marL="0" indent="0" algn="ctr">
+              <a:buNone/>
+              <a:defRPr sz="1400"/>
+            </a:lvl1pPr>
+            <a:lvl2pPr marL="457200" indent="0">
+              <a:buNone/>
+              <a:defRPr sz="1200"/>
+            </a:lvl2pPr>
+            <a:lvl3pPr marL="914400" indent="0">
+              <a:buNone/>
+              <a:defRPr sz="1000"/>
+            </a:lvl3pPr>
+            <a:lvl4pPr marL="1371600" indent="0">
+              <a:buNone/>
+              <a:defRPr sz="900"/>
+            </a:lvl4pPr>
+            <a:lvl5pPr marL="1828800" indent="0">
+              <a:buNone/>
+              <a:defRPr sz="900"/>
+            </a:lvl5pPr>
+            <a:lvl6pPr marL="2286000" indent="0">
+              <a:buNone/>
+              <a:defRPr sz="900"/>
+            </a:lvl6pPr>
+            <a:lvl7pPr marL="2743200" indent="0">
+              <a:buNone/>
+              <a:defRPr sz="900"/>
+            </a:lvl7pPr>
+            <a:lvl8pPr marL="3200400" indent="0">
+              <a:buNone/>
+              <a:defRPr sz="900"/>
+            </a:lvl8pPr>
+            <a:lvl9pPr marL="3657600" indent="0">
+              <a:buNone/>
+              <a:defRPr sz="900"/>
+            </a:lvl9pPr>
+          </a:lstStyle>
+          <a:p>
+            <a:pPr lvl="0"/>
+            <a:r>
+              <a:rPr lang="en-US"/>
+              <a:t>Click to edit Master text styles</a:t>
+            </a:r>
+          </a:p>
+        </p:txBody>
+      </p:sp>
+      <p:sp>
+        <p:nvSpPr>
+          <p:cNvPr id="25" name="Text Placeholder 4"/>
+          <p:cNvSpPr>
+            <a:spLocks noGrp="1"/>
+          </p:cNvSpPr>
+          <p:nvPr>
+            <p:ph type="body" sz="quarter" idx="13"/>
+          </p:nvPr>
+        </p:nvSpPr>
+        <p:spPr>
+          <a:xfrm>
+            <a:off x="7966697" y="3904106"/>
+            <a:ext cx="3300984" cy="576262"/>
+          </a:xfrm>
+        </p:spPr>
+        <p:txBody>
+          <a:bodyPr anchor="b">
+            <a:noAutofit/>
+          </a:bodyPr>
+          <a:lstStyle>
+            <a:lvl1pPr marL="0" indent="0" algn="ctr">
+              <a:buNone/>
+              <a:defRPr sz="2000" b="0">
+                <a:solidFill>
+                  <a:schemeClr val="tx1"/>
+                </a:solidFill>
+              </a:defRPr>
+            </a:lvl1pPr>
+            <a:lvl2pPr marL="457200" indent="0">
+              <a:buNone/>
+              <a:defRPr sz="2000" b="1"/>
+            </a:lvl2pPr>
+            <a:lvl3pPr marL="914400" indent="0">
+              <a:buNone/>
+              <a:defRPr sz="1800" b="1"/>
+            </a:lvl3pPr>
+            <a:lvl4pPr marL="1371600" indent="0">
+              <a:buNone/>
+              <a:defRPr sz="1600" b="1"/>
+            </a:lvl4pPr>
+            <a:lvl5pPr marL="1828800" indent="0">
+              <a:buNone/>
+              <a:defRPr sz="1600" b="1"/>
+            </a:lvl5pPr>
+            <a:lvl6pPr marL="2286000" indent="0">
+              <a:buNone/>
+              <a:defRPr sz="1600" b="1"/>
+            </a:lvl6pPr>
+            <a:lvl7pPr marL="2743200" indent="0">
+              <a:buNone/>
+              <a:defRPr sz="1600" b="1"/>
+            </a:lvl7pPr>
+            <a:lvl8pPr marL="3200400" indent="0">
+              <a:buNone/>
+              <a:defRPr sz="1600" b="1"/>
+            </a:lvl8pPr>
+            <a:lvl9pPr marL="3657600" indent="0">
+              <a:buNone/>
+              <a:defRPr sz="1600" b="1"/>
+            </a:lvl9pPr>
+          </a:lstStyle>
+          <a:p>
+            <a:pPr lvl="0"/>
+            <a:r>
+              <a:rPr lang="en-US"/>
+              <a:t>Click to edit Master text styles</a:t>
+            </a:r>
+          </a:p>
+        </p:txBody>
+      </p:sp>
+      <p:sp>
+        <p:nvSpPr>
+          <p:cNvPr id="26" name="Picture Placeholder 2"/>
+          <p:cNvSpPr>
+            <a:spLocks noGrp="1" noChangeAspect="1"/>
+          </p:cNvSpPr>
+          <p:nvPr>
+            <p:ph type="pic" idx="22"/>
+          </p:nvPr>
+        </p:nvSpPr>
+        <p:spPr>
+          <a:xfrm>
+            <a:off x="8075698" y="1934432"/>
+            <a:ext cx="3092368" cy="1607294"/>
+          </a:xfrm>
+          <a:prstGeom prst="roundRect">
+            <a:avLst>
+              <a:gd name="adj" fmla="val 1858"/>
+            </a:avLst>
+          </a:prstGeom>
+          <a:effectLst>
+            <a:outerShdw blurRad="38100" dist="25400" dir="4440000">
+              <a:srgbClr val="000000">
+                <a:alpha val="36000"/>
+              </a:srgbClr>
+            </a:outerShdw>
+          </a:effectLst>
+        </p:spPr>
+        <p:txBody>
+          <a:bodyPr anchor="t">
+            <a:normAutofit/>
+          </a:bodyPr>
+          <a:lstStyle>
+            <a:lvl1pPr marL="0" indent="0" algn="ctr">
+              <a:buNone/>
+              <a:defRPr sz="1600"/>
+            </a:lvl1pPr>
+            <a:lvl2pPr marL="457200" indent="0">
+              <a:buNone/>
+              <a:defRPr sz="1600"/>
+            </a:lvl2pPr>
+            <a:lvl3pPr marL="914400" indent="0">
+              <a:buNone/>
+              <a:defRPr sz="1600"/>
+            </a:lvl3pPr>
+            <a:lvl4pPr marL="1371600" indent="0">
+              <a:buNone/>
+              <a:defRPr sz="1600"/>
+            </a:lvl4pPr>
+            <a:lvl5pPr marL="1828800" indent="0">
+              <a:buNone/>
+              <a:defRPr sz="1600"/>
+            </a:lvl5pPr>
+            <a:lvl6pPr marL="2286000" indent="0">
+              <a:buNone/>
+              <a:defRPr sz="1600"/>
+            </a:lvl6pPr>
+            <a:lvl7pPr marL="2743200" indent="0">
+              <a:buNone/>
+              <a:defRPr sz="1600"/>
+            </a:lvl7pPr>
+            <a:lvl8pPr marL="3200400" indent="0">
+              <a:buNone/>
+              <a:defRPr sz="1600"/>
+            </a:lvl8pPr>
+            <a:lvl9pPr marL="3657600" indent="0">
+              <a:buNone/>
+              <a:defRPr sz="1600"/>
+            </a:lvl9pPr>
+          </a:lstStyle>
+          <a:p>
+            <a:r>
+              <a:rPr lang="en-US"/>
+              <a:t>Click icon to add picture</a:t>
+            </a:r>
+            <a:endParaRPr lang="en-US" dirty="0"/>
+          </a:p>
+        </p:txBody>
+      </p:sp>
+      <p:sp>
+        <p:nvSpPr>
+          <p:cNvPr id="27" name="Text Placeholder 3"/>
+          <p:cNvSpPr>
+            <a:spLocks noGrp="1"/>
+          </p:cNvSpPr>
+          <p:nvPr>
+            <p:ph type="body" sz="half" idx="20"/>
+          </p:nvPr>
+        </p:nvSpPr>
+        <p:spPr>
+          <a:xfrm>
+            <a:off x="7966572" y="4480365"/>
+            <a:ext cx="3300984" cy="1310835"/>
+          </a:xfrm>
+        </p:spPr>
+        <p:txBody>
+          <a:bodyPr anchor="t">
+            <a:normAutofit/>
+          </a:bodyPr>
+          <a:lstStyle>
+            <a:lvl1pPr marL="0" indent="0" algn="ctr">
+              <a:buNone/>
+              <a:defRPr sz="1400"/>
+            </a:lvl1pPr>
+            <a:lvl2pPr marL="457200" indent="0">
+              <a:buNone/>
+              <a:defRPr sz="1200"/>
+            </a:lvl2pPr>
+            <a:lvl3pPr marL="914400" indent="0">
+              <a:buNone/>
+              <a:defRPr sz="1000"/>
+            </a:lvl3pPr>
+            <a:lvl4pPr marL="1371600" indent="0">
+              <a:buNone/>
+              <a:defRPr sz="900"/>
+            </a:lvl4pPr>
+            <a:lvl5pPr marL="1828800" indent="0">
+              <a:buNone/>
+              <a:defRPr sz="900"/>
+            </a:lvl5pPr>
+            <a:lvl6pPr marL="2286000" indent="0">
+              <a:buNone/>
+              <a:defRPr sz="900"/>
+            </a:lvl6pPr>
+            <a:lvl7pPr marL="2743200" indent="0">
+              <a:buNone/>
+              <a:defRPr sz="900"/>
+            </a:lvl7pPr>
+            <a:lvl8pPr marL="3200400" indent="0">
+              <a:buNone/>
+              <a:defRPr sz="900"/>
+            </a:lvl8pPr>
+            <a:lvl9pPr marL="3657600" indent="0">
+              <a:buNone/>
+              <a:defRPr sz="900"/>
+            </a:lvl9pPr>
+          </a:lstStyle>
+          <a:p>
+            <a:pPr lvl="0"/>
+            <a:r>
+              <a:rPr lang="en-US"/>
+              <a:t>Click to edit Master text styles</a:t>
+            </a:r>
+          </a:p>
+        </p:txBody>
+      </p:sp>
+      <p:sp>
+        <p:nvSpPr>
+          <p:cNvPr id="3" name="Date Placeholder 2"/>
+          <p:cNvSpPr>
+            <a:spLocks noGrp="1"/>
+          </p:cNvSpPr>
+          <p:nvPr>
+            <p:ph type="dt" sz="half" idx="10"/>
+          </p:nvPr>
+        </p:nvSpPr>
+        <p:spPr/>
+        <p:txBody>
+          <a:bodyPr/>
+          <a:lstStyle/>
+          <a:p>
+            <a:fld id="{D90120EC-953E-48DF-8E2D-0C8283984789}" type="datetimeFigureOut">
+              <a:rPr lang="en-AU" smtClean="0"/>
+              <a:t>6/12/2024</a:t>
+            </a:fld>
+            <a:endParaRPr lang="en-AU"/>
+          </a:p>
+        </p:txBody>
+      </p:sp>
+      <p:sp>
+        <p:nvSpPr>
+          <p:cNvPr id="4" name="Footer Placeholder 3"/>
+          <p:cNvSpPr>
+            <a:spLocks noGrp="1"/>
+          </p:cNvSpPr>
+          <p:nvPr>
+            <p:ph type="ftr" sz="quarter" idx="11"/>
+          </p:nvPr>
+        </p:nvSpPr>
+        <p:spPr/>
+        <p:txBody>
+          <a:bodyPr/>
+          <a:lstStyle/>
+          <a:p>
+            <a:endParaRPr lang="en-AU"/>
+          </a:p>
+        </p:txBody>
+      </p:sp>
+      <p:sp>
+        <p:nvSpPr>
+          <p:cNvPr id="5" name="Slide Number Placeholder 4"/>
+          <p:cNvSpPr>
+            <a:spLocks noGrp="1"/>
+          </p:cNvSpPr>
+          <p:nvPr>
+            <p:ph type="sldNum" sz="quarter" idx="12"/>
+          </p:nvPr>
+        </p:nvSpPr>
+        <p:spPr/>
+        <p:txBody>
+          <a:bodyPr/>
+          <a:lstStyle/>
+          <a:p>
+            <a:fld id="{79F5145F-C4C5-4EC4-896F-6258E2D6B5DA}" type="slidenum">
+              <a:rPr lang="en-AU" smtClean="0"/>
+              <a:t>‹#›</a:t>
+            </a:fld>
+            <a:endParaRPr lang="en-AU"/>
+          </a:p>
+        </p:txBody>
+      </p:sp>
+    </p:spTree>
+    <p:extLst>
+      <p:ext uri="{BB962C8B-B14F-4D97-AF65-F5344CB8AC3E}">
+        <p14:creationId xmlns:p14="http://schemas.microsoft.com/office/powerpoint/2010/main" val="678097184"/>
+      </p:ext>
+    </p:extLst>
+  </p:cSld>
+  <p:clrMapOvr>
+    <a:masterClrMapping/>
+  </p:clrMapOvr>
+</p:sldLayout>
+</file>
+
+<file path=ppt/slideLayouts/slideLayout16.xml><?xml version="1.0" encoding="utf-8"?>
 <p:sldLayout xmlns:a="http://schemas.openxmlformats.org/drawingml/2006/main" xmlns:r="http://schemas.openxmlformats.org/officeDocument/2006/relationships" xmlns:p="http://schemas.openxmlformats.org/presentationml/2006/main" type="vertTx" preserve="1">
   <p:cSld name="Title and Vertical Text">
     <p:spTree>
@@ -358,13 +2958,7 @@
       </p:grpSpPr>
       <p:sp>
         <p:nvSpPr>
-          <p:cNvPr id="2" name="Title 1">
-            <a:extLst>
-              <a:ext uri="{FF2B5EF4-FFF2-40B4-BE49-F238E27FC236}">
-                <a16:creationId xmlns:a16="http://schemas.microsoft.com/office/drawing/2014/main" id="{2F7D753E-9FD3-01A5-A4D5-B336E04EB242}"/>
-              </a:ext>
-            </a:extLst>
-          </p:cNvPr>
+          <p:cNvPr id="2" name="Title 1"/>
           <p:cNvSpPr>
             <a:spLocks noGrp="1"/>
           </p:cNvSpPr>
@@ -381,19 +2975,13 @@
               <a:rPr lang="en-US"/>
               <a:t>Click to edit Master title style</a:t>
             </a:r>
-            <a:endParaRPr lang="en-AU"/>
-          </a:p>
-        </p:txBody>
-      </p:sp>
-      <p:sp>
-        <p:nvSpPr>
-          <p:cNvPr id="3" name="Vertical Text Placeholder 2">
-            <a:extLst>
-              <a:ext uri="{FF2B5EF4-FFF2-40B4-BE49-F238E27FC236}">
-                <a16:creationId xmlns:a16="http://schemas.microsoft.com/office/drawing/2014/main" id="{60A8E542-03FA-1D6B-AAEC-A2DBA89D7428}"/>
-              </a:ext>
-            </a:extLst>
-          </p:cNvPr>
+            <a:endParaRPr lang="en-US" dirty="0"/>
+          </a:p>
+        </p:txBody>
+      </p:sp>
+      <p:sp>
+        <p:nvSpPr>
+          <p:cNvPr id="3" name="Vertical Text Placeholder 2"/>
           <p:cNvSpPr>
             <a:spLocks noGrp="1"/>
           </p:cNvSpPr>
@@ -403,7 +2991,7 @@
         </p:nvSpPr>
         <p:spPr/>
         <p:txBody>
-          <a:bodyPr vert="eaVert"/>
+          <a:bodyPr vert="eaVert" anchor="t"/>
           <a:lstStyle/>
           <a:p>
             <a:pPr lvl="0"/>
@@ -439,19 +3027,13 @@
               <a:rPr lang="en-US"/>
               <a:t>Fifth level</a:t>
             </a:r>
-            <a:endParaRPr lang="en-AU"/>
-          </a:p>
-        </p:txBody>
-      </p:sp>
-      <p:sp>
-        <p:nvSpPr>
-          <p:cNvPr id="4" name="Date Placeholder 3">
-            <a:extLst>
-              <a:ext uri="{FF2B5EF4-FFF2-40B4-BE49-F238E27FC236}">
-                <a16:creationId xmlns:a16="http://schemas.microsoft.com/office/drawing/2014/main" id="{12BB7974-00E2-C768-7798-DCF479F1C783}"/>
-              </a:ext>
-            </a:extLst>
-          </p:cNvPr>
+            <a:endParaRPr lang="en-US" dirty="0"/>
+          </a:p>
+        </p:txBody>
+      </p:sp>
+      <p:sp>
+        <p:nvSpPr>
+          <p:cNvPr id="4" name="Date Placeholder 3"/>
           <p:cNvSpPr>
             <a:spLocks noGrp="1"/>
           </p:cNvSpPr>
@@ -466,7 +3048,7 @@
           <a:p>
             <a:fld id="{D90120EC-953E-48DF-8E2D-0C8283984789}" type="datetimeFigureOut">
               <a:rPr lang="en-AU" smtClean="0"/>
-              <a:t>5/12/2024</a:t>
+              <a:t>6/12/2024</a:t>
             </a:fld>
             <a:endParaRPr lang="en-AU"/>
           </a:p>
@@ -474,13 +3056,7 @@
       </p:sp>
       <p:sp>
         <p:nvSpPr>
-          <p:cNvPr id="5" name="Footer Placeholder 4">
-            <a:extLst>
-              <a:ext uri="{FF2B5EF4-FFF2-40B4-BE49-F238E27FC236}">
-                <a16:creationId xmlns:a16="http://schemas.microsoft.com/office/drawing/2014/main" id="{57C5669F-A015-008B-5357-0CA6ACB41EA1}"/>
-              </a:ext>
-            </a:extLst>
-          </p:cNvPr>
+          <p:cNvPr id="5" name="Footer Placeholder 4"/>
           <p:cNvSpPr>
             <a:spLocks noGrp="1"/>
           </p:cNvSpPr>
@@ -499,13 +3075,7 @@
       </p:sp>
       <p:sp>
         <p:nvSpPr>
-          <p:cNvPr id="6" name="Slide Number Placeholder 5">
-            <a:extLst>
-              <a:ext uri="{FF2B5EF4-FFF2-40B4-BE49-F238E27FC236}">
-                <a16:creationId xmlns:a16="http://schemas.microsoft.com/office/drawing/2014/main" id="{3629F514-ED2F-6346-7E8E-E7F7F1C76C2A}"/>
-              </a:ext>
-            </a:extLst>
-          </p:cNvPr>
+          <p:cNvPr id="6" name="Slide Number Placeholder 5"/>
           <p:cNvSpPr>
             <a:spLocks noGrp="1"/>
           </p:cNvSpPr>
@@ -529,7 +3099,7 @@
     </p:spTree>
     <p:extLst>
       <p:ext uri="{BB962C8B-B14F-4D97-AF65-F5344CB8AC3E}">
-        <p14:creationId xmlns:p14="http://schemas.microsoft.com/office/powerpoint/2010/main" val="3079692421"/>
+        <p14:creationId xmlns:p14="http://schemas.microsoft.com/office/powerpoint/2010/main" val="3441312043"/>
       </p:ext>
     </p:extLst>
   </p:cSld>
@@ -539,7 +3109,7 @@
 </p:sldLayout>
 </file>
 
-<file path=ppt/slideLayouts/slideLayout11.xml><?xml version="1.0" encoding="utf-8"?>
+<file path=ppt/slideLayouts/slideLayout17.xml><?xml version="1.0" encoding="utf-8"?>
 <p:sldLayout xmlns:a="http://schemas.openxmlformats.org/drawingml/2006/main" xmlns:r="http://schemas.openxmlformats.org/officeDocument/2006/relationships" xmlns:p="http://schemas.openxmlformats.org/presentationml/2006/main" type="vertTitleAndTx" preserve="1">
   <p:cSld name="Vertical Title and Text">
     <p:spTree>
@@ -558,13 +3128,7 @@
       </p:grpSpPr>
       <p:sp>
         <p:nvSpPr>
-          <p:cNvPr id="2" name="Vertical Title 1">
-            <a:extLst>
-              <a:ext uri="{FF2B5EF4-FFF2-40B4-BE49-F238E27FC236}">
-                <a16:creationId xmlns:a16="http://schemas.microsoft.com/office/drawing/2014/main" id="{F40BACCD-30FA-6820-D36E-0C92C73C967F}"/>
-              </a:ext>
-            </a:extLst>
-          </p:cNvPr>
+          <p:cNvPr id="2" name="Vertical Title 1"/>
           <p:cNvSpPr>
             <a:spLocks noGrp="1"/>
           </p:cNvSpPr>
@@ -574,31 +3138,29 @@
         </p:nvSpPr>
         <p:spPr>
           <a:xfrm>
-            <a:off x="8724900" y="365125"/>
-            <a:ext cx="2628900" cy="5811838"/>
+            <a:off x="8983068" y="609599"/>
+            <a:ext cx="2284487" cy="5181601"/>
           </a:xfrm>
         </p:spPr>
         <p:txBody>
           <a:bodyPr vert="eaVert"/>
-          <a:lstStyle/>
+          <a:lstStyle>
+            <a:lvl1pPr algn="l">
+              <a:defRPr/>
+            </a:lvl1pPr>
+          </a:lstStyle>
           <a:p>
             <a:r>
               <a:rPr lang="en-US"/>
               <a:t>Click to edit Master title style</a:t>
             </a:r>
-            <a:endParaRPr lang="en-AU"/>
-          </a:p>
-        </p:txBody>
-      </p:sp>
-      <p:sp>
-        <p:nvSpPr>
-          <p:cNvPr id="3" name="Vertical Text Placeholder 2">
-            <a:extLst>
-              <a:ext uri="{FF2B5EF4-FFF2-40B4-BE49-F238E27FC236}">
-                <a16:creationId xmlns:a16="http://schemas.microsoft.com/office/drawing/2014/main" id="{AFAA64FB-1441-61AE-7CD9-6BC14E500A82}"/>
-              </a:ext>
-            </a:extLst>
-          </p:cNvPr>
+            <a:endParaRPr lang="en-US" dirty="0"/>
+          </a:p>
+        </p:txBody>
+      </p:sp>
+      <p:sp>
+        <p:nvSpPr>
+          <p:cNvPr id="3" name="Vertical Text Placeholder 2"/>
           <p:cNvSpPr>
             <a:spLocks noGrp="1"/>
           </p:cNvSpPr>
@@ -608,12 +3170,12 @@
         </p:nvSpPr>
         <p:spPr>
           <a:xfrm>
-            <a:off x="838200" y="365125"/>
-            <a:ext cx="7734300" cy="5811838"/>
+            <a:off x="913796" y="609599"/>
+            <a:ext cx="7916872" cy="5181601"/>
           </a:xfrm>
         </p:spPr>
         <p:txBody>
-          <a:bodyPr vert="eaVert"/>
+          <a:bodyPr vert="eaVert" anchor="t"/>
           <a:lstStyle/>
           <a:p>
             <a:pPr lvl="0"/>
@@ -649,19 +3211,13 @@
               <a:rPr lang="en-US"/>
               <a:t>Fifth level</a:t>
             </a:r>
-            <a:endParaRPr lang="en-AU"/>
-          </a:p>
-        </p:txBody>
-      </p:sp>
-      <p:sp>
-        <p:nvSpPr>
-          <p:cNvPr id="4" name="Date Placeholder 3">
-            <a:extLst>
-              <a:ext uri="{FF2B5EF4-FFF2-40B4-BE49-F238E27FC236}">
-                <a16:creationId xmlns:a16="http://schemas.microsoft.com/office/drawing/2014/main" id="{9607C5CE-BE8B-BD65-815D-DC911D6424AF}"/>
-              </a:ext>
-            </a:extLst>
-          </p:cNvPr>
+            <a:endParaRPr lang="en-US" dirty="0"/>
+          </a:p>
+        </p:txBody>
+      </p:sp>
+      <p:sp>
+        <p:nvSpPr>
+          <p:cNvPr id="4" name="Date Placeholder 3"/>
           <p:cNvSpPr>
             <a:spLocks noGrp="1"/>
           </p:cNvSpPr>
@@ -676,7 +3232,7 @@
           <a:p>
             <a:fld id="{D90120EC-953E-48DF-8E2D-0C8283984789}" type="datetimeFigureOut">
               <a:rPr lang="en-AU" smtClean="0"/>
-              <a:t>5/12/2024</a:t>
+              <a:t>6/12/2024</a:t>
             </a:fld>
             <a:endParaRPr lang="en-AU"/>
           </a:p>
@@ -684,13 +3240,7 @@
       </p:sp>
       <p:sp>
         <p:nvSpPr>
-          <p:cNvPr id="5" name="Footer Placeholder 4">
-            <a:extLst>
-              <a:ext uri="{FF2B5EF4-FFF2-40B4-BE49-F238E27FC236}">
-                <a16:creationId xmlns:a16="http://schemas.microsoft.com/office/drawing/2014/main" id="{5D72EC8E-AE71-DA45-D7E6-F4C906321421}"/>
-              </a:ext>
-            </a:extLst>
-          </p:cNvPr>
+          <p:cNvPr id="5" name="Footer Placeholder 4"/>
           <p:cNvSpPr>
             <a:spLocks noGrp="1"/>
           </p:cNvSpPr>
@@ -709,13 +3259,7 @@
       </p:sp>
       <p:sp>
         <p:nvSpPr>
-          <p:cNvPr id="6" name="Slide Number Placeholder 5">
-            <a:extLst>
-              <a:ext uri="{FF2B5EF4-FFF2-40B4-BE49-F238E27FC236}">
-                <a16:creationId xmlns:a16="http://schemas.microsoft.com/office/drawing/2014/main" id="{AA97A61F-9FCB-4031-1E8A-EF57CC74A933}"/>
-              </a:ext>
-            </a:extLst>
-          </p:cNvPr>
+          <p:cNvPr id="6" name="Slide Number Placeholder 5"/>
           <p:cNvSpPr>
             <a:spLocks noGrp="1"/>
           </p:cNvSpPr>
@@ -739,7 +3283,7 @@
     </p:spTree>
     <p:extLst>
       <p:ext uri="{BB962C8B-B14F-4D97-AF65-F5344CB8AC3E}">
-        <p14:creationId xmlns:p14="http://schemas.microsoft.com/office/powerpoint/2010/main" val="2730877884"/>
+        <p14:creationId xmlns:p14="http://schemas.microsoft.com/office/powerpoint/2010/main" val="3345055710"/>
       </p:ext>
     </p:extLst>
   </p:cSld>
@@ -768,13 +3312,7 @@
       </p:grpSpPr>
       <p:sp>
         <p:nvSpPr>
-          <p:cNvPr id="2" name="Title 1">
-            <a:extLst>
-              <a:ext uri="{FF2B5EF4-FFF2-40B4-BE49-F238E27FC236}">
-                <a16:creationId xmlns:a16="http://schemas.microsoft.com/office/drawing/2014/main" id="{2F69A958-C7B0-B1A1-EE4F-012B1BCC94C1}"/>
-              </a:ext>
-            </a:extLst>
-          </p:cNvPr>
+          <p:cNvPr id="2" name="Title 1"/>
           <p:cNvSpPr>
             <a:spLocks noGrp="1"/>
           </p:cNvSpPr>
@@ -791,19 +3329,13 @@
               <a:rPr lang="en-US"/>
               <a:t>Click to edit Master title style</a:t>
             </a:r>
-            <a:endParaRPr lang="en-AU"/>
-          </a:p>
-        </p:txBody>
-      </p:sp>
-      <p:sp>
-        <p:nvSpPr>
-          <p:cNvPr id="3" name="Content Placeholder 2">
-            <a:extLst>
-              <a:ext uri="{FF2B5EF4-FFF2-40B4-BE49-F238E27FC236}">
-                <a16:creationId xmlns:a16="http://schemas.microsoft.com/office/drawing/2014/main" id="{2C1B4C6C-5D5F-8045-B268-0FB981C6EFEC}"/>
-              </a:ext>
-            </a:extLst>
-          </p:cNvPr>
+            <a:endParaRPr lang="en-US" dirty="0"/>
+          </a:p>
+        </p:txBody>
+      </p:sp>
+      <p:sp>
+        <p:nvSpPr>
+          <p:cNvPr id="3" name="Content Placeholder 2"/>
           <p:cNvSpPr>
             <a:spLocks noGrp="1"/>
           </p:cNvSpPr>
@@ -849,19 +3381,13 @@
               <a:rPr lang="en-US"/>
               <a:t>Fifth level</a:t>
             </a:r>
-            <a:endParaRPr lang="en-AU"/>
-          </a:p>
-        </p:txBody>
-      </p:sp>
-      <p:sp>
-        <p:nvSpPr>
-          <p:cNvPr id="4" name="Date Placeholder 3">
-            <a:extLst>
-              <a:ext uri="{FF2B5EF4-FFF2-40B4-BE49-F238E27FC236}">
-                <a16:creationId xmlns:a16="http://schemas.microsoft.com/office/drawing/2014/main" id="{3B418554-0D80-51B2-4AFD-8FAACB7B44EE}"/>
-              </a:ext>
-            </a:extLst>
-          </p:cNvPr>
+            <a:endParaRPr lang="en-US" dirty="0"/>
+          </a:p>
+        </p:txBody>
+      </p:sp>
+      <p:sp>
+        <p:nvSpPr>
+          <p:cNvPr id="4" name="Date Placeholder 3"/>
           <p:cNvSpPr>
             <a:spLocks noGrp="1"/>
           </p:cNvSpPr>
@@ -876,7 +3402,7 @@
           <a:p>
             <a:fld id="{D90120EC-953E-48DF-8E2D-0C8283984789}" type="datetimeFigureOut">
               <a:rPr lang="en-AU" smtClean="0"/>
-              <a:t>5/12/2024</a:t>
+              <a:t>6/12/2024</a:t>
             </a:fld>
             <a:endParaRPr lang="en-AU"/>
           </a:p>
@@ -884,13 +3410,7 @@
       </p:sp>
       <p:sp>
         <p:nvSpPr>
-          <p:cNvPr id="5" name="Footer Placeholder 4">
-            <a:extLst>
-              <a:ext uri="{FF2B5EF4-FFF2-40B4-BE49-F238E27FC236}">
-                <a16:creationId xmlns:a16="http://schemas.microsoft.com/office/drawing/2014/main" id="{9CE4B086-E10D-815A-7822-29E6D7F1576E}"/>
-              </a:ext>
-            </a:extLst>
-          </p:cNvPr>
+          <p:cNvPr id="5" name="Footer Placeholder 4"/>
           <p:cNvSpPr>
             <a:spLocks noGrp="1"/>
           </p:cNvSpPr>
@@ -909,13 +3429,7 @@
       </p:sp>
       <p:sp>
         <p:nvSpPr>
-          <p:cNvPr id="6" name="Slide Number Placeholder 5">
-            <a:extLst>
-              <a:ext uri="{FF2B5EF4-FFF2-40B4-BE49-F238E27FC236}">
-                <a16:creationId xmlns:a16="http://schemas.microsoft.com/office/drawing/2014/main" id="{281DC595-20B8-B318-EFD0-C95533FBE96E}"/>
-              </a:ext>
-            </a:extLst>
-          </p:cNvPr>
+          <p:cNvPr id="6" name="Slide Number Placeholder 5"/>
           <p:cNvSpPr>
             <a:spLocks noGrp="1"/>
           </p:cNvSpPr>
@@ -939,7 +3453,7 @@
     </p:spTree>
     <p:extLst>
       <p:ext uri="{BB962C8B-B14F-4D97-AF65-F5344CB8AC3E}">
-        <p14:creationId xmlns:p14="http://schemas.microsoft.com/office/powerpoint/2010/main" val="2037162415"/>
+        <p14:creationId xmlns:p14="http://schemas.microsoft.com/office/powerpoint/2010/main" val="3331950908"/>
       </p:ext>
     </p:extLst>
   </p:cSld>
@@ -968,13 +3482,7 @@
       </p:grpSpPr>
       <p:sp>
         <p:nvSpPr>
-          <p:cNvPr id="2" name="Title 1">
-            <a:extLst>
-              <a:ext uri="{FF2B5EF4-FFF2-40B4-BE49-F238E27FC236}">
-                <a16:creationId xmlns:a16="http://schemas.microsoft.com/office/drawing/2014/main" id="{BA94B8F4-CE42-C5D3-C087-1FB47F428AF4}"/>
-              </a:ext>
-            </a:extLst>
-          </p:cNvPr>
+          <p:cNvPr id="2" name="Title 1"/>
           <p:cNvSpPr>
             <a:spLocks noGrp="1"/>
           </p:cNvSpPr>
@@ -984,15 +3492,15 @@
         </p:nvSpPr>
         <p:spPr>
           <a:xfrm>
-            <a:off x="831850" y="1709738"/>
-            <a:ext cx="10515600" cy="2852737"/>
+            <a:off x="1295401" y="1761067"/>
+            <a:ext cx="9590550" cy="1828813"/>
           </a:xfrm>
         </p:spPr>
         <p:txBody>
           <a:bodyPr anchor="b"/>
           <a:lstStyle>
-            <a:lvl1pPr>
-              <a:defRPr sz="6000"/>
+            <a:lvl1pPr algn="ctr">
+              <a:defRPr sz="4000" b="0" cap="none"/>
             </a:lvl1pPr>
           </a:lstStyle>
           <a:p>
@@ -1000,19 +3508,13 @@
               <a:rPr lang="en-US"/>
               <a:t>Click to edit Master title style</a:t>
             </a:r>
-            <a:endParaRPr lang="en-AU"/>
-          </a:p>
-        </p:txBody>
-      </p:sp>
-      <p:sp>
-        <p:nvSpPr>
-          <p:cNvPr id="3" name="Text Placeholder 2">
-            <a:extLst>
-              <a:ext uri="{FF2B5EF4-FFF2-40B4-BE49-F238E27FC236}">
-                <a16:creationId xmlns:a16="http://schemas.microsoft.com/office/drawing/2014/main" id="{B9F9DE02-A52C-F554-A607-6C1761A504F7}"/>
-              </a:ext>
-            </a:extLst>
-          </p:cNvPr>
+            <a:endParaRPr lang="en-US" dirty="0"/>
+          </a:p>
+        </p:txBody>
+      </p:sp>
+      <p:sp>
+        <p:nvSpPr>
+          <p:cNvPr id="3" name="Text Placeholder 2"/>
           <p:cNvSpPr>
             <a:spLocks noGrp="1"/>
           </p:cNvSpPr>
@@ -1022,99 +3524,97 @@
         </p:nvSpPr>
         <p:spPr>
           <a:xfrm>
-            <a:off x="831850" y="4589463"/>
-            <a:ext cx="10515600" cy="1500187"/>
+            <a:off x="1295401" y="3589879"/>
+            <a:ext cx="9590550" cy="1507054"/>
           </a:xfrm>
         </p:spPr>
         <p:txBody>
-          <a:bodyPr/>
+          <a:bodyPr anchor="t"/>
           <a:lstStyle>
-            <a:lvl1pPr marL="0" indent="0">
-              <a:buNone/>
-              <a:defRPr sz="2400">
+            <a:lvl1pPr marL="0" indent="0" algn="ctr">
+              <a:buNone/>
+              <a:defRPr sz="2000">
                 <a:solidFill>
-                  <a:schemeClr val="tx1">
-                    <a:tint val="82000"/>
-                  </a:schemeClr>
+                  <a:schemeClr val="tx1"/>
                 </a:solidFill>
               </a:defRPr>
             </a:lvl1pPr>
             <a:lvl2pPr marL="457200" indent="0">
               <a:buNone/>
-              <a:defRPr sz="2000">
+              <a:defRPr sz="1800">
                 <a:solidFill>
                   <a:schemeClr val="tx1">
-                    <a:tint val="82000"/>
+                    <a:tint val="75000"/>
                   </a:schemeClr>
                 </a:solidFill>
               </a:defRPr>
             </a:lvl2pPr>
             <a:lvl3pPr marL="914400" indent="0">
               <a:buNone/>
-              <a:defRPr sz="1800">
+              <a:defRPr sz="1600">
                 <a:solidFill>
                   <a:schemeClr val="tx1">
-                    <a:tint val="82000"/>
+                    <a:tint val="75000"/>
                   </a:schemeClr>
                 </a:solidFill>
               </a:defRPr>
             </a:lvl3pPr>
             <a:lvl4pPr marL="1371600" indent="0">
               <a:buNone/>
-              <a:defRPr sz="1600">
+              <a:defRPr sz="1400">
                 <a:solidFill>
                   <a:schemeClr val="tx1">
-                    <a:tint val="82000"/>
+                    <a:tint val="75000"/>
                   </a:schemeClr>
                 </a:solidFill>
               </a:defRPr>
             </a:lvl4pPr>
             <a:lvl5pPr marL="1828800" indent="0">
               <a:buNone/>
-              <a:defRPr sz="1600">
+              <a:defRPr sz="1400">
                 <a:solidFill>
                   <a:schemeClr val="tx1">
-                    <a:tint val="82000"/>
+                    <a:tint val="75000"/>
                   </a:schemeClr>
                 </a:solidFill>
               </a:defRPr>
             </a:lvl5pPr>
             <a:lvl6pPr marL="2286000" indent="0">
               <a:buNone/>
-              <a:defRPr sz="1600">
+              <a:defRPr sz="1400">
                 <a:solidFill>
                   <a:schemeClr val="tx1">
-                    <a:tint val="82000"/>
+                    <a:tint val="75000"/>
                   </a:schemeClr>
                 </a:solidFill>
               </a:defRPr>
             </a:lvl6pPr>
             <a:lvl7pPr marL="2743200" indent="0">
               <a:buNone/>
-              <a:defRPr sz="1600">
+              <a:defRPr sz="1400">
                 <a:solidFill>
                   <a:schemeClr val="tx1">
-                    <a:tint val="82000"/>
+                    <a:tint val="75000"/>
                   </a:schemeClr>
                 </a:solidFill>
               </a:defRPr>
             </a:lvl7pPr>
             <a:lvl8pPr marL="3200400" indent="0">
               <a:buNone/>
-              <a:defRPr sz="1600">
+              <a:defRPr sz="1400">
                 <a:solidFill>
                   <a:schemeClr val="tx1">
-                    <a:tint val="82000"/>
+                    <a:tint val="75000"/>
                   </a:schemeClr>
                 </a:solidFill>
               </a:defRPr>
             </a:lvl8pPr>
             <a:lvl9pPr marL="3657600" indent="0">
               <a:buNone/>
-              <a:defRPr sz="1600">
+              <a:defRPr sz="1400">
                 <a:solidFill>
                   <a:schemeClr val="tx1">
-                    <a:tint val="82000"/>
+                    <a:tint val="75000"/>
                   </a:schemeClr>
                 </a:solidFill>
               </a:defRPr>
@@ -1131,13 +3631,7 @@
       </p:sp>
       <p:sp>
         <p:nvSpPr>
-          <p:cNvPr id="4" name="Date Placeholder 3">
-            <a:extLst>
-              <a:ext uri="{FF2B5EF4-FFF2-40B4-BE49-F238E27FC236}">
-                <a16:creationId xmlns:a16="http://schemas.microsoft.com/office/drawing/2014/main" id="{FF112907-78EA-0241-51E3-0D9B2FBDC78A}"/>
-              </a:ext>
-            </a:extLst>
-          </p:cNvPr>
+          <p:cNvPr id="4" name="Date Placeholder 3"/>
           <p:cNvSpPr>
             <a:spLocks noGrp="1"/>
           </p:cNvSpPr>
@@ -1152,7 +3646,7 @@
           <a:p>
             <a:fld id="{D90120EC-953E-48DF-8E2D-0C8283984789}" type="datetimeFigureOut">
               <a:rPr lang="en-AU" smtClean="0"/>
-              <a:t>5/12/2024</a:t>
+              <a:t>6/12/2024</a:t>
             </a:fld>
             <a:endParaRPr lang="en-AU"/>
           </a:p>
@@ -1160,13 +3654,7 @@
       </p:sp>
       <p:sp>
         <p:nvSpPr>
-          <p:cNvPr id="5" name="Footer Placeholder 4">
-            <a:extLst>
-              <a:ext uri="{FF2B5EF4-FFF2-40B4-BE49-F238E27FC236}">
-                <a16:creationId xmlns:a16="http://schemas.microsoft.com/office/drawing/2014/main" id="{0EB0D9D2-3052-E3C5-152B-2A21F53EB674}"/>
-              </a:ext>
-            </a:extLst>
-          </p:cNvPr>
+          <p:cNvPr id="5" name="Footer Placeholder 4"/>
           <p:cNvSpPr>
             <a:spLocks noGrp="1"/>
           </p:cNvSpPr>
@@ -1185,13 +3673,7 @@
       </p:sp>
       <p:sp>
         <p:nvSpPr>
-          <p:cNvPr id="6" name="Slide Number Placeholder 5">
-            <a:extLst>
-              <a:ext uri="{FF2B5EF4-FFF2-40B4-BE49-F238E27FC236}">
-                <a16:creationId xmlns:a16="http://schemas.microsoft.com/office/drawing/2014/main" id="{EDB43354-0348-F6F0-3F88-59409997CA56}"/>
-              </a:ext>
-            </a:extLst>
-          </p:cNvPr>
+          <p:cNvPr id="6" name="Slide Number Placeholder 5"/>
           <p:cNvSpPr>
             <a:spLocks noGrp="1"/>
           </p:cNvSpPr>
@@ -1215,7 +3697,7 @@
     </p:spTree>
     <p:extLst>
       <p:ext uri="{BB962C8B-B14F-4D97-AF65-F5344CB8AC3E}">
-        <p14:creationId xmlns:p14="http://schemas.microsoft.com/office/powerpoint/2010/main" val="590206418"/>
+        <p14:creationId xmlns:p14="http://schemas.microsoft.com/office/powerpoint/2010/main" val="695074759"/>
       </p:ext>
     </p:extLst>
   </p:cSld>
@@ -1244,13 +3726,7 @@
       </p:grpSpPr>
       <p:sp>
         <p:nvSpPr>
-          <p:cNvPr id="2" name="Title 1">
-            <a:extLst>
-              <a:ext uri="{FF2B5EF4-FFF2-40B4-BE49-F238E27FC236}">
-                <a16:creationId xmlns:a16="http://schemas.microsoft.com/office/drawing/2014/main" id="{3AC4D66D-713B-97C7-EC34-0081EAF907F2}"/>
-              </a:ext>
-            </a:extLst>
-          </p:cNvPr>
+          <p:cNvPr id="2" name="Title 1"/>
           <p:cNvSpPr>
             <a:spLocks noGrp="1"/>
           </p:cNvSpPr>
@@ -1267,19 +3743,13 @@
               <a:rPr lang="en-US"/>
               <a:t>Click to edit Master title style</a:t>
             </a:r>
-            <a:endParaRPr lang="en-AU"/>
-          </a:p>
-        </p:txBody>
-      </p:sp>
-      <p:sp>
-        <p:nvSpPr>
-          <p:cNvPr id="3" name="Content Placeholder 2">
-            <a:extLst>
-              <a:ext uri="{FF2B5EF4-FFF2-40B4-BE49-F238E27FC236}">
-                <a16:creationId xmlns:a16="http://schemas.microsoft.com/office/drawing/2014/main" id="{E87BEBC2-87C6-DD0D-D38F-EB391246CE1D}"/>
-              </a:ext>
-            </a:extLst>
-          </p:cNvPr>
+            <a:endParaRPr lang="en-US" dirty="0"/>
+          </a:p>
+        </p:txBody>
+      </p:sp>
+      <p:sp>
+        <p:nvSpPr>
+          <p:cNvPr id="3" name="Content Placeholder 2"/>
           <p:cNvSpPr>
             <a:spLocks noGrp="1"/>
           </p:cNvSpPr>
@@ -1289,12 +3759,14 @@
         </p:nvSpPr>
         <p:spPr>
           <a:xfrm>
-            <a:off x="838200" y="1825625"/>
-            <a:ext cx="5181600" cy="4351338"/>
+            <a:off x="913795" y="1732449"/>
+            <a:ext cx="5060497" cy="4058750"/>
           </a:xfrm>
         </p:spPr>
         <p:txBody>
-          <a:bodyPr/>
+          <a:bodyPr anchor="t">
+            <a:normAutofit/>
+          </a:bodyPr>
           <a:lstStyle/>
           <a:p>
             <a:pPr lvl="0"/>
@@ -1330,19 +3802,13 @@
               <a:rPr lang="en-US"/>
               <a:t>Fifth level</a:t>
             </a:r>
-            <a:endParaRPr lang="en-AU"/>
-          </a:p>
-        </p:txBody>
-      </p:sp>
-      <p:sp>
-        <p:nvSpPr>
-          <p:cNvPr id="4" name="Content Placeholder 3">
-            <a:extLst>
-              <a:ext uri="{FF2B5EF4-FFF2-40B4-BE49-F238E27FC236}">
-                <a16:creationId xmlns:a16="http://schemas.microsoft.com/office/drawing/2014/main" id="{4E04EC9B-37E7-F9D4-4BB5-7068A5195A26}"/>
-              </a:ext>
-            </a:extLst>
-          </p:cNvPr>
+            <a:endParaRPr lang="en-US" dirty="0"/>
+          </a:p>
+        </p:txBody>
+      </p:sp>
+      <p:sp>
+        <p:nvSpPr>
+          <p:cNvPr id="4" name="Content Placeholder 3"/>
           <p:cNvSpPr>
             <a:spLocks noGrp="1"/>
           </p:cNvSpPr>
@@ -1352,12 +3818,14 @@
         </p:nvSpPr>
         <p:spPr>
           <a:xfrm>
-            <a:off x="6172200" y="1825625"/>
-            <a:ext cx="5181600" cy="4351338"/>
+            <a:off x="6202892" y="1732449"/>
+            <a:ext cx="5064665" cy="4058751"/>
           </a:xfrm>
         </p:spPr>
         <p:txBody>
-          <a:bodyPr/>
+          <a:bodyPr anchor="t">
+            <a:normAutofit/>
+          </a:bodyPr>
           <a:lstStyle/>
           <a:p>
             <a:pPr lvl="0"/>
@@ -1393,19 +3861,13 @@
               <a:rPr lang="en-US"/>
               <a:t>Fifth level</a:t>
             </a:r>
-            <a:endParaRPr lang="en-AU"/>
-          </a:p>
-        </p:txBody>
-      </p:sp>
-      <p:sp>
-        <p:nvSpPr>
-          <p:cNvPr id="5" name="Date Placeholder 4">
-            <a:extLst>
-              <a:ext uri="{FF2B5EF4-FFF2-40B4-BE49-F238E27FC236}">
-                <a16:creationId xmlns:a16="http://schemas.microsoft.com/office/drawing/2014/main" id="{BEC6987F-47DB-9E70-89FD-A4A23B44E3B7}"/>
-              </a:ext>
-            </a:extLst>
-          </p:cNvPr>
+            <a:endParaRPr lang="en-US" dirty="0"/>
+          </a:p>
+        </p:txBody>
+      </p:sp>
+      <p:sp>
+        <p:nvSpPr>
+          <p:cNvPr id="5" name="Date Placeholder 4"/>
           <p:cNvSpPr>
             <a:spLocks noGrp="1"/>
           </p:cNvSpPr>
@@ -1420,7 +3882,7 @@
           <a:p>
             <a:fld id="{D90120EC-953E-48DF-8E2D-0C8283984789}" type="datetimeFigureOut">
               <a:rPr lang="en-AU" smtClean="0"/>
-              <a:t>5/12/2024</a:t>
+              <a:t>6/12/2024</a:t>
             </a:fld>
             <a:endParaRPr lang="en-AU"/>
           </a:p>
@@ -1428,13 +3890,7 @@
       </p:sp>
       <p:sp>
         <p:nvSpPr>
-          <p:cNvPr id="6" name="Footer Placeholder 5">
-            <a:extLst>
-              <a:ext uri="{FF2B5EF4-FFF2-40B4-BE49-F238E27FC236}">
-                <a16:creationId xmlns:a16="http://schemas.microsoft.com/office/drawing/2014/main" id="{957F4074-F033-4148-E444-B73B83EAC72A}"/>
-              </a:ext>
-            </a:extLst>
-          </p:cNvPr>
+          <p:cNvPr id="6" name="Footer Placeholder 5"/>
           <p:cNvSpPr>
             <a:spLocks noGrp="1"/>
           </p:cNvSpPr>
@@ -1453,13 +3909,7 @@
       </p:sp>
       <p:sp>
         <p:nvSpPr>
-          <p:cNvPr id="7" name="Slide Number Placeholder 6">
-            <a:extLst>
-              <a:ext uri="{FF2B5EF4-FFF2-40B4-BE49-F238E27FC236}">
-                <a16:creationId xmlns:a16="http://schemas.microsoft.com/office/drawing/2014/main" id="{4EBAA2EB-ED12-7648-E95F-2E27B06A384D}"/>
-              </a:ext>
-            </a:extLst>
-          </p:cNvPr>
+          <p:cNvPr id="7" name="Slide Number Placeholder 6"/>
           <p:cNvSpPr>
             <a:spLocks noGrp="1"/>
           </p:cNvSpPr>
@@ -1483,7 +3933,7 @@
     </p:spTree>
     <p:extLst>
       <p:ext uri="{BB962C8B-B14F-4D97-AF65-F5344CB8AC3E}">
-        <p14:creationId xmlns:p14="http://schemas.microsoft.com/office/powerpoint/2010/main" val="1022248340"/>
+        <p14:creationId xmlns:p14="http://schemas.microsoft.com/office/powerpoint/2010/main" val="2706930684"/>
       </p:ext>
     </p:extLst>
   </p:cSld>
@@ -1510,68 +3960,117 @@
           <a:chExt cx="0" cy="0"/>
         </a:xfrm>
       </p:grpSpPr>
-      <p:sp>
-        <p:nvSpPr>
-          <p:cNvPr id="2" name="Title 1">
+      <p:pic>
+        <p:nvPicPr>
+          <p:cNvPr id="20" name="Picture 19" descr="Slate-V2-HD-compPhotoInset.png"/>
+          <p:cNvPicPr>
+            <a:picLocks noChangeAspect="1"/>
+          </p:cNvPicPr>
+          <p:nvPr/>
+        </p:nvPicPr>
+        <p:blipFill>
+          <a:blip r:embed="rId2">
             <a:extLst>
-              <a:ext uri="{FF2B5EF4-FFF2-40B4-BE49-F238E27FC236}">
-                <a16:creationId xmlns:a16="http://schemas.microsoft.com/office/drawing/2014/main" id="{74B40AEC-9F26-B37D-9ABC-26BC1FADE8F5}"/>
+              <a:ext uri="{28A0092B-C50C-407E-A947-70E740481C1C}">
+                <a14:useLocalDpi xmlns:a14="http://schemas.microsoft.com/office/drawing/2010/main" val="0"/>
               </a:ext>
             </a:extLst>
-          </p:cNvPr>
-          <p:cNvSpPr>
-            <a:spLocks noGrp="1"/>
-          </p:cNvSpPr>
-          <p:nvPr>
-            <p:ph type="title"/>
-          </p:nvPr>
-        </p:nvSpPr>
+          </a:blip>
+          <a:stretch>
+            <a:fillRect/>
+          </a:stretch>
+        </p:blipFill>
         <p:spPr>
           <a:xfrm>
-            <a:off x="839788" y="365125"/>
-            <a:ext cx="10515600" cy="1325563"/>
+            <a:off x="913795" y="1734506"/>
+            <a:ext cx="5089072" cy="4148769"/>
+          </a:xfrm>
+          <a:prstGeom prst="rect">
+            <a:avLst/>
+          </a:prstGeom>
+        </p:spPr>
+      </p:pic>
+      <p:pic>
+        <p:nvPicPr>
+          <p:cNvPr id="21" name="Picture 20" descr="Slate-V2-HD-compPhotoInset.png"/>
+          <p:cNvPicPr>
+            <a:picLocks noChangeAspect="1"/>
+          </p:cNvPicPr>
+          <p:nvPr/>
+        </p:nvPicPr>
+        <p:blipFill>
+          <a:blip r:embed="rId2">
+            <a:extLst>
+              <a:ext uri="{28A0092B-C50C-407E-A947-70E740481C1C}">
+                <a14:useLocalDpi xmlns:a14="http://schemas.microsoft.com/office/drawing/2010/main" val="0"/>
+              </a:ext>
+            </a:extLst>
+          </a:blip>
+          <a:stretch>
+            <a:fillRect/>
+          </a:stretch>
+        </p:blipFill>
+        <p:spPr>
+          <a:xfrm>
+            <a:off x="6178485" y="1734506"/>
+            <a:ext cx="5089072" cy="4148769"/>
+          </a:xfrm>
+          <a:prstGeom prst="rect">
+            <a:avLst/>
+          </a:prstGeom>
+        </p:spPr>
+      </p:pic>
+      <p:sp>
+        <p:nvSpPr>
+          <p:cNvPr id="2" name="Title 1"/>
+          <p:cNvSpPr>
+            <a:spLocks noGrp="1"/>
+          </p:cNvSpPr>
+          <p:nvPr>
+            <p:ph type="title"/>
+          </p:nvPr>
+        </p:nvSpPr>
+        <p:spPr/>
+        <p:txBody>
+          <a:bodyPr/>
+          <a:lstStyle>
+            <a:lvl1pPr>
+              <a:defRPr/>
+            </a:lvl1pPr>
+          </a:lstStyle>
+          <a:p>
+            <a:r>
+              <a:rPr lang="en-US"/>
+              <a:t>Click to edit Master title style</a:t>
+            </a:r>
+            <a:endParaRPr lang="en-US" dirty="0"/>
+          </a:p>
+        </p:txBody>
+      </p:sp>
+      <p:sp>
+        <p:nvSpPr>
+          <p:cNvPr id="3" name="Text Placeholder 2"/>
+          <p:cNvSpPr>
+            <a:spLocks noGrp="1"/>
+          </p:cNvSpPr>
+          <p:nvPr>
+            <p:ph type="body" idx="1"/>
+          </p:nvPr>
+        </p:nvSpPr>
+        <p:spPr>
+          <a:xfrm>
+            <a:off x="1005872" y="1835254"/>
+            <a:ext cx="4876344" cy="544884"/>
           </a:xfrm>
         </p:spPr>
         <p:txBody>
-          <a:bodyPr/>
-          <a:lstStyle/>
-          <a:p>
-            <a:r>
-              <a:rPr lang="en-US"/>
-              <a:t>Click to edit Master title style</a:t>
-            </a:r>
-            <a:endParaRPr lang="en-AU"/>
-          </a:p>
-        </p:txBody>
-      </p:sp>
-      <p:sp>
-        <p:nvSpPr>
-          <p:cNvPr id="3" name="Text Placeholder 2">
-            <a:extLst>
-              <a:ext uri="{FF2B5EF4-FFF2-40B4-BE49-F238E27FC236}">
-                <a16:creationId xmlns:a16="http://schemas.microsoft.com/office/drawing/2014/main" id="{41298BCA-C4D1-8CEE-7BDC-8B7A3FF350CA}"/>
-              </a:ext>
-            </a:extLst>
-          </p:cNvPr>
-          <p:cNvSpPr>
-            <a:spLocks noGrp="1"/>
-          </p:cNvSpPr>
-          <p:nvPr>
-            <p:ph type="body" idx="1"/>
-          </p:nvPr>
-        </p:nvSpPr>
-        <p:spPr>
-          <a:xfrm>
-            <a:off x="839788" y="1681163"/>
-            <a:ext cx="5157787" cy="823912"/>
-          </a:xfrm>
-        </p:spPr>
-        <p:txBody>
-          <a:bodyPr anchor="b"/>
+          <a:bodyPr anchor="b">
+            <a:noAutofit/>
+          </a:bodyPr>
           <a:lstStyle>
-            <a:lvl1pPr marL="0" indent="0">
-              <a:buNone/>
-              <a:defRPr sz="2400" b="1"/>
+            <a:lvl1pPr marL="0" indent="0" algn="ctr">
+              <a:buNone/>
+              <a:defRPr sz="2400" b="0"/>
             </a:lvl1pPr>
             <a:lvl2pPr marL="457200" indent="0">
               <a:buNone/>
@@ -1617,13 +4116,7 @@
       </p:sp>
       <p:sp>
         <p:nvSpPr>
-          <p:cNvPr id="4" name="Content Placeholder 3">
-            <a:extLst>
-              <a:ext uri="{FF2B5EF4-FFF2-40B4-BE49-F238E27FC236}">
-                <a16:creationId xmlns:a16="http://schemas.microsoft.com/office/drawing/2014/main" id="{4BBCFC4F-6E77-FCC5-30BB-37BB1840DE07}"/>
-              </a:ext>
-            </a:extLst>
-          </p:cNvPr>
+          <p:cNvPr id="4" name="Content Placeholder 3"/>
           <p:cNvSpPr>
             <a:spLocks noGrp="1"/>
           </p:cNvSpPr>
@@ -1633,13 +4126,31 @@
         </p:nvSpPr>
         <p:spPr>
           <a:xfrm>
-            <a:off x="839788" y="2505075"/>
-            <a:ext cx="5157787" cy="3684588"/>
+            <a:off x="1005872" y="2380137"/>
+            <a:ext cx="4876344" cy="3411063"/>
           </a:xfrm>
         </p:spPr>
         <p:txBody>
-          <a:bodyPr/>
-          <a:lstStyle/>
+          <a:bodyPr anchor="t">
+            <a:normAutofit/>
+          </a:bodyPr>
+          <a:lstStyle>
+            <a:lvl1pPr>
+              <a:defRPr sz="1800"/>
+            </a:lvl1pPr>
+            <a:lvl2pPr>
+              <a:defRPr sz="1600"/>
+            </a:lvl2pPr>
+            <a:lvl3pPr>
+              <a:defRPr sz="1400"/>
+            </a:lvl3pPr>
+            <a:lvl4pPr>
+              <a:defRPr sz="1200"/>
+            </a:lvl4pPr>
+            <a:lvl5pPr>
+              <a:defRPr sz="1200"/>
+            </a:lvl5pPr>
+          </a:lstStyle>
           <a:p>
             <a:pPr lvl="0"/>
             <a:r>
@@ -1674,19 +4185,13 @@
               <a:rPr lang="en-US"/>
               <a:t>Fifth level</a:t>
             </a:r>
-            <a:endParaRPr lang="en-AU"/>
-          </a:p>
-        </p:txBody>
-      </p:sp>
-      <p:sp>
-        <p:nvSpPr>
-          <p:cNvPr id="5" name="Text Placeholder 4">
-            <a:extLst>
-              <a:ext uri="{FF2B5EF4-FFF2-40B4-BE49-F238E27FC236}">
-                <a16:creationId xmlns:a16="http://schemas.microsoft.com/office/drawing/2014/main" id="{3B23FA99-920A-6E8E-6DFD-02F4C8F9ED3B}"/>
-              </a:ext>
-            </a:extLst>
-          </p:cNvPr>
+            <a:endParaRPr lang="en-US" dirty="0"/>
+          </a:p>
+        </p:txBody>
+      </p:sp>
+      <p:sp>
+        <p:nvSpPr>
+          <p:cNvPr id="5" name="Text Placeholder 4"/>
           <p:cNvSpPr>
             <a:spLocks noGrp="1"/>
           </p:cNvSpPr>
@@ -1696,16 +4201,18 @@
         </p:nvSpPr>
         <p:spPr>
           <a:xfrm>
-            <a:off x="6172200" y="1681163"/>
-            <a:ext cx="5183188" cy="823912"/>
+            <a:off x="6294967" y="1835254"/>
+            <a:ext cx="4895330" cy="544883"/>
           </a:xfrm>
         </p:spPr>
         <p:txBody>
-          <a:bodyPr anchor="b"/>
+          <a:bodyPr anchor="b">
+            <a:noAutofit/>
+          </a:bodyPr>
           <a:lstStyle>
-            <a:lvl1pPr marL="0" indent="0">
-              <a:buNone/>
-              <a:defRPr sz="2400" b="1"/>
+            <a:lvl1pPr marL="0" indent="0" algn="ctr">
+              <a:buNone/>
+              <a:defRPr sz="2400" b="0"/>
             </a:lvl1pPr>
             <a:lvl2pPr marL="457200" indent="0">
               <a:buNone/>
@@ -1751,13 +4258,7 @@
       </p:sp>
       <p:sp>
         <p:nvSpPr>
-          <p:cNvPr id="6" name="Content Placeholder 5">
-            <a:extLst>
-              <a:ext uri="{FF2B5EF4-FFF2-40B4-BE49-F238E27FC236}">
-                <a16:creationId xmlns:a16="http://schemas.microsoft.com/office/drawing/2014/main" id="{97F1A975-DDCA-52CA-74A3-2D2061B38930}"/>
-              </a:ext>
-            </a:extLst>
-          </p:cNvPr>
+          <p:cNvPr id="6" name="Content Placeholder 5"/>
           <p:cNvSpPr>
             <a:spLocks noGrp="1"/>
           </p:cNvSpPr>
@@ -1767,13 +4268,31 @@
         </p:nvSpPr>
         <p:spPr>
           <a:xfrm>
-            <a:off x="6172200" y="2505075"/>
-            <a:ext cx="5183188" cy="3684588"/>
+            <a:off x="6294967" y="2380137"/>
+            <a:ext cx="4895330" cy="3411063"/>
           </a:xfrm>
         </p:spPr>
         <p:txBody>
-          <a:bodyPr/>
-          <a:lstStyle/>
+          <a:bodyPr anchor="t">
+            <a:normAutofit/>
+          </a:bodyPr>
+          <a:lstStyle>
+            <a:lvl1pPr>
+              <a:defRPr sz="1800"/>
+            </a:lvl1pPr>
+            <a:lvl2pPr>
+              <a:defRPr sz="1600"/>
+            </a:lvl2pPr>
+            <a:lvl3pPr>
+              <a:defRPr sz="1400"/>
+            </a:lvl3pPr>
+            <a:lvl4pPr>
+              <a:defRPr sz="1200"/>
+            </a:lvl4pPr>
+            <a:lvl5pPr>
+              <a:defRPr sz="1200"/>
+            </a:lvl5pPr>
+          </a:lstStyle>
           <a:p>
             <a:pPr lvl="0"/>
             <a:r>
@@ -1808,19 +4327,13 @@
               <a:rPr lang="en-US"/>
               <a:t>Fifth level</a:t>
             </a:r>
-            <a:endParaRPr lang="en-AU"/>
-          </a:p>
-        </p:txBody>
-      </p:sp>
-      <p:sp>
-        <p:nvSpPr>
-          <p:cNvPr id="7" name="Date Placeholder 6">
-            <a:extLst>
-              <a:ext uri="{FF2B5EF4-FFF2-40B4-BE49-F238E27FC236}">
-                <a16:creationId xmlns:a16="http://schemas.microsoft.com/office/drawing/2014/main" id="{15AFFD16-F8F7-0862-1421-4E5B45D6196D}"/>
-              </a:ext>
-            </a:extLst>
-          </p:cNvPr>
+            <a:endParaRPr lang="en-US" dirty="0"/>
+          </a:p>
+        </p:txBody>
+      </p:sp>
+      <p:sp>
+        <p:nvSpPr>
+          <p:cNvPr id="7" name="Date Placeholder 6"/>
           <p:cNvSpPr>
             <a:spLocks noGrp="1"/>
           </p:cNvSpPr>
@@ -1835,7 +4348,7 @@
           <a:p>
             <a:fld id="{D90120EC-953E-48DF-8E2D-0C8283984789}" type="datetimeFigureOut">
               <a:rPr lang="en-AU" smtClean="0"/>
-              <a:t>5/12/2024</a:t>
+              <a:t>6/12/2024</a:t>
             </a:fld>
             <a:endParaRPr lang="en-AU"/>
           </a:p>
@@ -1843,13 +4356,7 @@
       </p:sp>
       <p:sp>
         <p:nvSpPr>
-          <p:cNvPr id="8" name="Footer Placeholder 7">
-            <a:extLst>
-              <a:ext uri="{FF2B5EF4-FFF2-40B4-BE49-F238E27FC236}">
-                <a16:creationId xmlns:a16="http://schemas.microsoft.com/office/drawing/2014/main" id="{567C265C-93D7-2372-449B-68CB2169FAF1}"/>
-              </a:ext>
-            </a:extLst>
-          </p:cNvPr>
+          <p:cNvPr id="8" name="Footer Placeholder 7"/>
           <p:cNvSpPr>
             <a:spLocks noGrp="1"/>
           </p:cNvSpPr>
@@ -1868,13 +4375,7 @@
       </p:sp>
       <p:sp>
         <p:nvSpPr>
-          <p:cNvPr id="9" name="Slide Number Placeholder 8">
-            <a:extLst>
-              <a:ext uri="{FF2B5EF4-FFF2-40B4-BE49-F238E27FC236}">
-                <a16:creationId xmlns:a16="http://schemas.microsoft.com/office/drawing/2014/main" id="{FBAB4625-5C64-BFD8-5902-22D35D73F790}"/>
-              </a:ext>
-            </a:extLst>
-          </p:cNvPr>
+          <p:cNvPr id="9" name="Slide Number Placeholder 8"/>
           <p:cNvSpPr>
             <a:spLocks noGrp="1"/>
           </p:cNvSpPr>
@@ -1898,7 +4399,7 @@
     </p:spTree>
     <p:extLst>
       <p:ext uri="{BB962C8B-B14F-4D97-AF65-F5344CB8AC3E}">
-        <p14:creationId xmlns:p14="http://schemas.microsoft.com/office/powerpoint/2010/main" val="3846301536"/>
+        <p14:creationId xmlns:p14="http://schemas.microsoft.com/office/powerpoint/2010/main" val="289436315"/>
       </p:ext>
     </p:extLst>
   </p:cSld>
@@ -1927,13 +4428,7 @@
       </p:grpSpPr>
       <p:sp>
         <p:nvSpPr>
-          <p:cNvPr id="2" name="Title 1">
-            <a:extLst>
-              <a:ext uri="{FF2B5EF4-FFF2-40B4-BE49-F238E27FC236}">
-                <a16:creationId xmlns:a16="http://schemas.microsoft.com/office/drawing/2014/main" id="{1CCA16BA-A515-1D0A-30A0-854B0DED8110}"/>
-              </a:ext>
-            </a:extLst>
-          </p:cNvPr>
+          <p:cNvPr id="2" name="Title 1"/>
           <p:cNvSpPr>
             <a:spLocks noGrp="1"/>
           </p:cNvSpPr>
@@ -1950,19 +4445,13 @@
               <a:rPr lang="en-US"/>
               <a:t>Click to edit Master title style</a:t>
             </a:r>
-            <a:endParaRPr lang="en-AU"/>
-          </a:p>
-        </p:txBody>
-      </p:sp>
-      <p:sp>
-        <p:nvSpPr>
-          <p:cNvPr id="3" name="Date Placeholder 2">
-            <a:extLst>
-              <a:ext uri="{FF2B5EF4-FFF2-40B4-BE49-F238E27FC236}">
-                <a16:creationId xmlns:a16="http://schemas.microsoft.com/office/drawing/2014/main" id="{42ECFE43-8477-730A-CEC2-FA332C647293}"/>
-              </a:ext>
-            </a:extLst>
-          </p:cNvPr>
+            <a:endParaRPr lang="en-US" dirty="0"/>
+          </a:p>
+        </p:txBody>
+      </p:sp>
+      <p:sp>
+        <p:nvSpPr>
+          <p:cNvPr id="3" name="Date Placeholder 2"/>
           <p:cNvSpPr>
             <a:spLocks noGrp="1"/>
           </p:cNvSpPr>
@@ -1977,7 +4466,7 @@
           <a:p>
             <a:fld id="{D90120EC-953E-48DF-8E2D-0C8283984789}" type="datetimeFigureOut">
               <a:rPr lang="en-AU" smtClean="0"/>
-              <a:t>5/12/2024</a:t>
+              <a:t>6/12/2024</a:t>
             </a:fld>
             <a:endParaRPr lang="en-AU"/>
           </a:p>
@@ -1985,13 +4474,7 @@
       </p:sp>
       <p:sp>
         <p:nvSpPr>
-          <p:cNvPr id="4" name="Footer Placeholder 3">
-            <a:extLst>
-              <a:ext uri="{FF2B5EF4-FFF2-40B4-BE49-F238E27FC236}">
-                <a16:creationId xmlns:a16="http://schemas.microsoft.com/office/drawing/2014/main" id="{52715520-6AAF-D3E4-0F39-7EAFD1EA220E}"/>
-              </a:ext>
-            </a:extLst>
-          </p:cNvPr>
+          <p:cNvPr id="4" name="Footer Placeholder 3"/>
           <p:cNvSpPr>
             <a:spLocks noGrp="1"/>
           </p:cNvSpPr>
@@ -2010,13 +4493,7 @@
       </p:sp>
       <p:sp>
         <p:nvSpPr>
-          <p:cNvPr id="5" name="Slide Number Placeholder 4">
-            <a:extLst>
-              <a:ext uri="{FF2B5EF4-FFF2-40B4-BE49-F238E27FC236}">
-                <a16:creationId xmlns:a16="http://schemas.microsoft.com/office/drawing/2014/main" id="{AF3F6731-1312-F4FC-AB59-2C07446801C3}"/>
-              </a:ext>
-            </a:extLst>
-          </p:cNvPr>
+          <p:cNvPr id="5" name="Slide Number Placeholder 4"/>
           <p:cNvSpPr>
             <a:spLocks noGrp="1"/>
           </p:cNvSpPr>
@@ -2040,7 +4517,7 @@
     </p:spTree>
     <p:extLst>
       <p:ext uri="{BB962C8B-B14F-4D97-AF65-F5344CB8AC3E}">
-        <p14:creationId xmlns:p14="http://schemas.microsoft.com/office/powerpoint/2010/main" val="4060603870"/>
+        <p14:creationId xmlns:p14="http://schemas.microsoft.com/office/powerpoint/2010/main" val="4069772157"/>
       </p:ext>
     </p:extLst>
   </p:cSld>
@@ -2069,13 +4546,7 @@
       </p:grpSpPr>
       <p:sp>
         <p:nvSpPr>
-          <p:cNvPr id="2" name="Date Placeholder 1">
-            <a:extLst>
-              <a:ext uri="{FF2B5EF4-FFF2-40B4-BE49-F238E27FC236}">
-                <a16:creationId xmlns:a16="http://schemas.microsoft.com/office/drawing/2014/main" id="{586DD1DB-2B26-A94A-DCA6-50E9F21F1FFB}"/>
-              </a:ext>
-            </a:extLst>
-          </p:cNvPr>
+          <p:cNvPr id="2" name="Date Placeholder 1"/>
           <p:cNvSpPr>
             <a:spLocks noGrp="1"/>
           </p:cNvSpPr>
@@ -2090,7 +4561,7 @@
           <a:p>
             <a:fld id="{D90120EC-953E-48DF-8E2D-0C8283984789}" type="datetimeFigureOut">
               <a:rPr lang="en-AU" smtClean="0"/>
-              <a:t>5/12/2024</a:t>
+              <a:t>6/12/2024</a:t>
             </a:fld>
             <a:endParaRPr lang="en-AU"/>
           </a:p>
@@ -2098,13 +4569,7 @@
       </p:sp>
       <p:sp>
         <p:nvSpPr>
-          <p:cNvPr id="3" name="Footer Placeholder 2">
-            <a:extLst>
-              <a:ext uri="{FF2B5EF4-FFF2-40B4-BE49-F238E27FC236}">
-                <a16:creationId xmlns:a16="http://schemas.microsoft.com/office/drawing/2014/main" id="{97B3F935-9412-1A38-7FAE-BD07A2DF3837}"/>
-              </a:ext>
-            </a:extLst>
-          </p:cNvPr>
+          <p:cNvPr id="3" name="Footer Placeholder 2"/>
           <p:cNvSpPr>
             <a:spLocks noGrp="1"/>
           </p:cNvSpPr>
@@ -2123,13 +4588,7 @@
       </p:sp>
       <p:sp>
         <p:nvSpPr>
-          <p:cNvPr id="4" name="Slide Number Placeholder 3">
-            <a:extLst>
-              <a:ext uri="{FF2B5EF4-FFF2-40B4-BE49-F238E27FC236}">
-                <a16:creationId xmlns:a16="http://schemas.microsoft.com/office/drawing/2014/main" id="{DD36D842-F515-EA46-B0AB-CD76D6EFEF29}"/>
-              </a:ext>
-            </a:extLst>
-          </p:cNvPr>
+          <p:cNvPr id="4" name="Slide Number Placeholder 3"/>
           <p:cNvSpPr>
             <a:spLocks noGrp="1"/>
           </p:cNvSpPr>
@@ -2153,7 +4612,7 @@
     </p:spTree>
     <p:extLst>
       <p:ext uri="{BB962C8B-B14F-4D97-AF65-F5344CB8AC3E}">
-        <p14:creationId xmlns:p14="http://schemas.microsoft.com/office/powerpoint/2010/main" val="2786342031"/>
+        <p14:creationId xmlns:p14="http://schemas.microsoft.com/office/powerpoint/2010/main" val="58537090"/>
       </p:ext>
     </p:extLst>
   </p:cSld>
@@ -2182,13 +4641,7 @@
       </p:grpSpPr>
       <p:sp>
         <p:nvSpPr>
-          <p:cNvPr id="2" name="Title 1">
-            <a:extLst>
-              <a:ext uri="{FF2B5EF4-FFF2-40B4-BE49-F238E27FC236}">
-                <a16:creationId xmlns:a16="http://schemas.microsoft.com/office/drawing/2014/main" id="{CE64BF56-012B-A633-DBA5-EF8820B878FC}"/>
-              </a:ext>
-            </a:extLst>
-          </p:cNvPr>
+          <p:cNvPr id="2" name="Title 1"/>
           <p:cNvSpPr>
             <a:spLocks noGrp="1"/>
           </p:cNvSpPr>
@@ -2198,15 +4651,17 @@
         </p:nvSpPr>
         <p:spPr>
           <a:xfrm>
-            <a:off x="839788" y="457200"/>
-            <a:ext cx="3932237" cy="1600200"/>
+            <a:off x="913795" y="609600"/>
+            <a:ext cx="3706889" cy="1821918"/>
           </a:xfrm>
         </p:spPr>
         <p:txBody>
-          <a:bodyPr anchor="b"/>
+          <a:bodyPr anchor="b">
+            <a:normAutofit/>
+          </a:bodyPr>
           <a:lstStyle>
-            <a:lvl1pPr>
-              <a:defRPr sz="3200"/>
+            <a:lvl1pPr algn="ctr">
+              <a:defRPr sz="2400" b="0"/>
             </a:lvl1pPr>
           </a:lstStyle>
           <a:p>
@@ -2214,19 +4669,13 @@
               <a:rPr lang="en-US"/>
               <a:t>Click to edit Master title style</a:t>
             </a:r>
-            <a:endParaRPr lang="en-AU"/>
-          </a:p>
-        </p:txBody>
-      </p:sp>
-      <p:sp>
-        <p:nvSpPr>
-          <p:cNvPr id="3" name="Content Placeholder 2">
-            <a:extLst>
-              <a:ext uri="{FF2B5EF4-FFF2-40B4-BE49-F238E27FC236}">
-                <a16:creationId xmlns:a16="http://schemas.microsoft.com/office/drawing/2014/main" id="{77131B89-364C-3702-FFD6-BAAC4B0F2D74}"/>
-              </a:ext>
-            </a:extLst>
-          </p:cNvPr>
+            <a:endParaRPr lang="en-US" dirty="0"/>
+          </a:p>
+        </p:txBody>
+      </p:sp>
+      <p:sp>
+        <p:nvSpPr>
+          <p:cNvPr id="3" name="Content Placeholder 2"/>
           <p:cNvSpPr>
             <a:spLocks noGrp="1"/>
           </p:cNvSpPr>
@@ -2236,41 +4685,15 @@
         </p:nvSpPr>
         <p:spPr>
           <a:xfrm>
-            <a:off x="5183188" y="987425"/>
-            <a:ext cx="6172200" cy="4873625"/>
+            <a:off x="4855633" y="609600"/>
+            <a:ext cx="6411924" cy="5181600"/>
           </a:xfrm>
         </p:spPr>
         <p:txBody>
-          <a:bodyPr/>
-          <a:lstStyle>
-            <a:lvl1pPr>
-              <a:defRPr sz="3200"/>
-            </a:lvl1pPr>
-            <a:lvl2pPr>
-              <a:defRPr sz="2800"/>
-            </a:lvl2pPr>
-            <a:lvl3pPr>
-              <a:defRPr sz="2400"/>
-            </a:lvl3pPr>
-            <a:lvl4pPr>
-              <a:defRPr sz="2000"/>
-            </a:lvl4pPr>
-            <a:lvl5pPr>
-              <a:defRPr sz="2000"/>
-            </a:lvl5pPr>
-            <a:lvl6pPr>
-              <a:defRPr sz="2000"/>
-            </a:lvl6pPr>
-            <a:lvl7pPr>
-              <a:defRPr sz="2000"/>
-            </a:lvl7pPr>
-            <a:lvl8pPr>
-              <a:defRPr sz="2000"/>
-            </a:lvl8pPr>
-            <a:lvl9pPr>
-              <a:defRPr sz="2000"/>
-            </a:lvl9pPr>
-          </a:lstStyle>
+          <a:bodyPr>
+            <a:normAutofit/>
+          </a:bodyPr>
+          <a:lstStyle/>
           <a:p>
             <a:pPr lvl="0"/>
             <a:r>
@@ -2305,19 +4728,13 @@
               <a:rPr lang="en-US"/>
               <a:t>Fifth level</a:t>
             </a:r>
-            <a:endParaRPr lang="en-AU"/>
-          </a:p>
-        </p:txBody>
-      </p:sp>
-      <p:sp>
-        <p:nvSpPr>
-          <p:cNvPr id="4" name="Text Placeholder 3">
-            <a:extLst>
-              <a:ext uri="{FF2B5EF4-FFF2-40B4-BE49-F238E27FC236}">
-                <a16:creationId xmlns:a16="http://schemas.microsoft.com/office/drawing/2014/main" id="{69B3E1FA-6535-4BD2-4D6E-243A2AC57C8F}"/>
-              </a:ext>
-            </a:extLst>
-          </p:cNvPr>
+            <a:endParaRPr lang="en-US" dirty="0"/>
+          </a:p>
+        </p:txBody>
+      </p:sp>
+      <p:sp>
+        <p:nvSpPr>
+          <p:cNvPr id="4" name="Text Placeholder 3"/>
           <p:cNvSpPr>
             <a:spLocks noGrp="1"/>
           </p:cNvSpPr>
@@ -2327,48 +4744,50 @@
         </p:nvSpPr>
         <p:spPr>
           <a:xfrm>
-            <a:off x="839788" y="2057400"/>
-            <a:ext cx="3932237" cy="3811588"/>
+            <a:off x="913795" y="2431518"/>
+            <a:ext cx="3706889" cy="3359681"/>
           </a:xfrm>
         </p:spPr>
         <p:txBody>
-          <a:bodyPr/>
+          <a:bodyPr anchor="t">
+            <a:normAutofit/>
+          </a:bodyPr>
           <a:lstStyle>
-            <a:lvl1pPr marL="0" indent="0">
+            <a:lvl1pPr marL="0" indent="0" algn="ctr">
               <a:buNone/>
               <a:defRPr sz="1600"/>
             </a:lvl1pPr>
             <a:lvl2pPr marL="457200" indent="0">
               <a:buNone/>
-              <a:defRPr sz="1400"/>
+              <a:defRPr sz="1200"/>
             </a:lvl2pPr>
             <a:lvl3pPr marL="914400" indent="0">
               <a:buNone/>
-              <a:defRPr sz="1200"/>
+              <a:defRPr sz="1000"/>
             </a:lvl3pPr>
             <a:lvl4pPr marL="1371600" indent="0">
               <a:buNone/>
-              <a:defRPr sz="1000"/>
+              <a:defRPr sz="900"/>
             </a:lvl4pPr>
             <a:lvl5pPr marL="1828800" indent="0">
               <a:buNone/>
-              <a:defRPr sz="1000"/>
+              <a:defRPr sz="900"/>
             </a:lvl5pPr>
             <a:lvl6pPr marL="2286000" indent="0">
               <a:buNone/>
-              <a:defRPr sz="1000"/>
+              <a:defRPr sz="900"/>
             </a:lvl6pPr>
             <a:lvl7pPr marL="2743200" indent="0">
               <a:buNone/>
-              <a:defRPr sz="1000"/>
+              <a:defRPr sz="900"/>
             </a:lvl7pPr>
             <a:lvl8pPr marL="3200400" indent="0">
               <a:buNone/>
-              <a:defRPr sz="1000"/>
+              <a:defRPr sz="900"/>
             </a:lvl8pPr>
             <a:lvl9pPr marL="3657600" indent="0">
               <a:buNone/>
-              <a:defRPr sz="1000"/>
+              <a:defRPr sz="900"/>
             </a:lvl9pPr>
           </a:lstStyle>
           <a:p>
@@ -2382,13 +4801,7 @@
       </p:sp>
       <p:sp>
         <p:nvSpPr>
-          <p:cNvPr id="5" name="Date Placeholder 4">
-            <a:extLst>
-              <a:ext uri="{FF2B5EF4-FFF2-40B4-BE49-F238E27FC236}">
-                <a16:creationId xmlns:a16="http://schemas.microsoft.com/office/drawing/2014/main" id="{BEEC7C4D-7788-539B-70A4-6F436D0ACA14}"/>
-              </a:ext>
-            </a:extLst>
-          </p:cNvPr>
+          <p:cNvPr id="5" name="Date Placeholder 4"/>
           <p:cNvSpPr>
             <a:spLocks noGrp="1"/>
           </p:cNvSpPr>
@@ -2403,7 +4816,7 @@
           <a:p>
             <a:fld id="{D90120EC-953E-48DF-8E2D-0C8283984789}" type="datetimeFigureOut">
               <a:rPr lang="en-AU" smtClean="0"/>
-              <a:t>5/12/2024</a:t>
+              <a:t>6/12/2024</a:t>
             </a:fld>
             <a:endParaRPr lang="en-AU"/>
           </a:p>
@@ -2411,13 +4824,7 @@
       </p:sp>
       <p:sp>
         <p:nvSpPr>
-          <p:cNvPr id="6" name="Footer Placeholder 5">
-            <a:extLst>
-              <a:ext uri="{FF2B5EF4-FFF2-40B4-BE49-F238E27FC236}">
-                <a16:creationId xmlns:a16="http://schemas.microsoft.com/office/drawing/2014/main" id="{376E4B3A-833C-AE71-81C9-88952B2AB1BC}"/>
-              </a:ext>
-            </a:extLst>
-          </p:cNvPr>
+          <p:cNvPr id="6" name="Footer Placeholder 5"/>
           <p:cNvSpPr>
             <a:spLocks noGrp="1"/>
           </p:cNvSpPr>
@@ -2436,13 +4843,7 @@
       </p:sp>
       <p:sp>
         <p:nvSpPr>
-          <p:cNvPr id="7" name="Slide Number Placeholder 6">
-            <a:extLst>
-              <a:ext uri="{FF2B5EF4-FFF2-40B4-BE49-F238E27FC236}">
-                <a16:creationId xmlns:a16="http://schemas.microsoft.com/office/drawing/2014/main" id="{5ABED1F6-0165-4191-0821-41BBF169110E}"/>
-              </a:ext>
-            </a:extLst>
-          </p:cNvPr>
+          <p:cNvPr id="7" name="Slide Number Placeholder 6"/>
           <p:cNvSpPr>
             <a:spLocks noGrp="1"/>
           </p:cNvSpPr>
@@ -2466,7 +4867,7 @@
     </p:spTree>
     <p:extLst>
       <p:ext uri="{BB962C8B-B14F-4D97-AF65-F5344CB8AC3E}">
-        <p14:creationId xmlns:p14="http://schemas.microsoft.com/office/powerpoint/2010/main" val="2255868619"/>
+        <p14:creationId xmlns:p14="http://schemas.microsoft.com/office/powerpoint/2010/main" val="3940104398"/>
       </p:ext>
     </p:extLst>
   </p:cSld>
@@ -2493,33 +4894,59 @@
           <a:chExt cx="0" cy="0"/>
         </a:xfrm>
       </p:grpSpPr>
-      <p:sp>
-        <p:nvSpPr>
-          <p:cNvPr id="2" name="Title 1">
+      <p:pic>
+        <p:nvPicPr>
+          <p:cNvPr id="22" name="Picture 21" descr="Slate-V2-HD-vertPhotoInset.png"/>
+          <p:cNvPicPr>
+            <a:picLocks noChangeAspect="1"/>
+          </p:cNvPicPr>
+          <p:nvPr/>
+        </p:nvPicPr>
+        <p:blipFill>
+          <a:blip r:embed="rId2">
             <a:extLst>
-              <a:ext uri="{FF2B5EF4-FFF2-40B4-BE49-F238E27FC236}">
-                <a16:creationId xmlns:a16="http://schemas.microsoft.com/office/drawing/2014/main" id="{3C0963FF-7772-4C74-A84C-BD4BF2B4BCCF}"/>
+              <a:ext uri="{28A0092B-C50C-407E-A947-70E740481C1C}">
+                <a14:useLocalDpi xmlns:a14="http://schemas.microsoft.com/office/drawing/2010/main" val="0"/>
               </a:ext>
             </a:extLst>
-          </p:cNvPr>
-          <p:cNvSpPr>
-            <a:spLocks noGrp="1"/>
-          </p:cNvSpPr>
-          <p:nvPr>
-            <p:ph type="title"/>
-          </p:nvPr>
-        </p:nvSpPr>
+          </a:blip>
+          <a:stretch>
+            <a:fillRect/>
+          </a:stretch>
+        </p:blipFill>
         <p:spPr>
           <a:xfrm>
-            <a:off x="839788" y="457200"/>
-            <a:ext cx="3932237" cy="1600200"/>
+            <a:off x="7293665" y="609600"/>
+            <a:ext cx="3584166" cy="5204832"/>
+          </a:xfrm>
+          <a:prstGeom prst="rect">
+            <a:avLst/>
+          </a:prstGeom>
+        </p:spPr>
+      </p:pic>
+      <p:sp>
+        <p:nvSpPr>
+          <p:cNvPr id="2" name="Title 1"/>
+          <p:cNvSpPr>
+            <a:spLocks noGrp="1"/>
+          </p:cNvSpPr>
+          <p:nvPr>
+            <p:ph type="title"/>
+          </p:nvPr>
+        </p:nvSpPr>
+        <p:spPr>
+          <a:xfrm>
+            <a:off x="913795" y="609923"/>
+            <a:ext cx="5934949" cy="1829338"/>
           </a:xfrm>
         </p:spPr>
         <p:txBody>
-          <a:bodyPr anchor="b"/>
+          <a:bodyPr anchor="b">
+            <a:noAutofit/>
+          </a:bodyPr>
           <a:lstStyle>
-            <a:lvl1pPr>
-              <a:defRPr sz="3200"/>
+            <a:lvl1pPr algn="ctr">
+              <a:defRPr sz="3200" b="0"/>
             </a:lvl1pPr>
           </a:lstStyle>
           <a:p>
@@ -2527,21 +4954,15 @@
               <a:rPr lang="en-US"/>
               <a:t>Click to edit Master title style</a:t>
             </a:r>
-            <a:endParaRPr lang="en-AU"/>
-          </a:p>
-        </p:txBody>
-      </p:sp>
-      <p:sp>
-        <p:nvSpPr>
-          <p:cNvPr id="3" name="Picture Placeholder 2">
-            <a:extLst>
-              <a:ext uri="{FF2B5EF4-FFF2-40B4-BE49-F238E27FC236}">
-                <a16:creationId xmlns:a16="http://schemas.microsoft.com/office/drawing/2014/main" id="{30714A8A-9AC4-FB81-7D2C-38C1D61780C6}"/>
-              </a:ext>
-            </a:extLst>
-          </p:cNvPr>
-          <p:cNvSpPr>
-            <a:spLocks noGrp="1"/>
+            <a:endParaRPr lang="en-US" dirty="0"/>
+          </a:p>
+        </p:txBody>
+      </p:sp>
+      <p:sp>
+        <p:nvSpPr>
+          <p:cNvPr id="3" name="Picture Placeholder 2"/>
+          <p:cNvSpPr>
+            <a:spLocks noGrp="1" noChangeAspect="1"/>
           </p:cNvSpPr>
           <p:nvPr>
             <p:ph type="pic" idx="1"/>
@@ -2549,118 +4970,127 @@
         </p:nvSpPr>
         <p:spPr>
           <a:xfrm>
-            <a:off x="5183188" y="987425"/>
-            <a:ext cx="6172200" cy="4873625"/>
+            <a:off x="7442551" y="763702"/>
+            <a:ext cx="3275751" cy="4912822"/>
           </a:xfrm>
+          <a:effectLst>
+            <a:outerShdw blurRad="38100" dist="25400" dir="4440000">
+              <a:srgbClr val="000000">
+                <a:alpha val="36000"/>
+              </a:srgbClr>
+            </a:outerShdw>
+          </a:effectLst>
         </p:spPr>
         <p:txBody>
-          <a:bodyPr/>
+          <a:bodyPr anchor="t">
+            <a:normAutofit/>
+          </a:bodyPr>
           <a:lstStyle>
-            <a:lvl1pPr marL="0" indent="0">
-              <a:buNone/>
-              <a:defRPr sz="3200"/>
-            </a:lvl1pPr>
-            <a:lvl2pPr marL="457200" indent="0">
-              <a:buNone/>
-              <a:defRPr sz="2800"/>
-            </a:lvl2pPr>
-            <a:lvl3pPr marL="914400" indent="0">
-              <a:buNone/>
-              <a:defRPr sz="2400"/>
-            </a:lvl3pPr>
-            <a:lvl4pPr marL="1371600" indent="0">
-              <a:buNone/>
-              <a:defRPr sz="2000"/>
-            </a:lvl4pPr>
-            <a:lvl5pPr marL="1828800" indent="0">
-              <a:buNone/>
-              <a:defRPr sz="2000"/>
-            </a:lvl5pPr>
-            <a:lvl6pPr marL="2286000" indent="0">
-              <a:buNone/>
-              <a:defRPr sz="2000"/>
-            </a:lvl6pPr>
-            <a:lvl7pPr marL="2743200" indent="0">
-              <a:buNone/>
-              <a:defRPr sz="2000"/>
-            </a:lvl7pPr>
-            <a:lvl8pPr marL="3200400" indent="0">
-              <a:buNone/>
-              <a:defRPr sz="2000"/>
-            </a:lvl8pPr>
-            <a:lvl9pPr marL="3657600" indent="0">
-              <a:buNone/>
-              <a:defRPr sz="2000"/>
-            </a:lvl9pPr>
-          </a:lstStyle>
-          <a:p>
-            <a:endParaRPr lang="en-AU"/>
-          </a:p>
-        </p:txBody>
-      </p:sp>
-      <p:sp>
-        <p:nvSpPr>
-          <p:cNvPr id="4" name="Text Placeholder 3">
-            <a:extLst>
-              <a:ext uri="{FF2B5EF4-FFF2-40B4-BE49-F238E27FC236}">
-                <a16:creationId xmlns:a16="http://schemas.microsoft.com/office/drawing/2014/main" id="{D8DB7CD2-8BCC-EE23-7559-08F907006B5C}"/>
-              </a:ext>
-            </a:extLst>
-          </p:cNvPr>
-          <p:cNvSpPr>
-            <a:spLocks noGrp="1"/>
-          </p:cNvSpPr>
-          <p:nvPr>
-            <p:ph type="body" sz="half" idx="2"/>
-          </p:nvPr>
-        </p:nvSpPr>
-        <p:spPr>
-          <a:xfrm>
-            <a:off x="839788" y="2057400"/>
-            <a:ext cx="3932237" cy="3811588"/>
-          </a:xfrm>
-        </p:spPr>
-        <p:txBody>
-          <a:bodyPr/>
-          <a:lstStyle>
-            <a:lvl1pPr marL="0" indent="0">
+            <a:lvl1pPr marL="0" indent="0" algn="ctr">
               <a:buNone/>
               <a:defRPr sz="1600"/>
             </a:lvl1pPr>
             <a:lvl2pPr marL="457200" indent="0">
               <a:buNone/>
-              <a:defRPr sz="1400"/>
+              <a:defRPr sz="1600"/>
             </a:lvl2pPr>
             <a:lvl3pPr marL="914400" indent="0">
               <a:buNone/>
-              <a:defRPr sz="1200"/>
+              <a:defRPr sz="1600"/>
             </a:lvl3pPr>
             <a:lvl4pPr marL="1371600" indent="0">
               <a:buNone/>
-              <a:defRPr sz="1000"/>
+              <a:defRPr sz="1600"/>
             </a:lvl4pPr>
             <a:lvl5pPr marL="1828800" indent="0">
               <a:buNone/>
-              <a:defRPr sz="1000"/>
+              <a:defRPr sz="1600"/>
             </a:lvl5pPr>
             <a:lvl6pPr marL="2286000" indent="0">
               <a:buNone/>
-              <a:defRPr sz="1000"/>
+              <a:defRPr sz="1600"/>
             </a:lvl6pPr>
             <a:lvl7pPr marL="2743200" indent="0">
               <a:buNone/>
-              <a:defRPr sz="1000"/>
+              <a:defRPr sz="1600"/>
             </a:lvl7pPr>
             <a:lvl8pPr marL="3200400" indent="0">
               <a:buNone/>
-              <a:defRPr sz="1000"/>
+              <a:defRPr sz="1600"/>
             </a:lvl8pPr>
             <a:lvl9pPr marL="3657600" indent="0">
               <a:buNone/>
-              <a:defRPr sz="1000"/>
+              <a:defRPr sz="1600"/>
             </a:lvl9pPr>
           </a:lstStyle>
           <a:p>
+            <a:r>
+              <a:rPr lang="en-US"/>
+              <a:t>Click icon to add picture</a:t>
+            </a:r>
+            <a:endParaRPr lang="en-US" dirty="0"/>
+          </a:p>
+        </p:txBody>
+      </p:sp>
+      <p:sp>
+        <p:nvSpPr>
+          <p:cNvPr id="4" name="Text Placeholder 3"/>
+          <p:cNvSpPr>
+            <a:spLocks noGrp="1"/>
+          </p:cNvSpPr>
+          <p:nvPr>
+            <p:ph type="body" sz="half" idx="2"/>
+          </p:nvPr>
+        </p:nvSpPr>
+        <p:spPr>
+          <a:xfrm>
+            <a:off x="913795" y="2439261"/>
+            <a:ext cx="5934949" cy="3376134"/>
+          </a:xfrm>
+        </p:spPr>
+        <p:txBody>
+          <a:bodyPr anchor="t">
+            <a:normAutofit/>
+          </a:bodyPr>
+          <a:lstStyle>
+            <a:lvl1pPr marL="0" indent="0" algn="ctr">
+              <a:buNone/>
+              <a:defRPr sz="1600"/>
+            </a:lvl1pPr>
+            <a:lvl2pPr marL="457200" indent="0">
+              <a:buNone/>
+              <a:defRPr sz="1200"/>
+            </a:lvl2pPr>
+            <a:lvl3pPr marL="914400" indent="0">
+              <a:buNone/>
+              <a:defRPr sz="1000"/>
+            </a:lvl3pPr>
+            <a:lvl4pPr marL="1371600" indent="0">
+              <a:buNone/>
+              <a:defRPr sz="900"/>
+            </a:lvl4pPr>
+            <a:lvl5pPr marL="1828800" indent="0">
+              <a:buNone/>
+              <a:defRPr sz="900"/>
+            </a:lvl5pPr>
+            <a:lvl6pPr marL="2286000" indent="0">
+              <a:buNone/>
+              <a:defRPr sz="900"/>
+            </a:lvl6pPr>
+            <a:lvl7pPr marL="2743200" indent="0">
+              <a:buNone/>
+              <a:defRPr sz="900"/>
+            </a:lvl7pPr>
+            <a:lvl8pPr marL="3200400" indent="0">
+              <a:buNone/>
+              <a:defRPr sz="900"/>
+            </a:lvl8pPr>
+            <a:lvl9pPr marL="3657600" indent="0">
+              <a:buNone/>
+              <a:defRPr sz="900"/>
+            </a:lvl9pPr>
+          </a:lstStyle>
+          <a:p>
             <a:pPr lvl="0"/>
             <a:r>
               <a:rPr lang="en-US"/>
@@ -2671,13 +5101,7 @@
       </p:sp>
       <p:sp>
         <p:nvSpPr>
-          <p:cNvPr id="5" name="Date Placeholder 4">
-            <a:extLst>
-              <a:ext uri="{FF2B5EF4-FFF2-40B4-BE49-F238E27FC236}">
-                <a16:creationId xmlns:a16="http://schemas.microsoft.com/office/drawing/2014/main" id="{DB40372B-4AC8-95D7-3B4D-D5D9F0EE5C23}"/>
-              </a:ext>
-            </a:extLst>
-          </p:cNvPr>
+          <p:cNvPr id="5" name="Date Placeholder 4"/>
           <p:cNvSpPr>
             <a:spLocks noGrp="1"/>
           </p:cNvSpPr>
@@ -2692,7 +5116,7 @@
           <a:p>
             <a:fld id="{D90120EC-953E-48DF-8E2D-0C8283984789}" type="datetimeFigureOut">
               <a:rPr lang="en-AU" smtClean="0"/>
-              <a:t>5/12/2024</a:t>
+              <a:t>6/12/2024</a:t>
             </a:fld>
             <a:endParaRPr lang="en-AU"/>
           </a:p>
@@ -2700,13 +5124,7 @@
       </p:sp>
       <p:sp>
         <p:nvSpPr>
-          <p:cNvPr id="6" name="Footer Placeholder 5">
-            <a:extLst>
-              <a:ext uri="{FF2B5EF4-FFF2-40B4-BE49-F238E27FC236}">
-                <a16:creationId xmlns:a16="http://schemas.microsoft.com/office/drawing/2014/main" id="{24F89F91-B708-B3EA-5DB0-AB230C82D2FA}"/>
-              </a:ext>
-            </a:extLst>
-          </p:cNvPr>
+          <p:cNvPr id="6" name="Footer Placeholder 5"/>
           <p:cNvSpPr>
             <a:spLocks noGrp="1"/>
           </p:cNvSpPr>
@@ -2725,13 +5143,7 @@
       </p:sp>
       <p:sp>
         <p:nvSpPr>
-          <p:cNvPr id="7" name="Slide Number Placeholder 6">
-            <a:extLst>
-              <a:ext uri="{FF2B5EF4-FFF2-40B4-BE49-F238E27FC236}">
-                <a16:creationId xmlns:a16="http://schemas.microsoft.com/office/drawing/2014/main" id="{171C8FD6-5827-7466-29BF-FFF60F9DFCAA}"/>
-              </a:ext>
-            </a:extLst>
-          </p:cNvPr>
+          <p:cNvPr id="7" name="Slide Number Placeholder 6"/>
           <p:cNvSpPr>
             <a:spLocks noGrp="1"/>
           </p:cNvSpPr>
@@ -2755,7 +5167,7 @@
     </p:spTree>
     <p:extLst>
       <p:ext uri="{BB962C8B-B14F-4D97-AF65-F5344CB8AC3E}">
-        <p14:creationId xmlns:p14="http://schemas.microsoft.com/office/powerpoint/2010/main" val="1928470767"/>
+        <p14:creationId xmlns:p14="http://schemas.microsoft.com/office/powerpoint/2010/main" val="3713179093"/>
       </p:ext>
     </p:extLst>
   </p:cSld>
@@ -2769,8 +5181,8 @@
 <p:sldMaster xmlns:a="http://schemas.openxmlformats.org/drawingml/2006/main" xmlns:r="http://schemas.openxmlformats.org/officeDocument/2006/relationships" xmlns:p="http://schemas.openxmlformats.org/presentationml/2006/main">
   <p:cSld>
     <p:bg>
-      <p:bgRef idx="1001">
-        <a:schemeClr val="bg1"/>
+      <p:bgRef idx="1003">
+        <a:schemeClr val="bg2"/>
       </p:bgRef>
     </p:bg>
     <p:spTree>
@@ -2789,13 +5201,7 @@
       </p:grpSpPr>
       <p:sp>
         <p:nvSpPr>
-          <p:cNvPr id="2" name="Title Placeholder 1">
-            <a:extLst>
-              <a:ext uri="{FF2B5EF4-FFF2-40B4-BE49-F238E27FC236}">
-                <a16:creationId xmlns:a16="http://schemas.microsoft.com/office/drawing/2014/main" id="{9FDA8236-72CF-89DE-56E8-936074150597}"/>
-              </a:ext>
-            </a:extLst>
-          </p:cNvPr>
+          <p:cNvPr id="2" name="Title Placeholder 1"/>
           <p:cNvSpPr>
             <a:spLocks noGrp="1"/>
           </p:cNvSpPr>
@@ -2805,12 +5211,19 @@
         </p:nvSpPr>
         <p:spPr>
           <a:xfrm>
-            <a:off x="838200" y="365125"/>
-            <a:ext cx="10515600" cy="1325563"/>
+            <a:off x="913795" y="609600"/>
+            <a:ext cx="10353762" cy="970450"/>
           </a:xfrm>
           <a:prstGeom prst="rect">
             <a:avLst/>
           </a:prstGeom>
+          <a:effectLst>
+            <a:outerShdw blurRad="25400" dir="17880000">
+              <a:srgbClr val="000000">
+                <a:alpha val="46000"/>
+              </a:srgbClr>
+            </a:outerShdw>
+          </a:effectLst>
         </p:spPr>
         <p:txBody>
           <a:bodyPr vert="horz" lIns="91440" tIns="45720" rIns="91440" bIns="45720" rtlCol="0" anchor="ctr">
@@ -2822,19 +5235,13 @@
               <a:rPr lang="en-US"/>
               <a:t>Click to edit Master title style</a:t>
             </a:r>
-            <a:endParaRPr lang="en-AU"/>
-          </a:p>
-        </p:txBody>
-      </p:sp>
-      <p:sp>
-        <p:nvSpPr>
-          <p:cNvPr id="3" name="Text Placeholder 2">
-            <a:extLst>
-              <a:ext uri="{FF2B5EF4-FFF2-40B4-BE49-F238E27FC236}">
-                <a16:creationId xmlns:a16="http://schemas.microsoft.com/office/drawing/2014/main" id="{FAD89B57-974A-2C7B-CAB4-BF79A2BB6629}"/>
-              </a:ext>
-            </a:extLst>
-          </p:cNvPr>
+            <a:endParaRPr lang="en-US" dirty="0"/>
+          </a:p>
+        </p:txBody>
+      </p:sp>
+      <p:sp>
+        <p:nvSpPr>
+          <p:cNvPr id="3" name="Text Placeholder 2"/>
           <p:cNvSpPr>
             <a:spLocks noGrp="1"/>
           </p:cNvSpPr>
@@ -2844,15 +5251,22 @@
         </p:nvSpPr>
         <p:spPr>
           <a:xfrm>
-            <a:off x="838200" y="1825625"/>
-            <a:ext cx="10515600" cy="4351338"/>
+            <a:off x="913795" y="1732449"/>
+            <a:ext cx="10353762" cy="4058751"/>
           </a:xfrm>
           <a:prstGeom prst="rect">
             <a:avLst/>
           </a:prstGeom>
+          <a:effectLst>
+            <a:outerShdw blurRad="25400" dir="17880000">
+              <a:srgbClr val="000000">
+                <a:alpha val="46000"/>
+              </a:srgbClr>
+            </a:outerShdw>
+          </a:effectLst>
         </p:spPr>
         <p:txBody>
-          <a:bodyPr vert="horz" lIns="91440" tIns="45720" rIns="91440" bIns="45720" rtlCol="0">
+          <a:bodyPr vert="horz" lIns="91440" tIns="45720" rIns="91440" bIns="45720" rtlCol="0" anchor="t">
             <a:normAutofit/>
           </a:bodyPr>
           <a:lstStyle/>
@@ -2890,19 +5304,13 @@
               <a:rPr lang="en-US"/>
               <a:t>Fifth level</a:t>
             </a:r>
-            <a:endParaRPr lang="en-AU"/>
-          </a:p>
-        </p:txBody>
-      </p:sp>
-      <p:sp>
-        <p:nvSpPr>
-          <p:cNvPr id="4" name="Date Placeholder 3">
-            <a:extLst>
-              <a:ext uri="{FF2B5EF4-FFF2-40B4-BE49-F238E27FC236}">
-                <a16:creationId xmlns:a16="http://schemas.microsoft.com/office/drawing/2014/main" id="{B30F86F8-BA70-424A-4403-AB28551A9414}"/>
-              </a:ext>
-            </a:extLst>
-          </p:cNvPr>
+            <a:endParaRPr lang="en-US" dirty="0"/>
+          </a:p>
+        </p:txBody>
+      </p:sp>
+      <p:sp>
+        <p:nvSpPr>
+          <p:cNvPr id="4" name="Date Placeholder 3"/>
           <p:cNvSpPr>
             <a:spLocks noGrp="1"/>
           </p:cNvSpPr>
@@ -2912,7 +5320,7 @@
         </p:nvSpPr>
         <p:spPr>
           <a:xfrm>
-            <a:off x="838200" y="6356350"/>
+            <a:off x="7678736" y="5883275"/>
             <a:ext cx="2743200" cy="365125"/>
           </a:xfrm>
           <a:prstGeom prst="rect">
@@ -2922,20 +5330,27 @@
         <p:txBody>
           <a:bodyPr vert="horz" lIns="91440" tIns="45720" rIns="91440" bIns="45720" rtlCol="0" anchor="ctr"/>
           <a:lstStyle>
-            <a:lvl1pPr algn="l">
-              <a:defRPr sz="1200">
+            <a:lvl1pPr algn="r">
+              <a:defRPr sz="1000">
                 <a:solidFill>
                   <a:schemeClr val="tx1">
-                    <a:tint val="82000"/>
+                    <a:lumMod val="95000"/>
                   </a:schemeClr>
                 </a:solidFill>
+                <a:effectLst>
+                  <a:outerShdw blurRad="50800" dist="38100" dir="2700000" algn="tl" rotWithShape="0">
+                    <a:schemeClr val="bg1">
+                      <a:alpha val="43000"/>
+                    </a:schemeClr>
+                  </a:outerShdw>
+                </a:effectLst>
               </a:defRPr>
             </a:lvl1pPr>
           </a:lstStyle>
           <a:p>
             <a:fld id="{D90120EC-953E-48DF-8E2D-0C8283984789}" type="datetimeFigureOut">
               <a:rPr lang="en-AU" smtClean="0"/>
-              <a:t>5/12/2024</a:t>
+              <a:t>6/12/2024</a:t>
             </a:fld>
             <a:endParaRPr lang="en-AU"/>
           </a:p>
@@ -2943,13 +5358,7 @@
       </p:sp>
       <p:sp>
         <p:nvSpPr>
-          <p:cNvPr id="5" name="Footer Placeholder 4">
-            <a:extLst>
-              <a:ext uri="{FF2B5EF4-FFF2-40B4-BE49-F238E27FC236}">
-                <a16:creationId xmlns:a16="http://schemas.microsoft.com/office/drawing/2014/main" id="{08A8AEC0-6F7F-55C6-6049-25DCD8E6326F}"/>
-              </a:ext>
-            </a:extLst>
-          </p:cNvPr>
+          <p:cNvPr id="5" name="Footer Placeholder 4"/>
           <p:cNvSpPr>
             <a:spLocks noGrp="1"/>
           </p:cNvSpPr>
@@ -2959,8 +5368,8 @@
         </p:nvSpPr>
         <p:spPr>
           <a:xfrm>
-            <a:off x="4038600" y="6356350"/>
-            <a:ext cx="4114800" cy="365125"/>
+            <a:off x="913795" y="5883275"/>
+            <a:ext cx="6672865" cy="365125"/>
           </a:xfrm>
           <a:prstGeom prst="rect">
             <a:avLst/>
@@ -2969,13 +5378,20 @@
         <p:txBody>
           <a:bodyPr vert="horz" lIns="91440" tIns="45720" rIns="91440" bIns="45720" rtlCol="0" anchor="ctr"/>
           <a:lstStyle>
-            <a:lvl1pPr algn="ctr">
-              <a:defRPr sz="1200">
+            <a:lvl1pPr algn="l">
+              <a:defRPr sz="1000">
                 <a:solidFill>
                   <a:schemeClr val="tx1">
-                    <a:tint val="82000"/>
+                    <a:lumMod val="95000"/>
                   </a:schemeClr>
                 </a:solidFill>
+                <a:effectLst>
+                  <a:outerShdw blurRad="50800" dist="38100" dir="2700000" algn="tl" rotWithShape="0">
+                    <a:schemeClr val="bg1">
+                      <a:alpha val="43000"/>
+                    </a:schemeClr>
+                  </a:outerShdw>
+                </a:effectLst>
               </a:defRPr>
             </a:lvl1pPr>
           </a:lstStyle>
@@ -2986,13 +5402,7 @@
       </p:sp>
       <p:sp>
         <p:nvSpPr>
-          <p:cNvPr id="6" name="Slide Number Placeholder 5">
-            <a:extLst>
-              <a:ext uri="{FF2B5EF4-FFF2-40B4-BE49-F238E27FC236}">
-                <a16:creationId xmlns:a16="http://schemas.microsoft.com/office/drawing/2014/main" id="{7F2EF734-3D5C-C146-5BA4-1F0731A6F2BF}"/>
-              </a:ext>
-            </a:extLst>
-          </p:cNvPr>
+          <p:cNvPr id="6" name="Slide Number Placeholder 5"/>
           <p:cNvSpPr>
             <a:spLocks noGrp="1"/>
           </p:cNvSpPr>
@@ -3002,8 +5412,8 @@
         </p:nvSpPr>
         <p:spPr>
           <a:xfrm>
-            <a:off x="8610600" y="6356350"/>
-            <a:ext cx="2743200" cy="365125"/>
+            <a:off x="10514011" y="5883275"/>
+            <a:ext cx="753545" cy="365125"/>
           </a:xfrm>
           <a:prstGeom prst="rect">
             <a:avLst/>
@@ -3013,12 +5423,19 @@
           <a:bodyPr vert="horz" lIns="91440" tIns="45720" rIns="91440" bIns="45720" rtlCol="0" anchor="ctr"/>
           <a:lstStyle>
             <a:lvl1pPr algn="r">
-              <a:defRPr sz="1200">
+              <a:defRPr sz="1000">
                 <a:solidFill>
                   <a:schemeClr val="tx1">
-                    <a:tint val="82000"/>
+                    <a:lumMod val="95000"/>
                   </a:schemeClr>
                 </a:solidFill>
+                <a:effectLst>
+                  <a:outerShdw blurRad="50800" dist="38100" dir="2700000" algn="tl" rotWithShape="0">
+                    <a:schemeClr val="bg1">
+                      <a:alpha val="43000"/>
+                    </a:schemeClr>
+                  </a:outerShdw>
+                </a:effectLst>
               </a:defRPr>
             </a:lvl1pPr>
           </a:lstStyle>
@@ -3034,202 +5451,457 @@
     </p:spTree>
     <p:extLst>
       <p:ext uri="{BB962C8B-B14F-4D97-AF65-F5344CB8AC3E}">
-        <p14:creationId xmlns:p14="http://schemas.microsoft.com/office/powerpoint/2010/main" val="347675063"/>
+        <p14:creationId xmlns:p14="http://schemas.microsoft.com/office/powerpoint/2010/main" val="2100031652"/>
       </p:ext>
     </p:extLst>
   </p:cSld>
-  <p:clrMap bg1="lt1" tx1="dk1" bg2="lt2" tx2="dk2" accent1="accent1" accent2="accent2" accent3="accent3" accent4="accent4" accent5="accent5" accent6="accent6" hlink="hlink" folHlink="folHlink"/>
+  <p:clrMap bg1="dk1" tx1="lt1" bg2="dk2" tx2="lt2" accent1="accent1" accent2="accent2" accent3="accent3" accent4="accent4" accent5="accent5" accent6="accent6" hlink="hlink" folHlink="folHlink"/>
   <p:sldLayoutIdLst>
-    <p:sldLayoutId id="2147483649" r:id="rId1"/>
-    <p:sldLayoutId id="2147483650" r:id="rId2"/>
-    <p:sldLayoutId id="2147483651" r:id="rId3"/>
-    <p:sldLayoutId id="2147483652" r:id="rId4"/>
-    <p:sldLayoutId id="2147483653" r:id="rId5"/>
-    <p:sldLayoutId id="2147483654" r:id="rId6"/>
-    <p:sldLayoutId id="2147483655" r:id="rId7"/>
-    <p:sldLayoutId id="2147483656" r:id="rId8"/>
-    <p:sldLayoutId id="2147483657" r:id="rId9"/>
-    <p:sldLayoutId id="2147483658" r:id="rId10"/>
-    <p:sldLayoutId id="2147483659" r:id="rId11"/>
+    <p:sldLayoutId id="2147483859" r:id="rId1"/>
+    <p:sldLayoutId id="2147483860" r:id="rId2"/>
+    <p:sldLayoutId id="2147483861" r:id="rId3"/>
+    <p:sldLayoutId id="2147483862" r:id="rId4"/>
+    <p:sldLayoutId id="2147483863" r:id="rId5"/>
+    <p:sldLayoutId id="2147483864" r:id="rId6"/>
+    <p:sldLayoutId id="2147483865" r:id="rId7"/>
+    <p:sldLayoutId id="2147483866" r:id="rId8"/>
+    <p:sldLayoutId id="2147483867" r:id="rId9"/>
+    <p:sldLayoutId id="2147483868" r:id="rId10"/>
+    <p:sldLayoutId id="2147483869" r:id="rId11"/>
+    <p:sldLayoutId id="2147483870" r:id="rId12"/>
+    <p:sldLayoutId id="2147483871" r:id="rId13"/>
+    <p:sldLayoutId id="2147483872" r:id="rId14"/>
+    <p:sldLayoutId id="2147483873" r:id="rId15"/>
+    <p:sldLayoutId id="2147483874" r:id="rId16"/>
+    <p:sldLayoutId id="2147483875" r:id="rId17"/>
   </p:sldLayoutIdLst>
   <p:txStyles>
     <p:titleStyle>
-      <a:lvl1pPr algn="l" defTabSz="914400" rtl="0" eaLnBrk="1" latinLnBrk="0" hangingPunct="1">
-        <a:lnSpc>
-          <a:spcPct val="90000"/>
-        </a:lnSpc>
+      <a:lvl1pPr algn="ctr" defTabSz="457200" rtl="0" eaLnBrk="1" latinLnBrk="0" hangingPunct="1">
         <a:spcBef>
           <a:spcPct val="0"/>
         </a:spcBef>
         <a:buNone/>
-        <a:defRPr sz="4400" kern="1200">
+        <a:defRPr sz="4000" kern="1200">
+          <a:ln>
+            <a:solidFill>
+              <a:schemeClr val="bg1">
+                <a:lumMod val="75000"/>
+                <a:lumOff val="25000"/>
+                <a:alpha val="10000"/>
+              </a:schemeClr>
+            </a:solidFill>
+          </a:ln>
           <a:solidFill>
-            <a:schemeClr val="tx1"/>
+            <a:schemeClr val="tx2"/>
           </a:solidFill>
+          <a:effectLst>
+            <a:outerShdw blurRad="9525" dist="25400" dir="14640000" algn="tl" rotWithShape="0">
+              <a:schemeClr val="bg1">
+                <a:alpha val="30000"/>
+              </a:schemeClr>
+            </a:outerShdw>
+          </a:effectLst>
           <a:latin typeface="+mj-lt"/>
           <a:ea typeface="+mj-ea"/>
-          <a:cs typeface="+mj-cs"/>
+          <a:cs typeface="Trebuchet MS"/>
         </a:defRPr>
       </a:lvl1pPr>
+      <a:lvl2pPr eaLnBrk="1" hangingPunct="1">
+        <a:defRPr>
+          <a:solidFill>
+            <a:schemeClr val="tx2"/>
+          </a:solidFill>
+        </a:defRPr>
+      </a:lvl2pPr>
+      <a:lvl3pPr eaLnBrk="1" hangingPunct="1">
+        <a:defRPr>
+          <a:solidFill>
+            <a:schemeClr val="tx2"/>
+          </a:solidFill>
+        </a:defRPr>
+      </a:lvl3pPr>
+      <a:lvl4pPr eaLnBrk="1" hangingPunct="1">
+        <a:defRPr>
+          <a:solidFill>
+            <a:schemeClr val="tx2"/>
+          </a:solidFill>
+        </a:defRPr>
+      </a:lvl4pPr>
+      <a:lvl5pPr eaLnBrk="1" hangingPunct="1">
+        <a:defRPr>
+          <a:solidFill>
+            <a:schemeClr val="tx2"/>
+          </a:solidFill>
+        </a:defRPr>
+      </a:lvl5pPr>
+      <a:lvl6pPr eaLnBrk="1" hangingPunct="1">
+        <a:defRPr>
+          <a:solidFill>
+            <a:schemeClr val="tx2"/>
+          </a:solidFill>
+        </a:defRPr>
+      </a:lvl6pPr>
+      <a:lvl7pPr eaLnBrk="1" hangingPunct="1">
+        <a:defRPr>
+          <a:solidFill>
+            <a:schemeClr val="tx2"/>
+          </a:solidFill>
+        </a:defRPr>
+      </a:lvl7pPr>
+      <a:lvl8pPr eaLnBrk="1" hangingPunct="1">
+        <a:defRPr>
+          <a:solidFill>
+            <a:schemeClr val="tx2"/>
+          </a:solidFill>
+        </a:defRPr>
+      </a:lvl8pPr>
+      <a:lvl9pPr eaLnBrk="1" hangingPunct="1">
+        <a:defRPr>
+          <a:solidFill>
+            <a:schemeClr val="tx2"/>
+          </a:solidFill>
+        </a:defRPr>
+      </a:lvl9pPr>
     </p:titleStyle>
     <p:bodyStyle>
-      <a:lvl1pPr marL="228600" indent="-228600" algn="l" defTabSz="914400" rtl="0" eaLnBrk="1" latinLnBrk="0" hangingPunct="1">
-        <a:lnSpc>
-          <a:spcPct val="90000"/>
-        </a:lnSpc>
+      <a:lvl1pPr marL="342900" indent="-306000" algn="l" defTabSz="457200" rtl="0" eaLnBrk="1" latinLnBrk="0" hangingPunct="1">
         <a:spcBef>
-          <a:spcPts val="1000"/>
+          <a:spcPct val="20000"/>
         </a:spcBef>
-        <a:buFont typeface="Arial" panose="020B0604020202020204" pitchFamily="34" charset="0"/>
-        <a:buChar char="•"/>
-        <a:defRPr sz="2800" kern="1200">
+        <a:spcAft>
+          <a:spcPts val="600"/>
+        </a:spcAft>
+        <a:buClr>
+          <a:schemeClr val="tx2"/>
+        </a:buClr>
+        <a:buSzPct val="70000"/>
+        <a:buFont typeface="Wingdings 2" charset="2"/>
+        <a:buChar char=""/>
+        <a:defRPr sz="2000" kern="1200">
+          <a:ln>
+            <a:solidFill>
+              <a:schemeClr val="bg1">
+                <a:lumMod val="75000"/>
+                <a:lumOff val="25000"/>
+                <a:alpha val="10000"/>
+              </a:schemeClr>
+            </a:solidFill>
+          </a:ln>
           <a:solidFill>
-            <a:schemeClr val="tx1"/>
+            <a:schemeClr val="tx2"/>
           </a:solidFill>
+          <a:effectLst>
+            <a:outerShdw blurRad="9525" dist="25400" dir="14640000" algn="tl" rotWithShape="0">
+              <a:schemeClr val="bg1">
+                <a:alpha val="30000"/>
+              </a:schemeClr>
+            </a:outerShdw>
+          </a:effectLst>
           <a:latin typeface="+mn-lt"/>
           <a:ea typeface="+mn-ea"/>
           <a:cs typeface="+mn-cs"/>
         </a:defRPr>
       </a:lvl1pPr>
-      <a:lvl2pPr marL="685800" indent="-228600" algn="l" defTabSz="914400" rtl="0" eaLnBrk="1" latinLnBrk="0" hangingPunct="1">
-        <a:lnSpc>
-          <a:spcPct val="90000"/>
-        </a:lnSpc>
+      <a:lvl2pPr marL="720000" indent="-270000" algn="l" defTabSz="457200" rtl="0" eaLnBrk="1" latinLnBrk="0" hangingPunct="1">
         <a:spcBef>
-          <a:spcPts val="500"/>
+          <a:spcPct val="20000"/>
         </a:spcBef>
-        <a:buFont typeface="Arial" panose="020B0604020202020204" pitchFamily="34" charset="0"/>
-        <a:buChar char="•"/>
-        <a:defRPr sz="2400" kern="1200">
+        <a:spcAft>
+          <a:spcPts val="600"/>
+        </a:spcAft>
+        <a:buClr>
+          <a:schemeClr val="tx2"/>
+        </a:buClr>
+        <a:buSzPct val="70000"/>
+        <a:buFont typeface="Wingdings 2" charset="2"/>
+        <a:buChar char=""/>
+        <a:defRPr sz="1800" kern="1200">
+          <a:ln>
+            <a:solidFill>
+              <a:schemeClr val="bg1">
+                <a:lumMod val="75000"/>
+                <a:lumOff val="25000"/>
+                <a:alpha val="10000"/>
+              </a:schemeClr>
+            </a:solidFill>
+          </a:ln>
           <a:solidFill>
-            <a:schemeClr val="tx1"/>
+            <a:schemeClr val="tx2"/>
           </a:solidFill>
+          <a:effectLst>
+            <a:outerShdw blurRad="9525" dist="25400" dir="14640000" algn="tl" rotWithShape="0">
+              <a:schemeClr val="bg1">
+                <a:alpha val="30000"/>
+              </a:schemeClr>
+            </a:outerShdw>
+          </a:effectLst>
           <a:latin typeface="+mn-lt"/>
           <a:ea typeface="+mn-ea"/>
           <a:cs typeface="+mn-cs"/>
         </a:defRPr>
       </a:lvl2pPr>
-      <a:lvl3pPr marL="1143000" indent="-228600" algn="l" defTabSz="914400" rtl="0" eaLnBrk="1" latinLnBrk="0" hangingPunct="1">
-        <a:lnSpc>
-          <a:spcPct val="90000"/>
-        </a:lnSpc>
+      <a:lvl3pPr marL="1026000" indent="-216000" algn="l" defTabSz="457200" rtl="0" eaLnBrk="1" latinLnBrk="0" hangingPunct="1">
         <a:spcBef>
-          <a:spcPts val="500"/>
+          <a:spcPct val="20000"/>
         </a:spcBef>
-        <a:buFont typeface="Arial" panose="020B0604020202020204" pitchFamily="34" charset="0"/>
-        <a:buChar char="•"/>
-        <a:defRPr sz="2000" kern="1200">
+        <a:spcAft>
+          <a:spcPts val="600"/>
+        </a:spcAft>
+        <a:buClr>
+          <a:schemeClr val="tx2"/>
+        </a:buClr>
+        <a:buSzPct val="70000"/>
+        <a:buFont typeface="Wingdings 2" charset="2"/>
+        <a:buChar char=""/>
+        <a:defRPr sz="1600" kern="1200">
+          <a:ln>
+            <a:solidFill>
+              <a:schemeClr val="bg1">
+                <a:lumMod val="75000"/>
+                <a:lumOff val="25000"/>
+                <a:alpha val="10000"/>
+              </a:schemeClr>
+            </a:solidFill>
+          </a:ln>
           <a:solidFill>
-            <a:schemeClr val="tx1"/>
+            <a:schemeClr val="tx2"/>
           </a:solidFill>
+          <a:effectLst>
+            <a:outerShdw blurRad="9525" dist="25400" dir="14640000" algn="tl" rotWithShape="0">
+              <a:schemeClr val="bg1">
+                <a:alpha val="30000"/>
+              </a:schemeClr>
+            </a:outerShdw>
+          </a:effectLst>
           <a:latin typeface="+mn-lt"/>
           <a:ea typeface="+mn-ea"/>
           <a:cs typeface="+mn-cs"/>
         </a:defRPr>
       </a:lvl3pPr>
-      <a:lvl4pPr marL="1600200" indent="-228600" algn="l" defTabSz="914400" rtl="0" eaLnBrk="1" latinLnBrk="0" hangingPunct="1">
-        <a:lnSpc>
-          <a:spcPct val="90000"/>
-        </a:lnSpc>
+      <a:lvl4pPr marL="1386000" indent="-216000" algn="l" defTabSz="457200" rtl="0" eaLnBrk="1" latinLnBrk="0" hangingPunct="1">
         <a:spcBef>
-          <a:spcPts val="500"/>
+          <a:spcPct val="20000"/>
         </a:spcBef>
-        <a:buFont typeface="Arial" panose="020B0604020202020204" pitchFamily="34" charset="0"/>
-        <a:buChar char="•"/>
-        <a:defRPr sz="1800" kern="1200">
+        <a:spcAft>
+          <a:spcPts val="600"/>
+        </a:spcAft>
+        <a:buClr>
+          <a:schemeClr val="tx2"/>
+        </a:buClr>
+        <a:buSzPct val="70000"/>
+        <a:buFont typeface="Wingdings 2" charset="2"/>
+        <a:buChar char=""/>
+        <a:defRPr sz="1400" kern="1200">
+          <a:ln>
+            <a:solidFill>
+              <a:schemeClr val="bg1">
+                <a:lumMod val="75000"/>
+                <a:lumOff val="25000"/>
+                <a:alpha val="10000"/>
+              </a:schemeClr>
+            </a:solidFill>
+          </a:ln>
           <a:solidFill>
-            <a:schemeClr val="tx1"/>
+            <a:schemeClr val="tx2"/>
           </a:solidFill>
+          <a:effectLst>
+            <a:outerShdw blurRad="9525" dist="25400" dir="14640000" algn="tl" rotWithShape="0">
+              <a:schemeClr val="bg1">
+                <a:alpha val="30000"/>
+              </a:schemeClr>
+            </a:outerShdw>
+          </a:effectLst>
           <a:latin typeface="+mn-lt"/>
           <a:ea typeface="+mn-ea"/>
           <a:cs typeface="+mn-cs"/>
         </a:defRPr>
       </a:lvl4pPr>
-      <a:lvl5pPr marL="2057400" indent="-228600" algn="l" defTabSz="914400" rtl="0" eaLnBrk="1" latinLnBrk="0" hangingPunct="1">
-        <a:lnSpc>
-          <a:spcPct val="90000"/>
-        </a:lnSpc>
+      <a:lvl5pPr marL="1674000" indent="-216000" algn="l" defTabSz="457200" rtl="0" eaLnBrk="1" latinLnBrk="0" hangingPunct="1">
         <a:spcBef>
-          <a:spcPts val="500"/>
+          <a:spcPct val="20000"/>
         </a:spcBef>
-        <a:buFont typeface="Arial" panose="020B0604020202020204" pitchFamily="34" charset="0"/>
-        <a:buChar char="•"/>
-        <a:defRPr sz="1800" kern="1200">
+        <a:spcAft>
+          <a:spcPts val="600"/>
+        </a:spcAft>
+        <a:buClr>
+          <a:schemeClr val="tx2"/>
+        </a:buClr>
+        <a:buSzPct val="70000"/>
+        <a:buFont typeface="Wingdings 2" charset="2"/>
+        <a:buChar char=""/>
+        <a:defRPr sz="1400" kern="1200">
+          <a:ln>
+            <a:solidFill>
+              <a:schemeClr val="bg1">
+                <a:lumMod val="75000"/>
+                <a:lumOff val="25000"/>
+                <a:alpha val="10000"/>
+              </a:schemeClr>
+            </a:solidFill>
+          </a:ln>
           <a:solidFill>
-            <a:schemeClr val="tx1"/>
+            <a:schemeClr val="tx2"/>
           </a:solidFill>
+          <a:effectLst>
+            <a:outerShdw blurRad="9525" dist="25400" dir="14640000" algn="tl" rotWithShape="0">
+              <a:schemeClr val="bg1">
+                <a:alpha val="30000"/>
+              </a:schemeClr>
+            </a:outerShdw>
+          </a:effectLst>
           <a:latin typeface="+mn-lt"/>
           <a:ea typeface="+mn-ea"/>
           <a:cs typeface="+mn-cs"/>
         </a:defRPr>
       </a:lvl5pPr>
-      <a:lvl6pPr marL="2514600" indent="-228600" algn="l" defTabSz="914400" rtl="0" eaLnBrk="1" latinLnBrk="0" hangingPunct="1">
-        <a:lnSpc>
-          <a:spcPct val="90000"/>
-        </a:lnSpc>
+      <a:lvl6pPr marL="2014600" indent="-228600" algn="l" defTabSz="457200" rtl="0" eaLnBrk="1" latinLnBrk="0" hangingPunct="1">
         <a:spcBef>
-          <a:spcPts val="500"/>
+          <a:spcPct val="20000"/>
         </a:spcBef>
-        <a:buFont typeface="Arial" panose="020B0604020202020204" pitchFamily="34" charset="0"/>
-        <a:buChar char="•"/>
-        <a:defRPr sz="1800" kern="1200">
+        <a:spcAft>
+          <a:spcPts val="600"/>
+        </a:spcAft>
+        <a:buClr>
+          <a:schemeClr val="tx2"/>
+        </a:buClr>
+        <a:buSzPct val="70000"/>
+        <a:buFont typeface="Wingdings 2" charset="2"/>
+        <a:buChar char=""/>
+        <a:defRPr sz="1400" kern="1200">
+          <a:ln>
+            <a:solidFill>
+              <a:schemeClr val="bg1">
+                <a:lumMod val="75000"/>
+                <a:lumOff val="25000"/>
+                <a:alpha val="10000"/>
+              </a:schemeClr>
+            </a:solidFill>
+          </a:ln>
           <a:solidFill>
-            <a:schemeClr val="tx1"/>
+            <a:schemeClr val="tx2"/>
           </a:solidFill>
+          <a:effectLst>
+            <a:outerShdw blurRad="9525" dist="25400" dir="14640000" algn="tl" rotWithShape="0">
+              <a:schemeClr val="bg1">
+                <a:alpha val="30000"/>
+              </a:schemeClr>
+            </a:outerShdw>
+          </a:effectLst>
           <a:latin typeface="+mn-lt"/>
           <a:ea typeface="+mn-ea"/>
           <a:cs typeface="+mn-cs"/>
         </a:defRPr>
       </a:lvl6pPr>
-      <a:lvl7pPr marL="2971800" indent="-228600" algn="l" defTabSz="914400" rtl="0" eaLnBrk="1" latinLnBrk="0" hangingPunct="1">
-        <a:lnSpc>
-          <a:spcPct val="90000"/>
-        </a:lnSpc>
+      <a:lvl7pPr marL="2401800" indent="-228600" algn="l" defTabSz="457200" rtl="0" eaLnBrk="1" latinLnBrk="0" hangingPunct="1">
         <a:spcBef>
-          <a:spcPts val="500"/>
+          <a:spcPct val="20000"/>
         </a:spcBef>
-        <a:buFont typeface="Arial" panose="020B0604020202020204" pitchFamily="34" charset="0"/>
-        <a:buChar char="•"/>
-        <a:defRPr sz="1800" kern="1200">
+        <a:spcAft>
+          <a:spcPts val="600"/>
+        </a:spcAft>
+        <a:buClr>
+          <a:schemeClr val="tx2"/>
+        </a:buClr>
+        <a:buSzPct val="70000"/>
+        <a:buFont typeface="Wingdings 2" charset="2"/>
+        <a:buChar char=""/>
+        <a:defRPr sz="1400" kern="1200">
+          <a:ln>
+            <a:solidFill>
+              <a:schemeClr val="bg1">
+                <a:lumMod val="75000"/>
+                <a:lumOff val="25000"/>
+                <a:alpha val="10000"/>
+              </a:schemeClr>
+            </a:solidFill>
+          </a:ln>
           <a:solidFill>
-            <a:schemeClr val="tx1"/>
+            <a:schemeClr val="tx2"/>
           </a:solidFill>
+          <a:effectLst>
+            <a:outerShdw blurRad="9525" dist="25400" dir="14640000" algn="tl" rotWithShape="0">
+              <a:schemeClr val="bg1">
+                <a:alpha val="30000"/>
+              </a:schemeClr>
+            </a:outerShdw>
+          </a:effectLst>
           <a:latin typeface="+mn-lt"/>
           <a:ea typeface="+mn-ea"/>
           <a:cs typeface="+mn-cs"/>
         </a:defRPr>
       </a:lvl7pPr>
-      <a:lvl8pPr marL="3429000" indent="-228600" algn="l" defTabSz="914400" rtl="0" eaLnBrk="1" latinLnBrk="0" hangingPunct="1">
-        <a:lnSpc>
-          <a:spcPct val="90000"/>
-        </a:lnSpc>
+      <a:lvl8pPr marL="2789000" indent="-228600" algn="l" defTabSz="457200" rtl="0" eaLnBrk="1" latinLnBrk="0" hangingPunct="1">
         <a:spcBef>
-          <a:spcPts val="500"/>
+          <a:spcPct val="20000"/>
         </a:spcBef>
-        <a:buFont typeface="Arial" panose="020B0604020202020204" pitchFamily="34" charset="0"/>
-        <a:buChar char="•"/>
-        <a:defRPr sz="1800" kern="1200">
+        <a:spcAft>
+          <a:spcPts val="600"/>
+        </a:spcAft>
+        <a:buClr>
+          <a:schemeClr val="tx2"/>
+        </a:buClr>
+        <a:buSzPct val="70000"/>
+        <a:buFont typeface="Wingdings 2" charset="2"/>
+        <a:buChar char=""/>
+        <a:defRPr sz="1400" kern="1200">
+          <a:ln>
+            <a:solidFill>
+              <a:schemeClr val="bg1">
+                <a:lumMod val="75000"/>
+                <a:lumOff val="25000"/>
+                <a:alpha val="10000"/>
+              </a:schemeClr>
+            </a:solidFill>
+          </a:ln>
           <a:solidFill>
-            <a:schemeClr val="tx1"/>
+            <a:schemeClr val="tx2"/>
           </a:solidFill>
+          <a:effectLst>
+            <a:outerShdw blurRad="9525" dist="25400" dir="14640000" algn="tl" rotWithShape="0">
+              <a:schemeClr val="bg1">
+                <a:alpha val="30000"/>
+              </a:schemeClr>
+            </a:outerShdw>
+          </a:effectLst>
           <a:latin typeface="+mn-lt"/>
           <a:ea typeface="+mn-ea"/>
           <a:cs typeface="+mn-cs"/>
         </a:defRPr>
       </a:lvl8pPr>
-      <a:lvl9pPr marL="3886200" indent="-228600" algn="l" defTabSz="914400" rtl="0" eaLnBrk="1" latinLnBrk="0" hangingPunct="1">
-        <a:lnSpc>
-          <a:spcPct val="90000"/>
-        </a:lnSpc>
+      <a:lvl9pPr marL="3106200" indent="-228600" algn="l" defTabSz="457200" rtl="0" eaLnBrk="1" latinLnBrk="0" hangingPunct="1">
         <a:spcBef>
-          <a:spcPts val="500"/>
+          <a:spcPct val="20000"/>
         </a:spcBef>
-        <a:buFont typeface="Arial" panose="020B0604020202020204" pitchFamily="34" charset="0"/>
-        <a:buChar char="•"/>
-        <a:defRPr sz="1800" kern="1200">
+        <a:spcAft>
+          <a:spcPts val="600"/>
+        </a:spcAft>
+        <a:buClr>
+          <a:schemeClr val="tx2"/>
+        </a:buClr>
+        <a:buSzPct val="70000"/>
+        <a:buFont typeface="Wingdings 2" charset="2"/>
+        <a:buChar char=""/>
+        <a:defRPr sz="1400" kern="1200">
+          <a:ln>
+            <a:solidFill>
+              <a:schemeClr val="bg1">
+                <a:lumMod val="75000"/>
+                <a:lumOff val="25000"/>
+                <a:alpha val="10000"/>
+              </a:schemeClr>
+            </a:solidFill>
+          </a:ln>
           <a:solidFill>
-            <a:schemeClr val="tx1"/>
+            <a:schemeClr val="tx2"/>
           </a:solidFill>
+          <a:effectLst>
+            <a:outerShdw blurRad="9525" dist="25400" dir="14640000" algn="tl" rotWithShape="0">
+              <a:schemeClr val="bg1">
+                <a:alpha val="30000"/>
+              </a:schemeClr>
+            </a:outerShdw>
+          </a:effectLst>
           <a:latin typeface="+mn-lt"/>
           <a:ea typeface="+mn-ea"/>
           <a:cs typeface="+mn-cs"/>
@@ -3240,7 +5912,7 @@
       <a:defPPr>
         <a:defRPr lang="en-US"/>
       </a:defPPr>
-      <a:lvl1pPr marL="0" algn="l" defTabSz="914400" rtl="0" eaLnBrk="1" latinLnBrk="0" hangingPunct="1">
+      <a:lvl1pPr marL="0" algn="l" defTabSz="457200" rtl="0" eaLnBrk="1" latinLnBrk="0" hangingPunct="1">
         <a:defRPr sz="1800" kern="1200">
           <a:solidFill>
             <a:schemeClr val="tx1"/>
@@ -3250,7 +5922,7 @@
           <a:cs typeface="+mn-cs"/>
         </a:defRPr>
       </a:lvl1pPr>
-      <a:lvl2pPr marL="457200" algn="l" defTabSz="914400" rtl="0" eaLnBrk="1" latinLnBrk="0" hangingPunct="1">
+      <a:lvl2pPr marL="457200" algn="l" defTabSz="457200" rtl="0" eaLnBrk="1" latinLnBrk="0" hangingPunct="1">
         <a:defRPr sz="1800" kern="1200">
           <a:solidFill>
             <a:schemeClr val="tx1"/>
@@ -3260,7 +5932,7 @@
           <a:cs typeface="+mn-cs"/>
         </a:defRPr>
       </a:lvl2pPr>
-      <a:lvl3pPr marL="914400" algn="l" defTabSz="914400" rtl="0" eaLnBrk="1" latinLnBrk="0" hangingPunct="1">
+      <a:lvl3pPr marL="914400" algn="l" defTabSz="457200" rtl="0" eaLnBrk="1" latinLnBrk="0" hangingPunct="1">
         <a:defRPr sz="1800" kern="1200">
           <a:solidFill>
             <a:schemeClr val="tx1"/>
@@ -3270,7 +5942,7 @@
           <a:cs typeface="+mn-cs"/>
         </a:defRPr>
       </a:lvl3pPr>
-      <a:lvl4pPr marL="1371600" algn="l" defTabSz="914400" rtl="0" eaLnBrk="1" latinLnBrk="0" hangingPunct="1">
+      <a:lvl4pPr marL="1371600" algn="l" defTabSz="457200" rtl="0" eaLnBrk="1" latinLnBrk="0" hangingPunct="1">
         <a:defRPr sz="1800" kern="1200">
           <a:solidFill>
             <a:schemeClr val="tx1"/>
@@ -3280,7 +5952,7 @@
           <a:cs typeface="+mn-cs"/>
         </a:defRPr>
       </a:lvl4pPr>
-      <a:lvl5pPr marL="1828800" algn="l" defTabSz="914400" rtl="0" eaLnBrk="1" latinLnBrk="0" hangingPunct="1">
+      <a:lvl5pPr marL="1828800" algn="l" defTabSz="457200" rtl="0" eaLnBrk="1" latinLnBrk="0" hangingPunct="1">
         <a:defRPr sz="1800" kern="1200">
           <a:solidFill>
             <a:schemeClr val="tx1"/>
@@ -3290,7 +5962,7 @@
           <a:cs typeface="+mn-cs"/>
         </a:defRPr>
       </a:lvl5pPr>
-      <a:lvl6pPr marL="2286000" algn="l" defTabSz="914400" rtl="0" eaLnBrk="1" latinLnBrk="0" hangingPunct="1">
+      <a:lvl6pPr marL="2286000" algn="l" defTabSz="457200" rtl="0" eaLnBrk="1" latinLnBrk="0" hangingPunct="1">
         <a:defRPr sz="1800" kern="1200">
           <a:solidFill>
             <a:schemeClr val="tx1"/>
@@ -3300,7 +5972,7 @@
           <a:cs typeface="+mn-cs"/>
         </a:defRPr>
       </a:lvl6pPr>
-      <a:lvl7pPr marL="2743200" algn="l" defTabSz="914400" rtl="0" eaLnBrk="1" latinLnBrk="0" hangingPunct="1">
+      <a:lvl7pPr marL="2743200" algn="l" defTabSz="457200" rtl="0" eaLnBrk="1" latinLnBrk="0" hangingPunct="1">
         <a:defRPr sz="1800" kern="1200">
           <a:solidFill>
             <a:schemeClr val="tx1"/>
@@ -3310,7 +5982,7 @@
           <a:cs typeface="+mn-cs"/>
         </a:defRPr>
       </a:lvl7pPr>
-      <a:lvl8pPr marL="3200400" algn="l" defTabSz="914400" rtl="0" eaLnBrk="1" latinLnBrk="0" hangingPunct="1">
+      <a:lvl8pPr marL="3200400" algn="l" defTabSz="457200" rtl="0" eaLnBrk="1" latinLnBrk="0" hangingPunct="1">
         <a:defRPr sz="1800" kern="1200">
           <a:solidFill>
             <a:schemeClr val="tx1"/>
@@ -3320,7 +5992,7 @@
           <a:cs typeface="+mn-cs"/>
         </a:defRPr>
       </a:lvl8pPr>
-      <a:lvl9pPr marL="3657600" algn="l" defTabSz="914400" rtl="0" eaLnBrk="1" latinLnBrk="0" hangingPunct="1">
+      <a:lvl9pPr marL="3657600" algn="l" defTabSz="457200" rtl="0" eaLnBrk="1" latinLnBrk="0" hangingPunct="1">
         <a:defRPr sz="1800" kern="1200">
           <a:solidFill>
             <a:schemeClr val="tx1"/>
@@ -3403,7 +6075,7 @@
           <a:p>
             <a:r>
               <a:rPr lang="en-AU" dirty="0"/>
-              <a:t>Group – Taner, Stephen, Jack</a:t>
+              <a:t>Group – Taner, Stephen and Jack</a:t>
             </a:r>
           </a:p>
         </p:txBody>
@@ -3616,6 +6288,25 @@
 <file path=ppt/slides/slide4.xml><?xml version="1.0" encoding="utf-8"?>
 <p:sld xmlns:a="http://schemas.openxmlformats.org/drawingml/2006/main" xmlns:r="http://schemas.openxmlformats.org/officeDocument/2006/relationships" xmlns:p="http://schemas.openxmlformats.org/presentationml/2006/main">
   <p:cSld>
+    <p:bg>
+      <p:bgPr>
+        <a:blipFill rotWithShape="1">
+          <a:blip r:embed="rId2">
+            <a:duotone>
+              <a:schemeClr val="bg2">
+                <a:shade val="80000"/>
+                <a:lumMod val="80000"/>
+              </a:schemeClr>
+              <a:schemeClr val="bg2">
+                <a:tint val="98000"/>
+              </a:schemeClr>
+            </a:duotone>
+          </a:blip>
+          <a:stretch/>
+        </a:blipFill>
+        <a:effectLst/>
+      </p:bgPr>
+    </p:bg>
     <p:spTree>
       <p:nvGrpSpPr>
         <p:cNvPr id="1" name=""/>
@@ -3648,66 +6339,146 @@
         </p:nvSpPr>
         <p:spPr/>
         <p:txBody>
-          <a:bodyPr/>
-          <a:lstStyle/>
-          <a:p>
-            <a:r>
-              <a:rPr lang="en-AU" dirty="0"/>
-              <a:t>Method/Function Explanation</a:t>
-            </a:r>
-          </a:p>
-        </p:txBody>
-      </p:sp>
-      <p:sp>
-        <p:nvSpPr>
-          <p:cNvPr id="4" name="Picture Placeholder 3">
+          <a:bodyPr vert="horz" lIns="91440" tIns="45720" rIns="91440" bIns="45720" rtlCol="0" anchor="b">
+            <a:normAutofit/>
+          </a:bodyPr>
+          <a:lstStyle/>
+          <a:p>
+            <a:r>
+              <a:rPr lang="en-US" sz="4800" dirty="0"/>
+              <a:t>Method/Function Examples</a:t>
+            </a:r>
+          </a:p>
+        </p:txBody>
+      </p:sp>
+      <p:pic>
+        <p:nvPicPr>
+          <p:cNvPr id="40" name="Content Placeholder 39">
             <a:extLst>
               <a:ext uri="{FF2B5EF4-FFF2-40B4-BE49-F238E27FC236}">
-                <a16:creationId xmlns:a16="http://schemas.microsoft.com/office/drawing/2014/main" id="{AB617102-E7AE-F67C-BBC4-CF5E0C0BB5AA}"/>
+                <a16:creationId xmlns:a16="http://schemas.microsoft.com/office/drawing/2014/main" id="{A58BB497-4AED-DC33-200A-D96B014F3AE8}"/>
               </a:ext>
             </a:extLst>
           </p:cNvPr>
-          <p:cNvSpPr>
-            <a:spLocks noGrp="1"/>
-          </p:cNvSpPr>
-          <p:nvPr>
-            <p:ph type="pic" idx="1"/>
-          </p:nvPr>
-        </p:nvSpPr>
-        <p:spPr/>
-        <p:txBody>
-          <a:bodyPr/>
-          <a:lstStyle/>
-          <a:p>
-            <a:endParaRPr lang="en-AU"/>
-          </a:p>
-        </p:txBody>
-      </p:sp>
-      <p:sp>
-        <p:nvSpPr>
-          <p:cNvPr id="5" name="Text Placeholder 4">
+          <p:cNvPicPr>
+            <a:picLocks noGrp="1" noChangeAspect="1"/>
+          </p:cNvPicPr>
+          <p:nvPr>
+            <p:ph sz="half" idx="1"/>
+          </p:nvPr>
+        </p:nvPicPr>
+        <p:blipFill>
+          <a:blip r:embed="rId3"/>
+          <a:stretch>
+            <a:fillRect/>
+          </a:stretch>
+        </p:blipFill>
+        <p:spPr>
+          <a:xfrm>
+            <a:off x="769475" y="3529121"/>
+            <a:ext cx="5059363" cy="2665862"/>
+          </a:xfrm>
+        </p:spPr>
+      </p:pic>
+      <p:pic>
+        <p:nvPicPr>
+          <p:cNvPr id="23" name="Content Placeholder 22">
             <a:extLst>
               <a:ext uri="{FF2B5EF4-FFF2-40B4-BE49-F238E27FC236}">
-                <a16:creationId xmlns:a16="http://schemas.microsoft.com/office/drawing/2014/main" id="{D81B748B-E320-2C71-7C50-F86C65D8028D}"/>
+                <a16:creationId xmlns:a16="http://schemas.microsoft.com/office/drawing/2014/main" id="{B5640FFA-0B0A-96D3-0740-BAE870A62B15}"/>
               </a:ext>
             </a:extLst>
           </p:cNvPr>
-          <p:cNvSpPr>
-            <a:spLocks noGrp="1"/>
-          </p:cNvSpPr>
-          <p:nvPr>
-            <p:ph type="body" sz="half" idx="2"/>
-          </p:nvPr>
-        </p:nvSpPr>
-        <p:spPr/>
-        <p:txBody>
-          <a:bodyPr/>
-          <a:lstStyle/>
-          <a:p>
-            <a:r>
-              <a:rPr lang="en-AU" dirty="0"/>
-              <a:t>Picking function that has imported code in it</a:t>
-            </a:r>
+          <p:cNvPicPr>
+            <a:picLocks noGrp="1" noChangeAspect="1"/>
+          </p:cNvPicPr>
+          <p:nvPr>
+            <p:ph sz="half" idx="2"/>
+          </p:nvPr>
+        </p:nvPicPr>
+        <p:blipFill>
+          <a:blip r:embed="rId4"/>
+          <a:stretch>
+            <a:fillRect/>
+          </a:stretch>
+        </p:blipFill>
+        <p:spPr>
+          <a:xfrm>
+            <a:off x="6363164" y="2374925"/>
+            <a:ext cx="4744112" cy="3820058"/>
+          </a:xfrm>
+        </p:spPr>
+      </p:pic>
+      <p:sp>
+        <p:nvSpPr>
+          <p:cNvPr id="42" name="TextBox 41">
+            <a:extLst>
+              <a:ext uri="{FF2B5EF4-FFF2-40B4-BE49-F238E27FC236}">
+                <a16:creationId xmlns:a16="http://schemas.microsoft.com/office/drawing/2014/main" id="{EC4591A8-0BBE-C1C6-0EF3-7308A6D610B5}"/>
+              </a:ext>
+            </a:extLst>
+          </p:cNvPr>
+          <p:cNvSpPr txBox="1"/>
+          <p:nvPr/>
+        </p:nvSpPr>
+        <p:spPr>
+          <a:xfrm>
+            <a:off x="769476" y="1754366"/>
+            <a:ext cx="5326525" cy="1661993"/>
+          </a:xfrm>
+          <a:prstGeom prst="rect">
+            <a:avLst/>
+          </a:prstGeom>
+          <a:noFill/>
+        </p:spPr>
+        <p:txBody>
+          <a:bodyPr wrap="square" rtlCol="0">
+            <a:spAutoFit/>
+          </a:bodyPr>
+          <a:lstStyle/>
+          <a:p>
+            <a:r>
+              <a:rPr lang="en-AU" sz="1600" b="1" dirty="0" err="1"/>
+              <a:t>codeMaker</a:t>
+            </a:r>
+            <a:r>
+              <a:rPr lang="en-AU" sz="1600" b="1" dirty="0"/>
+              <a:t> function: </a:t>
+            </a:r>
+          </a:p>
+          <a:p>
+            <a:r>
+              <a:rPr lang="en-AU" sz="1400" dirty="0"/>
+              <a:t>Checks for and creates item codes when new stock items or mixes are created by a users.</a:t>
+            </a:r>
+          </a:p>
+          <a:p>
+            <a:endParaRPr lang="en-AU" sz="1400" dirty="0"/>
+          </a:p>
+          <a:p>
+            <a:r>
+              <a:rPr lang="en-AU" sz="1600" b="1" dirty="0" err="1"/>
+              <a:t>search_item</a:t>
+            </a:r>
+            <a:r>
+              <a:rPr lang="en-AU" sz="1600" b="1" dirty="0"/>
+              <a:t> method: </a:t>
+            </a:r>
+          </a:p>
+          <a:p>
+            <a:r>
+              <a:rPr lang="en-AU" sz="1400" dirty="0"/>
+              <a:t>Takes a user’s input, which will be an item number or an item name when using the </a:t>
+            </a:r>
+            <a:r>
+              <a:rPr lang="en-AU" sz="1400" dirty="0" err="1"/>
+              <a:t>searchItem</a:t>
+            </a:r>
+            <a:r>
+              <a:rPr lang="en-AU" sz="1400" dirty="0"/>
+              <a:t>() function.</a:t>
+            </a:r>
+            <a:endParaRPr lang="en-AU" sz="1400" b="1" dirty="0"/>
           </a:p>
         </p:txBody>
       </p:sp>
@@ -3759,38 +6530,86 @@
         </p:nvSpPr>
         <p:spPr/>
         <p:txBody>
-          <a:bodyPr/>
-          <a:lstStyle/>
-          <a:p>
-            <a:r>
-              <a:rPr lang="en-AU" dirty="0"/>
+          <a:bodyPr anchor="ctr">
+            <a:normAutofit/>
+          </a:bodyPr>
+          <a:lstStyle/>
+          <a:p>
+            <a:r>
+              <a:rPr lang="en-AU" sz="3600" dirty="0"/>
               <a:t>Class Explanation</a:t>
             </a:r>
           </a:p>
         </p:txBody>
       </p:sp>
-      <p:sp>
-        <p:nvSpPr>
-          <p:cNvPr id="3" name="Content Placeholder 2">
+      <p:pic>
+        <p:nvPicPr>
+          <p:cNvPr id="21" name="Content Placeholder 20">
             <a:extLst>
               <a:ext uri="{FF2B5EF4-FFF2-40B4-BE49-F238E27FC236}">
-                <a16:creationId xmlns:a16="http://schemas.microsoft.com/office/drawing/2014/main" id="{D58C9DF8-BB96-925C-8299-553505739B52}"/>
+                <a16:creationId xmlns:a16="http://schemas.microsoft.com/office/drawing/2014/main" id="{77B76F12-43F2-7AEB-750E-5439207C9120}"/>
               </a:ext>
             </a:extLst>
           </p:cNvPr>
-          <p:cNvSpPr>
-            <a:spLocks noGrp="1"/>
-          </p:cNvSpPr>
+          <p:cNvPicPr>
+            <a:picLocks noGrp="1" noChangeAspect="1"/>
+          </p:cNvPicPr>
           <p:nvPr>
             <p:ph idx="1"/>
           </p:nvPr>
+        </p:nvPicPr>
+        <p:blipFill>
+          <a:blip r:embed="rId2"/>
+          <a:stretch>
+            <a:fillRect/>
+          </a:stretch>
+        </p:blipFill>
+        <p:spPr>
+          <a:xfrm>
+            <a:off x="4908904" y="1014107"/>
+            <a:ext cx="6306430" cy="4372585"/>
+          </a:xfrm>
+        </p:spPr>
+      </p:pic>
+      <p:sp>
+        <p:nvSpPr>
+          <p:cNvPr id="19" name="Text Placeholder 18">
+            <a:extLst>
+              <a:ext uri="{FF2B5EF4-FFF2-40B4-BE49-F238E27FC236}">
+                <a16:creationId xmlns:a16="http://schemas.microsoft.com/office/drawing/2014/main" id="{64F89F94-A4E8-CB13-C6D2-81E14150F9DB}"/>
+              </a:ext>
+            </a:extLst>
+          </p:cNvPr>
+          <p:cNvSpPr>
+            <a:spLocks noGrp="1"/>
+          </p:cNvSpPr>
+          <p:nvPr>
+            <p:ph type="body" sz="half" idx="2"/>
+          </p:nvPr>
         </p:nvSpPr>
         <p:spPr/>
         <p:txBody>
-          <a:bodyPr/>
-          <a:lstStyle/>
-          <a:p>
-            <a:endParaRPr lang="en-AU"/>
+          <a:bodyPr>
+            <a:normAutofit lnSpcReduction="10000"/>
+          </a:bodyPr>
+          <a:lstStyle/>
+          <a:p>
+            <a:r>
+              <a:rPr lang="en-AU" dirty="0"/>
+              <a:t>The Spirit class, much like the Beer, Wine and Mix classes, inherits from the Beverage class.</a:t>
+            </a:r>
+          </a:p>
+          <a:p>
+            <a:r>
+              <a:rPr lang="en-AU" dirty="0"/>
+              <a:t>The difference between the classes is primarily the data which they collect, as an example, unlike the Beer and Wine classes, the Spirit class has the subtype object, and as such it needs additional getters and setters for that object.</a:t>
+            </a:r>
+          </a:p>
+          <a:p>
+            <a:r>
+              <a:rPr lang="en-AU" dirty="0"/>
+              <a:t>Each of the classes also has a different __str__ method, so that they can display the appropriate information when called.</a:t>
+            </a:r>
           </a:p>
         </p:txBody>
       </p:sp>
@@ -3891,9 +6710,9 @@
 </file>
 
 <file path=ppt/theme/theme1.xml><?xml version="1.0" encoding="utf-8"?>
-<a:theme xmlns:a="http://schemas.openxmlformats.org/drawingml/2006/main" name="Office Theme">
+<a:theme xmlns:a="http://schemas.openxmlformats.org/drawingml/2006/main" name="Slate">
   <a:themeElements>
-    <a:clrScheme name="Office">
+    <a:clrScheme name="Slate">
       <a:dk1>
         <a:sysClr val="windowText" lastClr="000000"/>
       </a:dk1>
@@ -3901,97 +6720,45 @@
         <a:sysClr val="window" lastClr="FFFFFF"/>
       </a:lt1>
       <a:dk2>
-        <a:srgbClr val="0E2841"/>
+        <a:srgbClr val="212123"/>
       </a:dk2>
       <a:lt2>
-        <a:srgbClr val="E8E8E8"/>
+        <a:srgbClr val="DADADA"/>
       </a:lt2>
       <a:accent1>
-        <a:srgbClr val="156082"/>
+        <a:srgbClr val="BC451B"/>
       </a:accent1>
       <a:accent2>
-        <a:srgbClr val="E97132"/>
+        <a:srgbClr val="D3BA68"/>
       </a:accent2>
       <a:accent3>
-        <a:srgbClr val="196B24"/>
+        <a:srgbClr val="BB8640"/>
       </a:accent3>
       <a:accent4>
-        <a:srgbClr val="0F9ED5"/>
+        <a:srgbClr val="AD9277"/>
       </a:accent4>
       <a:accent5>
-        <a:srgbClr val="A02B93"/>
+        <a:srgbClr val="A55A43"/>
       </a:accent5>
       <a:accent6>
-        <a:srgbClr val="4EA72E"/>
+        <a:srgbClr val="AD9D7B"/>
       </a:accent6>
       <a:hlink>
-        <a:srgbClr val="467886"/>
+        <a:srgbClr val="E98052"/>
       </a:hlink>
       <a:folHlink>
-        <a:srgbClr val="96607D"/>
+        <a:srgbClr val="F4B69B"/>
       </a:folHlink>
     </a:clrScheme>
-    <a:fontScheme name="Office">
+    <a:fontScheme name="Slate">
       <a:majorFont>
-        <a:latin typeface="Aptos Display" panose="02110004020202020204"/>
+        <a:latin typeface="Calisto MT" panose="02040603050505030304"/>
         <a:ea typeface=""/>
         <a:cs typeface=""/>
-        <a:font script="Jpan" typeface="游ゴシック Light"/>
-        <a:font script="Hang" typeface="맑은 고딕"/>
-        <a:font script="Hans" typeface="等线 Light"/>
-        <a:font script="Hant" typeface="新細明體"/>
-        <a:font script="Arab" typeface="Times New Roman"/>
-        <a:font script="Hebr" typeface="Times New Roman"/>
-        <a:font script="Thai" typeface="Angsana New"/>
-        <a:font script="Ethi" typeface="Nyala"/>
-        <a:font script="Beng" typeface="Vrinda"/>
-        <a:font script="Gujr" typeface="Shruti"/>
-        <a:font script="Khmr" typeface="MoolBoran"/>
-        <a:font script="Knda" typeface="Tunga"/>
-        <a:font script="Guru" typeface="Raavi"/>
-        <a:font script="Cans" typeface="Euphemia"/>
-        <a:font script="Cher" typeface="Plantagenet Cherokee"/>
-        <a:font script="Yiii" typeface="Microsoft Yi Baiti"/>
-        <a:font script="Tibt" typeface="Microsoft Himalaya"/>
-        <a:font script="Thaa" typeface="MV Boli"/>
-        <a:font script="Deva" typeface="Mangal"/>
-        <a:font script="Telu" typeface="Gautami"/>
-        <a:font script="Taml" typeface="Latha"/>
-        <a:font script="Syrc" typeface="Estrangelo Edessa"/>
-        <a:font script="Orya" typeface="Kalinga"/>
-        <a:font script="Mlym" typeface="Kartika"/>
-        <a:font script="Laoo" typeface="DokChampa"/>
-        <a:font script="Sinh" typeface="Iskoola Pota"/>
-        <a:font script="Mong" typeface="Mongolian Baiti"/>
-        <a:font script="Viet" typeface="Times New Roman"/>
-        <a:font script="Uigh" typeface="Microsoft Uighur"/>
-        <a:font script="Geor" typeface="Sylfaen"/>
-        <a:font script="Armn" typeface="Arial"/>
-        <a:font script="Bugi" typeface="Leelawadee UI"/>
-        <a:font script="Bopo" typeface="Microsoft JhengHei"/>
-        <a:font script="Java" typeface="Javanese Text"/>
-        <a:font script="Lisu" typeface="Segoe UI"/>
-        <a:font script="Mymr" typeface="Myanmar Text"/>
-        <a:font script="Nkoo" typeface="Ebrima"/>
-        <a:font script="Olck" typeface="Nirmala UI"/>
-        <a:font script="Osma" typeface="Ebrima"/>
-        <a:font script="Phag" typeface="Phagspa"/>
-        <a:font script="Syrn" typeface="Estrangelo Edessa"/>
-        <a:font script="Syrj" typeface="Estrangelo Edessa"/>
-        <a:font script="Syre" typeface="Estrangelo Edessa"/>
-        <a:font script="Sora" typeface="Nirmala UI"/>
-        <a:font script="Tale" typeface="Microsoft Tai Le"/>
-        <a:font script="Talu" typeface="Microsoft New Tai Lue"/>
-        <a:font script="Tfng" typeface="Ebrima"/>
-      </a:majorFont>
-      <a:minorFont>
-        <a:latin typeface="Aptos" panose="02110004020202020204"/>
-        <a:ea typeface=""/>
-        <a:cs typeface=""/>
-        <a:font script="Jpan" typeface="游ゴシック"/>
-        <a:font script="Hang" typeface="맑은 고딕"/>
-        <a:font script="Hans" typeface="等线"/>
-        <a:font script="Hant" typeface="新細明體"/>
+        <a:font script="Jpan" typeface="ＭＳ Ｐゴシック"/>
+        <a:font script="Hang" typeface="돋움"/>
+        <a:font script="Hans" typeface="方正舒体"/>
+        <a:font script="Hant" typeface="微軟正黑體"/>
         <a:font script="Arab" typeface="Arial"/>
         <a:font script="Hebr" typeface="Arial"/>
         <a:font script="Thai" typeface="Cordia New"/>
@@ -4018,26 +6785,44 @@
         <a:font script="Viet" typeface="Arial"/>
         <a:font script="Uigh" typeface="Microsoft Uighur"/>
         <a:font script="Geor" typeface="Sylfaen"/>
-        <a:font script="Armn" typeface="Arial"/>
-        <a:font script="Bugi" typeface="Leelawadee UI"/>
-        <a:font script="Bopo" typeface="Microsoft JhengHei"/>
-        <a:font script="Java" typeface="Javanese Text"/>
-        <a:font script="Lisu" typeface="Segoe UI"/>
-        <a:font script="Mymr" typeface="Myanmar Text"/>
-        <a:font script="Nkoo" typeface="Ebrima"/>
-        <a:font script="Olck" typeface="Nirmala UI"/>
-        <a:font script="Osma" typeface="Ebrima"/>
-        <a:font script="Phag" typeface="Phagspa"/>
-        <a:font script="Syrn" typeface="Estrangelo Edessa"/>
-        <a:font script="Syrj" typeface="Estrangelo Edessa"/>
-        <a:font script="Syre" typeface="Estrangelo Edessa"/>
-        <a:font script="Sora" typeface="Nirmala UI"/>
-        <a:font script="Tale" typeface="Microsoft Tai Le"/>
-        <a:font script="Talu" typeface="Microsoft New Tai Lue"/>
-        <a:font script="Tfng" typeface="Ebrima"/>
+      </a:majorFont>
+      <a:minorFont>
+        <a:latin typeface="Calisto MT" panose="02040603050505030304"/>
+        <a:ea typeface=""/>
+        <a:cs typeface=""/>
+        <a:font script="Jpan" typeface="ＭＳ Ｐゴシック"/>
+        <a:font script="Hang" typeface="돋움"/>
+        <a:font script="Hans" typeface="方正舒体"/>
+        <a:font script="Hant" typeface="微軟正黑體"/>
+        <a:font script="Arab" typeface="Arial"/>
+        <a:font script="Hebr" typeface="Arial"/>
+        <a:font script="Thai" typeface="Cordia New"/>
+        <a:font script="Ethi" typeface="Nyala"/>
+        <a:font script="Beng" typeface="Vrinda"/>
+        <a:font script="Gujr" typeface="Shruti"/>
+        <a:font script="Khmr" typeface="DaunPenh"/>
+        <a:font script="Knda" typeface="Tunga"/>
+        <a:font script="Guru" typeface="Raavi"/>
+        <a:font script="Cans" typeface="Euphemia"/>
+        <a:font script="Cher" typeface="Plantagenet Cherokee"/>
+        <a:font script="Yiii" typeface="Microsoft Yi Baiti"/>
+        <a:font script="Tibt" typeface="Microsoft Himalaya"/>
+        <a:font script="Thaa" typeface="MV Boli"/>
+        <a:font script="Deva" typeface="Mangal"/>
+        <a:font script="Telu" typeface="Gautami"/>
+        <a:font script="Taml" typeface="Latha"/>
+        <a:font script="Syrc" typeface="Estrangelo Edessa"/>
+        <a:font script="Orya" typeface="Kalinga"/>
+        <a:font script="Mlym" typeface="Kartika"/>
+        <a:font script="Laoo" typeface="DokChampa"/>
+        <a:font script="Sinh" typeface="Iskoola Pota"/>
+        <a:font script="Mong" typeface="Mongolian Baiti"/>
+        <a:font script="Viet" typeface="Arial"/>
+        <a:font script="Uigh" typeface="Microsoft Uighur"/>
+        <a:font script="Geor" typeface="Sylfaen"/>
       </a:minorFont>
     </a:fontScheme>
-    <a:fmtScheme name="Office">
+    <a:fmtScheme name="Slate">
       <a:fillStyleLst>
         <a:solidFill>
           <a:schemeClr val="phClr"/>
@@ -4046,23 +6831,13 @@
           <a:gsLst>
             <a:gs pos="0">
               <a:schemeClr val="phClr">
+                <a:tint val="60000"/>
                 <a:lumMod val="110000"/>
-                <a:satMod val="105000"/>
-                <a:tint val="67000"/>
-              </a:schemeClr>
-            </a:gs>
-            <a:gs pos="50000">
-              <a:schemeClr val="phClr">
-                <a:lumMod val="105000"/>
-                <a:satMod val="103000"/>
-                <a:tint val="73000"/>
               </a:schemeClr>
             </a:gs>
             <a:gs pos="100000">
               <a:schemeClr val="phClr">
-                <a:lumMod val="105000"/>
-                <a:satMod val="109000"/>
-                <a:tint val="81000"/>
+                <a:tint val="88000"/>
               </a:schemeClr>
             </a:gs>
           </a:gsLst>
@@ -4072,23 +6847,14 @@
           <a:gsLst>
             <a:gs pos="0">
               <a:schemeClr val="phClr">
-                <a:satMod val="103000"/>
-                <a:lumMod val="102000"/>
-                <a:tint val="94000"/>
-              </a:schemeClr>
-            </a:gs>
-            <a:gs pos="50000">
-              <a:schemeClr val="phClr">
-                <a:satMod val="110000"/>
-                <a:lumMod val="100000"/>
-                <a:shade val="100000"/>
+                <a:tint val="96000"/>
+                <a:lumMod val="104000"/>
               </a:schemeClr>
             </a:gs>
             <a:gs pos="100000">
               <a:schemeClr val="phClr">
-                <a:lumMod val="99000"/>
-                <a:satMod val="120000"/>
-                <a:shade val="78000"/>
+                <a:shade val="90000"/>
+                <a:lumMod val="90000"/>
               </a:schemeClr>
             </a:gs>
           </a:gsLst>
@@ -4096,26 +6862,25 @@
         </a:gradFill>
       </a:fillStyleLst>
       <a:lnStyleLst>
-        <a:ln w="12700" cap="flat" cmpd="sng" algn="ctr">
+        <a:ln w="9525" cap="rnd" cmpd="sng" algn="ctr">
+          <a:solidFill>
+            <a:schemeClr val="phClr">
+              <a:shade val="90000"/>
+            </a:schemeClr>
+          </a:solidFill>
+          <a:prstDash val="solid"/>
+        </a:ln>
+        <a:ln w="15875" cap="rnd" cmpd="sng" algn="ctr">
           <a:solidFill>
             <a:schemeClr val="phClr"/>
           </a:solidFill>
           <a:prstDash val="solid"/>
-          <a:miter lim="800000"/>
         </a:ln>
-        <a:ln w="19050" cap="flat" cmpd="sng" algn="ctr">
+        <a:ln w="25400" cap="rnd" cmpd="sng" algn="ctr">
           <a:solidFill>
             <a:schemeClr val="phClr"/>
           </a:solidFill>
           <a:prstDash val="solid"/>
-          <a:miter lim="800000"/>
-        </a:ln>
-        <a:ln w="25400" cap="flat" cmpd="sng" algn="ctr">
-          <a:solidFill>
-            <a:schemeClr val="phClr"/>
-          </a:solidFill>
-          <a:prstDash val="solid"/>
-          <a:miter lim="800000"/>
         </a:ln>
       </a:lnStyleLst>
       <a:effectStyleLst>
@@ -4123,16 +6888,33 @@
           <a:effectLst/>
         </a:effectStyle>
         <a:effectStyle>
-          <a:effectLst/>
+          <a:effectLst>
+            <a:outerShdw blurRad="63500" dist="25400" dir="5400000" rotWithShape="0">
+              <a:srgbClr val="000000">
+                <a:alpha val="60000"/>
+              </a:srgbClr>
+            </a:outerShdw>
+          </a:effectLst>
         </a:effectStyle>
         <a:effectStyle>
           <a:effectLst>
-            <a:outerShdw blurRad="57150" dist="19050" dir="5400000" algn="ctr" rotWithShape="0">
+            <a:outerShdw blurRad="76200" dist="38100" dir="5400000" rotWithShape="0">
               <a:srgbClr val="000000">
-                <a:alpha val="63000"/>
+                <a:alpha val="75000"/>
               </a:srgbClr>
             </a:outerShdw>
           </a:effectLst>
+          <a:scene3d>
+            <a:camera prst="orthographicFront">
+              <a:rot lat="0" lon="0" rev="0"/>
+            </a:camera>
+            <a:lightRig rig="threePt" dir="t">
+              <a:rot lat="0" lon="0" rev="1200000"/>
+            </a:lightRig>
+          </a:scene3d>
+          <a:sp3d>
+            <a:bevelT w="63500" h="25400" prst="hardEdge"/>
+          </a:sp3d>
         </a:effectStyle>
       </a:effectStyleLst>
       <a:bgFillStyleLst>
@@ -4140,66 +6922,30 @@
           <a:schemeClr val="phClr"/>
         </a:solidFill>
         <a:solidFill>
-          <a:schemeClr val="phClr">
-            <a:tint val="95000"/>
-            <a:satMod val="170000"/>
-          </a:schemeClr>
+          <a:schemeClr val="phClr"/>
         </a:solidFill>
-        <a:gradFill rotWithShape="1">
-          <a:gsLst>
-            <a:gs pos="0">
+        <a:blipFill rotWithShape="1">
+          <a:blip xmlns:r="http://schemas.openxmlformats.org/officeDocument/2006/relationships" r:embed="rId1">
+            <a:duotone>
               <a:schemeClr val="phClr">
-                <a:tint val="93000"/>
-                <a:satMod val="150000"/>
-                <a:shade val="98000"/>
-                <a:lumMod val="102000"/>
+                <a:shade val="80000"/>
+                <a:lumMod val="80000"/>
               </a:schemeClr>
-            </a:gs>
-            <a:gs pos="50000">
               <a:schemeClr val="phClr">
                 <a:tint val="98000"/>
-                <a:satMod val="130000"/>
-                <a:shade val="90000"/>
-                <a:lumMod val="103000"/>
               </a:schemeClr>
-            </a:gs>
-            <a:gs pos="100000">
-              <a:schemeClr val="phClr">
-                <a:shade val="63000"/>
-                <a:satMod val="120000"/>
-              </a:schemeClr>
-            </a:gs>
-          </a:gsLst>
-          <a:lin ang="5400000" scaled="0"/>
-        </a:gradFill>
+            </a:duotone>
+          </a:blip>
+          <a:stretch/>
+        </a:blipFill>
       </a:bgFillStyleLst>
     </a:fmtScheme>
   </a:themeElements>
-  <a:objectDefaults>
-    <a:lnDef>
-      <a:spPr/>
-      <a:bodyPr/>
-      <a:lstStyle/>
-      <a:style>
-        <a:lnRef idx="2">
-          <a:schemeClr val="accent1"/>
-        </a:lnRef>
-        <a:fillRef idx="0">
-          <a:schemeClr val="accent1"/>
-        </a:fillRef>
-        <a:effectRef idx="1">
-          <a:schemeClr val="accent1"/>
-        </a:effectRef>
-        <a:fontRef idx="minor">
-          <a:schemeClr val="tx1"/>
-        </a:fontRef>
-      </a:style>
-    </a:lnDef>
-  </a:objectDefaults>
+  <a:objectDefaults/>
   <a:extraClrSchemeLst/>
   <a:extLst>
     <a:ext uri="{05A4C25C-085E-4340-85A3-A5531E510DB2}">
-      <thm15:themeFamily xmlns:thm15="http://schemas.microsoft.com/office/thememl/2012/main" name="Office Theme" id="{2E142A2C-CD16-42D6-873A-C26D2A0506FA}" vid="{1BDDFF52-6CD6-40A5-AB3C-68EB2F1E4D0A}"/>
+      <thm15:themeFamily xmlns:thm15="http://schemas.microsoft.com/office/thememl/2012/main" name="Slate" id="{C3F70B94-7CE9-428E-ADC1-3269CC2C3385}" vid="{3F2DE9A5-64E6-437C-A389-CC4477E817E8}"/>
     </a:ext>
   </a:extLst>
 </a:theme>

--- a/presentation_powerpoint.pptx
+++ b/presentation_powerpoint.pptx
@@ -302,7 +302,7 @@
           <a:p>
             <a:fld id="{D90120EC-953E-48DF-8E2D-0C8283984789}" type="datetimeFigureOut">
               <a:rPr lang="en-AU" smtClean="0"/>
-              <a:t>6/12/2024</a:t>
+              <a:t>7/12/2024</a:t>
             </a:fld>
             <a:endParaRPr lang="en-AU"/>
           </a:p>
@@ -600,7 +600,7 @@
           <a:p>
             <a:fld id="{D90120EC-953E-48DF-8E2D-0C8283984789}" type="datetimeFigureOut">
               <a:rPr lang="en-AU" smtClean="0"/>
-              <a:t>6/12/2024</a:t>
+              <a:t>7/12/2024</a:t>
             </a:fld>
             <a:endParaRPr lang="en-AU"/>
           </a:p>
@@ -792,7 +792,7 @@
           <a:p>
             <a:fld id="{D90120EC-953E-48DF-8E2D-0C8283984789}" type="datetimeFigureOut">
               <a:rPr lang="en-AU" smtClean="0"/>
-              <a:t>6/12/2024</a:t>
+              <a:t>7/12/2024</a:t>
             </a:fld>
             <a:endParaRPr lang="en-AU"/>
           </a:p>
@@ -1053,7 +1053,7 @@
           <a:p>
             <a:fld id="{D90120EC-953E-48DF-8E2D-0C8283984789}" type="datetimeFigureOut">
               <a:rPr lang="en-AU" smtClean="0"/>
-              <a:t>6/12/2024</a:t>
+              <a:t>7/12/2024</a:t>
             </a:fld>
             <a:endParaRPr lang="en-AU"/>
           </a:p>
@@ -1477,7 +1477,7 @@
           <a:p>
             <a:fld id="{D90120EC-953E-48DF-8E2D-0C8283984789}" type="datetimeFigureOut">
               <a:rPr lang="en-AU" smtClean="0"/>
-              <a:t>6/12/2024</a:t>
+              <a:t>7/12/2024</a:t>
             </a:fld>
             <a:endParaRPr lang="en-AU"/>
           </a:p>
@@ -2014,7 +2014,7 @@
           <a:p>
             <a:fld id="{D90120EC-953E-48DF-8E2D-0C8283984789}" type="datetimeFigureOut">
               <a:rPr lang="en-AU" smtClean="0"/>
-              <a:t>6/12/2024</a:t>
+              <a:t>7/12/2024</a:t>
             </a:fld>
             <a:endParaRPr lang="en-AU"/>
           </a:p>
@@ -2878,7 +2878,7 @@
           <a:p>
             <a:fld id="{D90120EC-953E-48DF-8E2D-0C8283984789}" type="datetimeFigureOut">
               <a:rPr lang="en-AU" smtClean="0"/>
-              <a:t>6/12/2024</a:t>
+              <a:t>7/12/2024</a:t>
             </a:fld>
             <a:endParaRPr lang="en-AU"/>
           </a:p>
@@ -3048,7 +3048,7 @@
           <a:p>
             <a:fld id="{D90120EC-953E-48DF-8E2D-0C8283984789}" type="datetimeFigureOut">
               <a:rPr lang="en-AU" smtClean="0"/>
-              <a:t>6/12/2024</a:t>
+              <a:t>7/12/2024</a:t>
             </a:fld>
             <a:endParaRPr lang="en-AU"/>
           </a:p>
@@ -3232,7 +3232,7 @@
           <a:p>
             <a:fld id="{D90120EC-953E-48DF-8E2D-0C8283984789}" type="datetimeFigureOut">
               <a:rPr lang="en-AU" smtClean="0"/>
-              <a:t>6/12/2024</a:t>
+              <a:t>7/12/2024</a:t>
             </a:fld>
             <a:endParaRPr lang="en-AU"/>
           </a:p>
@@ -3402,7 +3402,7 @@
           <a:p>
             <a:fld id="{D90120EC-953E-48DF-8E2D-0C8283984789}" type="datetimeFigureOut">
               <a:rPr lang="en-AU" smtClean="0"/>
-              <a:t>6/12/2024</a:t>
+              <a:t>7/12/2024</a:t>
             </a:fld>
             <a:endParaRPr lang="en-AU"/>
           </a:p>
@@ -3646,7 +3646,7 @@
           <a:p>
             <a:fld id="{D90120EC-953E-48DF-8E2D-0C8283984789}" type="datetimeFigureOut">
               <a:rPr lang="en-AU" smtClean="0"/>
-              <a:t>6/12/2024</a:t>
+              <a:t>7/12/2024</a:t>
             </a:fld>
             <a:endParaRPr lang="en-AU"/>
           </a:p>
@@ -3882,7 +3882,7 @@
           <a:p>
             <a:fld id="{D90120EC-953E-48DF-8E2D-0C8283984789}" type="datetimeFigureOut">
               <a:rPr lang="en-AU" smtClean="0"/>
-              <a:t>6/12/2024</a:t>
+              <a:t>7/12/2024</a:t>
             </a:fld>
             <a:endParaRPr lang="en-AU"/>
           </a:p>
@@ -4348,7 +4348,7 @@
           <a:p>
             <a:fld id="{D90120EC-953E-48DF-8E2D-0C8283984789}" type="datetimeFigureOut">
               <a:rPr lang="en-AU" smtClean="0"/>
-              <a:t>6/12/2024</a:t>
+              <a:t>7/12/2024</a:t>
             </a:fld>
             <a:endParaRPr lang="en-AU"/>
           </a:p>
@@ -4466,7 +4466,7 @@
           <a:p>
             <a:fld id="{D90120EC-953E-48DF-8E2D-0C8283984789}" type="datetimeFigureOut">
               <a:rPr lang="en-AU" smtClean="0"/>
-              <a:t>6/12/2024</a:t>
+              <a:t>7/12/2024</a:t>
             </a:fld>
             <a:endParaRPr lang="en-AU"/>
           </a:p>
@@ -4561,7 +4561,7 @@
           <a:p>
             <a:fld id="{D90120EC-953E-48DF-8E2D-0C8283984789}" type="datetimeFigureOut">
               <a:rPr lang="en-AU" smtClean="0"/>
-              <a:t>6/12/2024</a:t>
+              <a:t>7/12/2024</a:t>
             </a:fld>
             <a:endParaRPr lang="en-AU"/>
           </a:p>
@@ -4816,7 +4816,7 @@
           <a:p>
             <a:fld id="{D90120EC-953E-48DF-8E2D-0C8283984789}" type="datetimeFigureOut">
               <a:rPr lang="en-AU" smtClean="0"/>
-              <a:t>6/12/2024</a:t>
+              <a:t>7/12/2024</a:t>
             </a:fld>
             <a:endParaRPr lang="en-AU"/>
           </a:p>
@@ -5116,7 +5116,7 @@
           <a:p>
             <a:fld id="{D90120EC-953E-48DF-8E2D-0C8283984789}" type="datetimeFigureOut">
               <a:rPr lang="en-AU" smtClean="0"/>
-              <a:t>6/12/2024</a:t>
+              <a:t>7/12/2024</a:t>
             </a:fld>
             <a:endParaRPr lang="en-AU"/>
           </a:p>
@@ -5350,7 +5350,7 @@
           <a:p>
             <a:fld id="{D90120EC-953E-48DF-8E2D-0C8283984789}" type="datetimeFigureOut">
               <a:rPr lang="en-AU" smtClean="0"/>
-              <a:t>6/12/2024</a:t>
+              <a:t>7/12/2024</a:t>
             </a:fld>
             <a:endParaRPr lang="en-AU"/>
           </a:p>
@@ -6267,8 +6267,24 @@
           <a:p>
             <a:r>
               <a:rPr lang="en-AU" dirty="0"/>
-              <a:t>Due mostly to the simplicity of the project, no ethical concerns were raised.</a:t>
-            </a:r>
+              <a:t>Because the application specifically refers to alcoholic beverages, there is the necessity to ensure that the application is used only by parties that bear in mind the consequences that alcohol can have on different groups.</a:t>
+            </a:r>
+          </a:p>
+          <a:p>
+            <a:pPr lvl="1"/>
+            <a:r>
+              <a:rPr lang="en-AU" dirty="0"/>
+              <a:t>As an addon to concerns about alcohol, the app provides information relevant to Australian standard drinks, the information is provided to assist in managing alcohol consumption, but there exists the concern that is could result in the opposite.</a:t>
+            </a:r>
+          </a:p>
+          <a:p>
+            <a:r>
+              <a:rPr lang="en-AU" dirty="0"/>
+              <a:t>While the application does not actively track stock (though that could be a future feature), the application does concern itself with pricing. The use of the application in a setting where money is exchanged is cause for care to be taken in its use.</a:t>
+            </a:r>
+          </a:p>
+          <a:p>
+            <a:endParaRPr lang="en-AU" dirty="0"/>
           </a:p>
         </p:txBody>
       </p:sp>
@@ -6404,7 +6420,7 @@
         </p:blipFill>
         <p:spPr>
           <a:xfrm>
-            <a:off x="6363164" y="2374925"/>
+            <a:off x="6363164" y="1754366"/>
             <a:ext cx="4744112" cy="3820058"/>
           </a:xfrm>
         </p:spPr>
@@ -6449,11 +6465,8 @@
           <a:p>
             <a:r>
               <a:rPr lang="en-AU" sz="1400" dirty="0"/>
-              <a:t>Checks for and creates item codes when new stock items or mixes are created by a users.</a:t>
-            </a:r>
-          </a:p>
-          <a:p>
-            <a:endParaRPr lang="en-AU" sz="1400" dirty="0"/>
+              <a:t>Checks for and creates item codes when new stock items or mixes are created by a users. Makes use of the inbuilt python module ‘random’.</a:t>
+            </a:r>
           </a:p>
           <a:p>
             <a:r>
@@ -6476,9 +6489,52 @@
             </a:r>
             <a:r>
               <a:rPr lang="en-AU" sz="1400" dirty="0"/>
-              <a:t>() function.</a:t>
+              <a:t> function.</a:t>
             </a:r>
             <a:endParaRPr lang="en-AU" sz="1400" b="1" dirty="0"/>
+          </a:p>
+        </p:txBody>
+      </p:sp>
+      <p:sp>
+        <p:nvSpPr>
+          <p:cNvPr id="3" name="TextBox 2">
+            <a:extLst>
+              <a:ext uri="{FF2B5EF4-FFF2-40B4-BE49-F238E27FC236}">
+                <a16:creationId xmlns:a16="http://schemas.microsoft.com/office/drawing/2014/main" id="{C5FD5351-3C0A-C3CC-F060-BD98725A81C5}"/>
+              </a:ext>
+            </a:extLst>
+          </p:cNvPr>
+          <p:cNvSpPr txBox="1"/>
+          <p:nvPr/>
+        </p:nvSpPr>
+        <p:spPr>
+          <a:xfrm>
+            <a:off x="6363164" y="5748740"/>
+            <a:ext cx="4744112" cy="738664"/>
+          </a:xfrm>
+          <a:prstGeom prst="rect">
+            <a:avLst/>
+          </a:prstGeom>
+          <a:noFill/>
+        </p:spPr>
+        <p:txBody>
+          <a:bodyPr wrap="square" rtlCol="0">
+            <a:spAutoFit/>
+          </a:bodyPr>
+          <a:lstStyle/>
+          <a:p>
+            <a:r>
+              <a:rPr lang="en-AU" sz="1400" dirty="0"/>
+              <a:t>The random module was used so that each code would be unique, as the </a:t>
+            </a:r>
+            <a:r>
+              <a:rPr lang="en-AU" sz="1400" dirty="0" err="1"/>
+              <a:t>randint</a:t>
+            </a:r>
+            <a:r>
+              <a:rPr lang="en-AU" sz="1400" dirty="0"/>
+              <a:t> method specifically, will produce an integer value that is distinct to any code used before it.</a:t>
+            </a:r>
           </a:p>
         </p:txBody>
       </p:sp>
@@ -6594,18 +6650,21 @@
           </a:bodyPr>
           <a:lstStyle/>
           <a:p>
+            <a:pPr algn="l"/>
             <a:r>
               <a:rPr lang="en-AU" dirty="0"/>
               <a:t>The Spirit class, much like the Beer, Wine and Mix classes, inherits from the Beverage class.</a:t>
             </a:r>
           </a:p>
           <a:p>
+            <a:pPr algn="l"/>
             <a:r>
               <a:rPr lang="en-AU" dirty="0"/>
               <a:t>The difference between the classes is primarily the data which they collect, as an example, unlike the Beer and Wine classes, the Spirit class has the subtype object, and as such it needs additional getters and setters for that object.</a:t>
             </a:r>
           </a:p>
           <a:p>
+            <a:pPr algn="l"/>
             <a:r>
               <a:rPr lang="en-AU" dirty="0"/>
               <a:t>Each of the classes also has a different __str__ method, so that they can display the appropriate information when called.</a:t>
